--- a/Stuff/T3000.pptx
+++ b/Stuff/T3000.pptx
@@ -6,17 +6,24 @@
     <p:sldMasterId id="2147483656" r:id="rId2"/>
   </p:sldMasterIdLst>
   <p:notesMasterIdLst>
-    <p:notesMasterId r:id="rId8"/>
+    <p:notesMasterId r:id="rId15"/>
   </p:notesMasterIdLst>
   <p:handoutMasterIdLst>
-    <p:handoutMasterId r:id="rId9"/>
+    <p:handoutMasterId r:id="rId16"/>
   </p:handoutMasterIdLst>
   <p:sldIdLst>
     <p:sldId id="256" r:id="rId3"/>
     <p:sldId id="257" r:id="rId4"/>
-    <p:sldId id="260" r:id="rId5"/>
-    <p:sldId id="258" r:id="rId6"/>
-    <p:sldId id="259" r:id="rId7"/>
+    <p:sldId id="262" r:id="rId5"/>
+    <p:sldId id="260" r:id="rId6"/>
+    <p:sldId id="268" r:id="rId7"/>
+    <p:sldId id="261" r:id="rId8"/>
+    <p:sldId id="265" r:id="rId9"/>
+    <p:sldId id="266" r:id="rId10"/>
+    <p:sldId id="267" r:id="rId11"/>
+    <p:sldId id="264" r:id="rId12"/>
+    <p:sldId id="258" r:id="rId13"/>
+    <p:sldId id="259" r:id="rId14"/>
   </p:sldIdLst>
   <p:sldSz cx="12192000" cy="6858000"/>
   <p:notesSz cx="6858000" cy="9144000"/>
@@ -122,11 +129,18 @@
           <p14:sldIdLst>
             <p14:sldId id="256"/>
             <p14:sldId id="257"/>
+            <p14:sldId id="262"/>
           </p14:sldIdLst>
         </p14:section>
         <p14:section name="Inhalt" id="{EB7416D2-FE43-421A-A82D-DCCB9519097D}">
           <p14:sldIdLst>
             <p14:sldId id="260"/>
+            <p14:sldId id="268"/>
+            <p14:sldId id="261"/>
+            <p14:sldId id="265"/>
+            <p14:sldId id="266"/>
+            <p14:sldId id="267"/>
+            <p14:sldId id="264"/>
           </p14:sldIdLst>
         </p14:section>
         <p14:section name="Zusammenfassung" id="{3935168F-CA97-4DBE-AA4D-CD6487E81BA7}">
@@ -158,6 +172,17 @@
 </p:presentation>
 </file>
 
+<file path=ppt/revisionInfo.xml><?xml version="1.0" encoding="utf-8"?>
+<p1510:revInfo xmlns:a="http://schemas.openxmlformats.org/drawingml/2006/main" xmlns:r="http://schemas.openxmlformats.org/officeDocument/2006/relationships" xmlns:p1510="http://schemas.microsoft.com/office/powerpoint/2015/10/main">
+  <p1510:revLst>
+    <p1510:client id="{01D9E2FF-9021-3622-141E-433B3EA10008}" v="7" dt="2021-06-16T13:01:38.553"/>
+    <p1510:client id="{8A713AA6-F39C-A21D-1380-FD89E0F270C6}" v="143" dt="2021-06-16T13:01:11.691"/>
+    <p1510:client id="{ABEA5B18-155E-5B84-F2AE-3A687DA0CEE4}" v="61" dt="2021-06-21T16:03:21.623"/>
+    <p1510:client id="{DE5DEAFB-B888-8133-BB08-B42094DB3BF1}" v="840" dt="2021-06-17T05:52:45.018"/>
+  </p1510:revLst>
+</p1510:revInfo>
+</file>
+
 <file path=ppt/handoutMasters/handoutMaster1.xml><?xml version="1.0" encoding="utf-8"?>
 <p:handoutMaster xmlns:a="http://schemas.openxmlformats.org/drawingml/2006/main" xmlns:r="http://schemas.openxmlformats.org/officeDocument/2006/relationships" xmlns:p="http://schemas.openxmlformats.org/presentationml/2006/main">
   <p:cSld>
@@ -248,7 +273,7 @@
                   <a:schemeClr val="tx2"/>
                 </a:solidFill>
               </a:rPr>
-              <a:t>15.06.2021</a:t>
+              <a:t>21.06.2021</a:t>
             </a:fld>
             <a:endParaRPr lang="de-DE">
               <a:solidFill>
@@ -326,7 +351,7 @@
                   <a:schemeClr val="tx2"/>
                 </a:solidFill>
               </a:rPr>
-              <a:t>‹Nr.›</a:t>
+              <a:t>‹#›</a:t>
             </a:fld>
             <a:endParaRPr lang="de-DE">
               <a:solidFill>
@@ -598,7 +623,7 @@
             <a:fld id="{B4113CCE-1A1A-46DB-884A-AE560F65C3AF}" type="datetimeFigureOut">
               <a:rPr lang="de-DE" smtClean="0"/>
               <a:pPr/>
-              <a:t>15.06.2021</a:t>
+              <a:t>21.06.2021</a:t>
             </a:fld>
             <a:endParaRPr lang="de-DE"/>
           </a:p>
@@ -765,7 +790,7 @@
             <a:fld id="{927DBD90-B360-417B-B4B3-F05A4AFC1996}" type="slidenum">
               <a:rPr lang="de-DE" smtClean="0"/>
               <a:pPr/>
-              <a:t>‹Nr.›</a:t>
+              <a:t>‹#›</a:t>
             </a:fld>
             <a:endParaRPr lang="de-DE"/>
           </a:p>
@@ -1055,7 +1080,7 @@
       </p:grpSpPr>
       <p:sp>
         <p:nvSpPr>
-          <p:cNvPr id="2" name="Folienbildplatzhalter 1"/>
+          <p:cNvPr id="2" name="Slide Image Placeholder 1"/>
           <p:cNvSpPr>
             <a:spLocks noGrp="1" noRot="1" noChangeAspect="1"/>
           </p:cNvSpPr>
@@ -1072,7 +1097,7 @@
       </p:sp>
       <p:sp>
         <p:nvSpPr>
-          <p:cNvPr id="3" name="Notizenplatzhalter 2"/>
+          <p:cNvPr id="3" name="Notes Placeholder 2"/>
           <p:cNvSpPr>
             <a:spLocks noGrp="1"/>
           </p:cNvSpPr>
@@ -1085,18 +1110,150 @@
           <a:bodyPr/>
           <a:lstStyle/>
           <a:p>
-            <a:endParaRPr lang="de-DE"/>
-          </a:p>
-        </p:txBody>
-      </p:sp>
-      <p:sp>
-        <p:nvSpPr>
-          <p:cNvPr id="4" name="Foliennummernplatzhalter 3"/>
-          <p:cNvSpPr>
-            <a:spLocks noGrp="1"/>
-          </p:cNvSpPr>
-          <p:nvPr>
-            <p:ph type="sldNum" sz="quarter" idx="10"/>
+            <a:r>
+              <a:rPr lang="en-US" dirty="0">
+                <a:cs typeface="Calibri"/>
+              </a:rPr>
+              <a:t>Fehler </a:t>
+            </a:r>
+            <a:r>
+              <a:rPr lang="en-US" dirty="0" err="1">
+                <a:cs typeface="Calibri"/>
+              </a:rPr>
+              <a:t>bei</a:t>
+            </a:r>
+            <a:r>
+              <a:rPr lang="en-US" dirty="0">
+                <a:cs typeface="Calibri"/>
+              </a:rPr>
+              <a:t> </a:t>
+            </a:r>
+            <a:r>
+              <a:rPr lang="en-US" dirty="0" err="1">
+                <a:cs typeface="Calibri"/>
+              </a:rPr>
+              <a:t>Umstellung</a:t>
+            </a:r>
+            <a:r>
+              <a:rPr lang="en-US" dirty="0">
+                <a:cs typeface="Calibri"/>
+              </a:rPr>
+              <a:t> von 32 auf 64 bit</a:t>
+            </a:r>
+          </a:p>
+          <a:p>
+            <a:r>
+              <a:rPr lang="en-US" dirty="0">
+                <a:cs typeface="Calibri"/>
+              </a:rPr>
+              <a:t>Am Anfang </a:t>
+            </a:r>
+            <a:r>
+              <a:rPr lang="en-US" dirty="0" err="1">
+                <a:cs typeface="Calibri"/>
+              </a:rPr>
+              <a:t>ungewiss</a:t>
+            </a:r>
+            <a:r>
+              <a:rPr lang="en-US" dirty="0">
+                <a:cs typeface="Calibri"/>
+              </a:rPr>
+              <a:t>, </a:t>
+            </a:r>
+            <a:r>
+              <a:rPr lang="en-US" dirty="0" err="1">
+                <a:cs typeface="Calibri"/>
+              </a:rPr>
+              <a:t>ob</a:t>
+            </a:r>
+            <a:r>
+              <a:rPr lang="en-US" dirty="0">
+                <a:cs typeface="Calibri"/>
+              </a:rPr>
+              <a:t> UB </a:t>
+            </a:r>
+            <a:r>
+              <a:rPr lang="en-US" dirty="0" err="1">
+                <a:cs typeface="Calibri"/>
+              </a:rPr>
+              <a:t>verantwortlich</a:t>
+            </a:r>
+            <a:r>
+              <a:rPr lang="en-US" dirty="0">
+                <a:cs typeface="Calibri"/>
+              </a:rPr>
+              <a:t> </a:t>
+            </a:r>
+            <a:r>
+              <a:rPr lang="en-US" dirty="0" err="1">
+                <a:cs typeface="Calibri"/>
+              </a:rPr>
+              <a:t>ist</a:t>
+            </a:r>
+            <a:r>
+              <a:rPr lang="en-US" dirty="0">
+                <a:cs typeface="Calibri"/>
+              </a:rPr>
+              <a:t> -&gt; </a:t>
+            </a:r>
+            <a:r>
+              <a:rPr lang="en-US" dirty="0" err="1">
+                <a:cs typeface="Calibri"/>
+              </a:rPr>
+              <a:t>nachgewiesen</a:t>
+            </a:r>
+            <a:r>
+              <a:rPr lang="en-US" dirty="0">
+                <a:cs typeface="Calibri"/>
+              </a:rPr>
+              <a:t> </a:t>
+            </a:r>
+            <a:r>
+              <a:rPr lang="en-US" dirty="0" err="1">
+                <a:cs typeface="Calibri"/>
+              </a:rPr>
+              <a:t>durch</a:t>
+            </a:r>
+            <a:r>
+              <a:rPr lang="en-US" dirty="0">
+                <a:cs typeface="Calibri"/>
+              </a:rPr>
+              <a:t> Mitarbeiter </a:t>
+            </a:r>
+            <a:r>
+              <a:rPr lang="en-US" dirty="0" err="1">
+                <a:cs typeface="Calibri"/>
+              </a:rPr>
+              <a:t>im</a:t>
+            </a:r>
+            <a:r>
+              <a:rPr lang="en-US" dirty="0">
+                <a:cs typeface="Calibri"/>
+              </a:rPr>
+              <a:t> CTL</a:t>
+            </a:r>
+          </a:p>
+          <a:p>
+            <a:r>
+              <a:rPr lang="en-US">
+                <a:cs typeface="Calibri"/>
+              </a:rPr>
+              <a:t>Schuld ist eine nicht initialisierte Variable</a:t>
+            </a:r>
+            <a:endParaRPr lang="en-US" dirty="0">
+              <a:cs typeface="Calibri"/>
+            </a:endParaRPr>
+          </a:p>
+        </p:txBody>
+      </p:sp>
+      <p:sp>
+        <p:nvSpPr>
+          <p:cNvPr id="4" name="Slide Number Placeholder 3"/>
+          <p:cNvSpPr>
+            <a:spLocks noGrp="1"/>
+          </p:cNvSpPr>
+          <p:nvPr>
+            <p:ph type="sldNum" sz="quarter" idx="5"/>
           </p:nvPr>
         </p:nvSpPr>
         <p:spPr/>
@@ -1106,7 +1263,489 @@
           <a:p>
             <a:fld id="{927DBD90-B360-417B-B4B3-F05A4AFC1996}" type="slidenum">
               <a:rPr lang="de-DE" smtClean="0"/>
+              <a:pPr/>
+              <a:t>3</a:t>
+            </a:fld>
+            <a:endParaRPr lang="de-DE"/>
+          </a:p>
+        </p:txBody>
+      </p:sp>
+    </p:spTree>
+    <p:extLst>
+      <p:ext uri="{BB962C8B-B14F-4D97-AF65-F5344CB8AC3E}">
+        <p14:creationId xmlns:p14="http://schemas.microsoft.com/office/powerpoint/2010/main" val="791089363"/>
+      </p:ext>
+    </p:extLst>
+  </p:cSld>
+  <p:clrMapOvr>
+    <a:masterClrMapping/>
+  </p:clrMapOvr>
+</p:notes>
+</file>
+
+<file path=ppt/notesSlides/notesSlide2.xml><?xml version="1.0" encoding="utf-8"?>
+<p:notes xmlns:a="http://schemas.openxmlformats.org/drawingml/2006/main" xmlns:r="http://schemas.openxmlformats.org/officeDocument/2006/relationships" xmlns:p="http://schemas.openxmlformats.org/presentationml/2006/main">
+  <p:cSld>
+    <p:spTree>
+      <p:nvGrpSpPr>
+        <p:cNvPr id="1" name=""/>
+        <p:cNvGrpSpPr/>
+        <p:nvPr/>
+      </p:nvGrpSpPr>
+      <p:grpSpPr>
+        <a:xfrm>
+          <a:off x="0" y="0"/>
+          <a:ext cx="0" cy="0"/>
+          <a:chOff x="0" y="0"/>
+          <a:chExt cx="0" cy="0"/>
+        </a:xfrm>
+      </p:grpSpPr>
+      <p:sp>
+        <p:nvSpPr>
+          <p:cNvPr id="2" name="Slide Image Placeholder 1"/>
+          <p:cNvSpPr>
+            <a:spLocks noGrp="1" noRot="1" noChangeAspect="1"/>
+          </p:cNvSpPr>
+          <p:nvPr>
+            <p:ph type="sldImg"/>
+          </p:nvPr>
+        </p:nvSpPr>
+        <p:spPr>
+          <a:xfrm>
+            <a:off x="685800" y="1143000"/>
+            <a:ext cx="4270375" cy="2401888"/>
+          </a:xfrm>
+        </p:spPr>
+      </p:sp>
+      <p:sp>
+        <p:nvSpPr>
+          <p:cNvPr id="3" name="Notes Placeholder 2"/>
+          <p:cNvSpPr>
+            <a:spLocks noGrp="1"/>
+          </p:cNvSpPr>
+          <p:nvPr>
+            <p:ph type="body" idx="1"/>
+          </p:nvPr>
+        </p:nvSpPr>
+        <p:spPr/>
+        <p:txBody>
+          <a:bodyPr/>
+          <a:lstStyle/>
+          <a:p>
+            <a:r>
+              <a:rPr lang="en-US">
+                <a:cs typeface="Calibri"/>
+              </a:rPr>
+              <a:t>Umgebungsspezifisch: Dokumentiertes, spezifisches Verhalten. Nicht zwingend das, was man erwartet</a:t>
+            </a:r>
+          </a:p>
+          <a:p>
+            <a:r>
+              <a:rPr lang="en-US">
+                <a:cs typeface="Calibri"/>
+              </a:rPr>
+              <a:t>Nicht initialisierte: nicht zwingend UB, vorerst "indeterminate"(unbestimmt) -&gt; Auswertung -&gt; UB, Ausnahmen mit unsigned Variablen</a:t>
+            </a:r>
+            <a:endParaRPr lang="en-US" dirty="0">
+              <a:cs typeface="Calibri"/>
+            </a:endParaRPr>
+          </a:p>
+        </p:txBody>
+      </p:sp>
+      <p:sp>
+        <p:nvSpPr>
+          <p:cNvPr id="4" name="Slide Number Placeholder 3"/>
+          <p:cNvSpPr>
+            <a:spLocks noGrp="1"/>
+          </p:cNvSpPr>
+          <p:nvPr>
+            <p:ph type="sldNum" sz="quarter" idx="5"/>
+          </p:nvPr>
+        </p:nvSpPr>
+        <p:spPr/>
+        <p:txBody>
+          <a:bodyPr/>
+          <a:lstStyle/>
+          <a:p>
+            <a:fld id="{927DBD90-B360-417B-B4B3-F05A4AFC1996}" type="slidenum">
+              <a:rPr lang="de-DE" smtClean="0"/>
+              <a:pPr/>
+              <a:t>4</a:t>
+            </a:fld>
+            <a:endParaRPr lang="de-DE"/>
+          </a:p>
+        </p:txBody>
+      </p:sp>
+    </p:spTree>
+    <p:extLst>
+      <p:ext uri="{BB962C8B-B14F-4D97-AF65-F5344CB8AC3E}">
+        <p14:creationId xmlns:p14="http://schemas.microsoft.com/office/powerpoint/2010/main" val="2652568351"/>
+      </p:ext>
+    </p:extLst>
+  </p:cSld>
+  <p:clrMapOvr>
+    <a:masterClrMapping/>
+  </p:clrMapOvr>
+</p:notes>
+</file>
+
+<file path=ppt/notesSlides/notesSlide3.xml><?xml version="1.0" encoding="utf-8"?>
+<p:notes xmlns:a="http://schemas.openxmlformats.org/drawingml/2006/main" xmlns:r="http://schemas.openxmlformats.org/officeDocument/2006/relationships" xmlns:p="http://schemas.openxmlformats.org/presentationml/2006/main">
+  <p:cSld>
+    <p:spTree>
+      <p:nvGrpSpPr>
+        <p:cNvPr id="1" name=""/>
+        <p:cNvGrpSpPr/>
+        <p:nvPr/>
+      </p:nvGrpSpPr>
+      <p:grpSpPr>
+        <a:xfrm>
+          <a:off x="0" y="0"/>
+          <a:ext cx="0" cy="0"/>
+          <a:chOff x="0" y="0"/>
+          <a:chExt cx="0" cy="0"/>
+        </a:xfrm>
+      </p:grpSpPr>
+      <p:sp>
+        <p:nvSpPr>
+          <p:cNvPr id="2" name="Slide Image Placeholder 1"/>
+          <p:cNvSpPr>
+            <a:spLocks noGrp="1" noRot="1" noChangeAspect="1"/>
+          </p:cNvSpPr>
+          <p:nvPr>
+            <p:ph type="sldImg"/>
+          </p:nvPr>
+        </p:nvSpPr>
+        <p:spPr>
+          <a:xfrm>
+            <a:off x="685800" y="1143000"/>
+            <a:ext cx="4270375" cy="2401888"/>
+          </a:xfrm>
+        </p:spPr>
+      </p:sp>
+      <p:sp>
+        <p:nvSpPr>
+          <p:cNvPr id="3" name="Notes Placeholder 2"/>
+          <p:cNvSpPr>
+            <a:spLocks noGrp="1"/>
+          </p:cNvSpPr>
+          <p:nvPr>
+            <p:ph type="body" idx="1"/>
+          </p:nvPr>
+        </p:nvSpPr>
+        <p:spPr/>
+        <p:txBody>
+          <a:bodyPr/>
+          <a:lstStyle/>
+          <a:p>
+            <a:r>
+              <a:rPr lang="en-US">
+                <a:cs typeface="Calibri"/>
+              </a:rPr>
+              <a:t>Unsigned char -&gt; unsigned char: indeterminate</a:t>
+            </a:r>
+          </a:p>
+          <a:p>
+            <a:r>
+              <a:rPr lang="en-US">
+                <a:cs typeface="Calibri"/>
+              </a:rPr>
+              <a:t>Unsigned char -&gt; int: wert wird ausgelesen -&gt; UB</a:t>
+            </a:r>
+          </a:p>
+          <a:p>
+            <a:r>
+              <a:rPr lang="en-US">
+                <a:cs typeface="Calibri"/>
+              </a:rPr>
+              <a:t>Same wenn eine int Funktion den Wert returned</a:t>
+            </a:r>
+          </a:p>
+          <a:p>
+            <a:endParaRPr lang="en-US" dirty="0">
+              <a:cs typeface="Calibri"/>
+            </a:endParaRPr>
+          </a:p>
+          <a:p>
+            <a:r>
+              <a:rPr lang="en-US">
+                <a:cs typeface="Calibri"/>
+              </a:rPr>
+              <a:t>Zugriff auf nullpointer: returned int -&gt; Wert der Adresse wird ausgelesen -&gt; UB</a:t>
+            </a:r>
+            <a:endParaRPr lang="en-US" dirty="0">
+              <a:cs typeface="Calibri"/>
+            </a:endParaRPr>
+          </a:p>
+        </p:txBody>
+      </p:sp>
+      <p:sp>
+        <p:nvSpPr>
+          <p:cNvPr id="4" name="Slide Number Placeholder 3"/>
+          <p:cNvSpPr>
+            <a:spLocks noGrp="1"/>
+          </p:cNvSpPr>
+          <p:nvPr>
+            <p:ph type="sldNum" sz="quarter" idx="5"/>
+          </p:nvPr>
+        </p:nvSpPr>
+        <p:spPr/>
+        <p:txBody>
+          <a:bodyPr/>
+          <a:lstStyle/>
+          <a:p>
+            <a:fld id="{927DBD90-B360-417B-B4B3-F05A4AFC1996}" type="slidenum">
+              <a:rPr lang="de-DE" smtClean="0"/>
+              <a:pPr/>
               <a:t>5</a:t>
+            </a:fld>
+            <a:endParaRPr lang="de-DE"/>
+          </a:p>
+        </p:txBody>
+      </p:sp>
+    </p:spTree>
+    <p:extLst>
+      <p:ext uri="{BB962C8B-B14F-4D97-AF65-F5344CB8AC3E}">
+        <p14:creationId xmlns:p14="http://schemas.microsoft.com/office/powerpoint/2010/main" val="671036354"/>
+      </p:ext>
+    </p:extLst>
+  </p:cSld>
+  <p:clrMapOvr>
+    <a:masterClrMapping/>
+  </p:clrMapOvr>
+</p:notes>
+</file>
+
+<file path=ppt/notesSlides/notesSlide4.xml><?xml version="1.0" encoding="utf-8"?>
+<p:notes xmlns:a="http://schemas.openxmlformats.org/drawingml/2006/main" xmlns:r="http://schemas.openxmlformats.org/officeDocument/2006/relationships" xmlns:p="http://schemas.openxmlformats.org/presentationml/2006/main">
+  <p:cSld>
+    <p:spTree>
+      <p:nvGrpSpPr>
+        <p:cNvPr id="1" name=""/>
+        <p:cNvGrpSpPr/>
+        <p:nvPr/>
+      </p:nvGrpSpPr>
+      <p:grpSpPr>
+        <a:xfrm>
+          <a:off x="0" y="0"/>
+          <a:ext cx="0" cy="0"/>
+          <a:chOff x="0" y="0"/>
+          <a:chExt cx="0" cy="0"/>
+        </a:xfrm>
+      </p:grpSpPr>
+      <p:sp>
+        <p:nvSpPr>
+          <p:cNvPr id="2" name="Slide Image Placeholder 1"/>
+          <p:cNvSpPr>
+            <a:spLocks noGrp="1" noRot="1" noChangeAspect="1"/>
+          </p:cNvSpPr>
+          <p:nvPr>
+            <p:ph type="sldImg"/>
+          </p:nvPr>
+        </p:nvSpPr>
+        <p:spPr>
+          <a:xfrm>
+            <a:off x="685800" y="1143000"/>
+            <a:ext cx="4270375" cy="2401888"/>
+          </a:xfrm>
+        </p:spPr>
+      </p:sp>
+      <p:sp>
+        <p:nvSpPr>
+          <p:cNvPr id="3" name="Notes Placeholder 2"/>
+          <p:cNvSpPr>
+            <a:spLocks noGrp="1"/>
+          </p:cNvSpPr>
+          <p:nvPr>
+            <p:ph type="body" idx="1"/>
+          </p:nvPr>
+        </p:nvSpPr>
+        <p:spPr/>
+        <p:txBody>
+          <a:bodyPr/>
+          <a:lstStyle/>
+          <a:p>
+            <a:r>
+              <a:rPr lang="en-US">
+                <a:cs typeface="Calibri"/>
+              </a:rPr>
+              <a:t>Gimpel(PC-Lint Plus): </a:t>
+            </a:r>
+            <a:r>
+              <a:rPr lang="en-US"/>
+              <a:t>data:image/png;base64,iVBORw0KGgoAAAANSUhEUgAAAOEAAADhCAMAAAAJbSJIAAAAkFBMVEX///+GCQeBAACFAAB8AACJGBf28vLk1NS9kpJ/AADt4uK/lpZ7AADw5+eXRUWTOzvNra37+fmSNzenZ2fp3NzfzMyjX1/Enp6gWlnl1tbJqKjXv7+6jIytdHTPsrKMJiWeVVWyfn6QMjGbTk2HEA/VvLyudnaJGhm1g4OLISClZGRyAADcx8eVQECQMjKZSUmIbiIYAAAMOklEQVR4nO1d2VbjOhAkapPg4JCYnQCBYZuBgcv//91lhyFVLcnWBod6TogLS63uUqm1svKDH/zgB2Wj3b9YLQsyDkpwXBspDSYkxbnIoDhIsxeM4HpTIMEHNOth+A2ndW4qDFUQiqOqzBf4hBADdc0UTDAAxfZPyW/wET3nYnticjOwotdcPCxxkVhCj4E6L32EvqAzxa0q96O7ottcHK6WPwXf0GUu3q5+jRH6Av+BuldonkbhS/FUzdNek/tUT+8Er7k4NtoUlHp3/wmbTVUS/q45EzxU8zRzsvP6wWFZmLgS1KdgvTv0GA1F4k6bghKmXMmJg6k2Bc31jv1PlI1RrY7Q8zb3A/bFkTYFpTrK/Xx90aqroDTbuR+wL3bUWrA+z/18vXGolUrSzHM/X28cN8oLNHKQ+/n6YrihjdDq5suv8tuDbz5CF9oi8SEP/bI41haJ+uuP0JV9haCE2hnIiaESRL/DCH1Y6OkrlOrXl89DH7HH1gmpF7mfLQxmhKHZ/PJ56AvO8EpRHed+sGCYQobfYJV/xQQOUhNuhzw7xmhzQi5yP1ZAwMVCVnM/VkAcoVEq3yfMEIbmG+Rqb4DiWv3lC94PgPsrjbNAXj7gYiEn3yIffQYOpRu5HysgRoih+U6h9BiGUs+iYhQdPeLCL8SwvnT89sHFE6o6MqqmeyUON0Mbxy8fNal2u6Vx3+D9BChhNE6hdPsspR2l6khxCPPuLZev7iX2LHbc+bqEofTK4V8zVXcay6G4gIHm1vq92xyOt04D9RRmpYeWbw2v8viJulDc7RJKD3/ncrx1GKgnHRgeZfRkelOEereogWZ8ndWy6DtQ4WJhfinfmOV29HlShHq3EmiG5/lPXvgNVKh3V7TAnyVfAxG8KN6DJxZhG4alnA3yGahI7+ZaKVw8c6Bxr+7QYiHUOAMXzxwQ47ppBPVuriQWw3AglSPFbRQZeVaqjVIxwaH9P6V2owjV4IopBtp2uMj6WmCsqwYKR4rrgCEPpTA9ePmSiSGw/ulP8RwFGqokKgyrsIeOXwFlsrcHdZmLSGGRU/ZpxdIwDUjrA9pNdS46UEQMuZI4p/9RN9mjAw40O6HDQN2BiwXd3uYMHUSBjtjpR/EADbuK6mzMtPGQY8Qzhl2q5+dsA/UPemSuJG6wSSEmOLF3qGuGjSLSu3mgIaaNB5g/oWl9xJZacesDdR+F0l368TvG0Kpc9cJQ19RVimgWc5sJ/SWRuLuNrWbv1QcqmsT8fcA0/eknNqMQe8e2GlAHQpUzqHdznY0yjO8uWugHkuWefO/Qj+GE/QxXPYLBQpHFf7RYyD79FViIDLRUPSD21QyVpdKooFWUxDXGkEffgNAoyg35EmTILYmo1Hr6ShKf7VApiA1RpmBBW4/obxyTn6AVc1hMOEUW/1uYd/NCj/xCMhvjmK4Z7LWgRFp7XLLg00kQHHNGkcV/yPCa/wBhmGYaPmEdJ+FSkc+j6K8s3mOS47vqeiGAM2Oa+COFwMzoXycahvbWgwMnHVTgRQyVuAjtYZatuNDAiSOzisLQVHOG5B3WKY8N+TFEb1zzJGJlL45QyoBd98yTjnwmWh0EDXAD+R2FCgGchyLk0yjNVHI2xjCpqR9KZzTQwMVCYYhTmrQMYfLPslL4xFqKiRMKOkSiAKbG1HWPxA/Nk0hSpqQTEbvuSSqNljdt+wHm6U9f2lx/xtr4HXEIwiVZ7jw+rdWyUNR5/tbrjuaHhkYnd6+YHs/mr1i07/2AujDErnv2WtBiYRQbBxR1KP7phfuG+v1f0Oy+Yt9dTr7yOt6Dgr+m7Pox9Pkf1A5u1mdAHwGN/1ueoZSeFu4PZ4ow2FHJG31a8yTyeRiAolv2jisLGv8BQ1W7bv9GtJq4vUU4UeSEfBrlP3ohtBPT8lW7HNJBG0k8/qP/B01/XijGNM66vEVo56GqxCUKpRZ1Pi5F61xscaBh8R+9cUUrfaEYc6A2tk1IaODiMhFYLGRg+YnYFC1qAbYRsPiP3rjLbnzUgWqhCAsLKvCiPFrL2ZJQlEqlCN1DVElEY9rt/HbMgapSnMBAQ1c4ZP5x3GGJSlEZqFjro/Ef7ZSxSnLpp/LMRby5R83CwBrj7r7LMxdhYcHjP7A3eTgq4s5FsipDBYMyRNYYS86WjuImLBZGeMuC5WyoDtGUxGWKEQcqHqe3MNDQ14LybmvO9g8O7urODvVHMUM5fINLWixIU28yUlbdTje/oV1b74i1nclkckB35YkCiwzbCkMgScjvtK0wJtQlhw1OcL2XM/bnwV9P44r5AHgCecBSq20YaHj8vwAMU7fCYI5jXPDh/weNjmixiOsRBWAM8dTCB5IoQ7S2JO8qREYpmVrYgU0DDVosXFthBAOxWOGphRUM7qAHa0vaXbJHEF88HnjYJsEDDbBdJrVUPII58bDfBU9aHv9/g6w0dShlR4xw4oH2ILQzAmBQ++VsAUC8nDKADHF/Thr/kWdDl0gigJxHxQMPKxhclQChNH2gAUnHI3CxgAsLHv/B56Oe60EYs4wGdqjCQ5pnpWCAJM/ZcJ75MPDgCocPIPP4DwKTT4EfBPBQ2YANPHxohgu8QFp1PBkdDrjcI2MJKxg8/qMMKNI5Xg7izsEdqsj+M43/QKShG6mxwKYhfi14SPP4D/Tu6GezPoOEfzJb8MFHHkpB2eLSviwoyDF08lrwkPbqbuGlJIYAzjNJ0xHoudTiPyhbUhf4pNwjD03UAN7dAtxNyc9vxwHrzoBPvd+Qtvgs/iO9u058DYmfRoMbK8h/7K+jxSK1kkjeComOxLtLGQK9WzmhHgeoPRVlSFYWnrMBvdu55WwgsPO2OKQTUY7HfxCoU4dSyhBqNKSzEd+UB6VnYiWxhc0aB0yjIZ+mSmIL9O7EDNlVynKBGBIFgx/vAZWI3gkSYHsMcHuEmj2dG/kMvq8Gz5GTwoIfOgdOGk1JbFc3l3AGb+PFO6ZL/JTO0TijIeZknrOBxUINNKPG/RF7Aod00m+Ex39Qa+kH7PD2cgxgjeaaMKQC73IKJEbN2WjkCw4Y8A7IysKj43JksimJtB9GYGCNhqSwyklJwNB2hepeGoo44BFRjtfsQO+2K4l6H6NAMDjtJnOEF/ggjbUX+EO9yU8ISHOEa1RSK/NAA/RxByVRbykWAOaCCLZsE45vyi9XZjJwKH+ZRB0Gwm9TJuu9spO0XJm5KYlkqygIjPDGE0yyqtkXgATkVv6O413TUW8pg4gFGh4dlyeUo5IYa8mQSrOXU1GO9u8AibqrVhpnyTBnapxjDHn5CxQBZyUxgmtWGlvhRhjyi+yBmu7ct5IbJrvCfhcvEVYVT/qy3u2hs7F2Zh0hjfUu3iEpLPimDGLIG7QtIWiVIZW1OVFLCCo5G9A8fBi2f7txWYapq3vr7GjpIsxDKdK7PRiuLKrPTwpN3P+i2dj6jJvFrd2/wwkqm/LISeOl6F9t3H/E3dpi9gmLlfYzfH7gHWwOPoJHR+TvNoVedaisv0pFi5oS0L4SeXGlXWl/Sr8GR3aRlx1qBLWea3ho1+VdHPtL7W/AlUTWVK6J1nC8I3SCShM85mJJ27DLDgtBRUmkbeOlLimgWlrqagU+TyyT7wIrgN3+Pz7rBfczK6mzOU1HQceO5U4po+lKWm1gz4PTYGQ52VgfaxNKrX7KCKgjS51d6TdpqLKnXCQ21SBYjt9KbZNcVK0lSV9uHUN9iIq1O8hKqwoRJtZdKs6g90s8E7x2WLb1HYg6M0X9fmHj1u12oV4zUKU+hPgP/lMJVlZV5wV7akaUk+JUJ+jeuI645J+RMX3b1G+v8vD4tmrOIKuZKKpzUPwumNA3WeQE2YHsiEnQbHj+eX2TRaAfyIr/pt1wtjefz2cbKkF/neUmwiYLMj85wXrVoVO3us9QL2wrC9J0usXGkh0VBJGOByX0C9vKgShN4i2wSSFlwNz3iNGnWe8Pd0M/4YHuXJWDqqdUTdzFxUAqfteGI6IbnXohAMFEhryOCCQ4kKMrBcBMwygqk5herj4IJzZclhltOmWiBLMSo01Y5Va7Lj0PJLQ0XVoOLiehVdtxcC9XL5iz8CrKrKRo49hh3xN7fyt7N0eHYr0/P2kiXZ3cjueffT9LPqDTDRvuG7uYY2uKmbqVkyfGExu2Lf0yCyf4gx/84AeP+B/68ufDZyImkwAAAABJRU5ErkJggg==</a:t>
+            </a:r>
+            <a:endParaRPr lang="en-US">
+              <a:cs typeface="Calibri"/>
+            </a:endParaRPr>
+          </a:p>
+          <a:p>
+            <a:endParaRPr lang="en-US" dirty="0">
+              <a:cs typeface="Calibri"/>
+            </a:endParaRPr>
+          </a:p>
+          <a:p>
+            <a:r>
+              <a:rPr lang="en-US">
+                <a:cs typeface="Calibri"/>
+              </a:rPr>
+              <a:t>Cppcheck:</a:t>
+            </a:r>
+            <a:r>
+              <a:rPr lang="en-US"/>
+              <a:t>data:image/png;base64,iVBORw0KGgoAAAANSUhEUgAAASwAAACoCAMAAABt9SM9AAAA4VBMVEX///8AAACIqgCXl/+Zmf+dnf+env/7+/uTk5N2dsYZGSo8PDyBgYHR0dEuLk9RUYgLCwuEhN6OsQBdXV3s7OyoqKi8vLydnZ1YWFiKiorExMT19fV7e3tzc3Pi4uKurq5ra2tAQGxtbbdwjACEpQAsLCyNjezZ2dlLS0t3lQB+ngCYmJgSEh95ecpcXJpGRkYZGRkjLABedQBHWQBoggA8SwAlJSVKSntkZKc2NjY1QgBSZwAgIDdYWJOCgtgpKUUXHQAQFAAvOgAeJQA4OF4MDBVDVAApNAAICQA4RgASFwCcj2U9AAAMlklEQVR4nO2de0PaPBTGh7QgCiqIiMBEOgWcou4GuCnugrrt+3+gt821bU7S1BdHm/b5T3qB/kzTJ+ecpG/e5DJVh5tM2sd0jughR8ev+NOSp9sCU1n3mCN+TO01f1vitP0CWJs5rBxWpHJYMZQtWF0s7SsNyYV158ydZVxY7jG76YF13Dmstrene/R/vHe23e5d9GsxH+YurJ2SVdqNC8u27EkqYJU7m+OCXNtvD2vaF45gFe3YsKyiVUk+rG6/rQDFdFttNXVOZzKszr4OKaJptRMJwFxY/ZsYqLD2++oGZiqsfhDD1nLXqSzqQ6L6pOLcD3YeRV7jfld+UjNh1aa+61/OF0Xbtq2Q3I/s4sK53xHaV0d2WhNhlU/4lc8mVsnlVITlMStZdWd2GeQlCRAYCKvGrnnHsSBQrHGxv217OF/6ab0Fz2werEN6wYNFCQDl3nv1RcVxnEp9aNt+YMXJjLnWHnhq42DRW3BnYQuo3HY22X3g7edx4Az5Xpa3eZYlWNStOyKqom3di8+/Qd3f/lxeTmZgkbjA0r2pxJ7qSiCFcQ3twG5ZgUVYXQGdlT3cglm5qtgZhEUGghOxWRXRsJ9qet1ut33BqcKVnTlYPXzldYhVhXIZH4zo/s1OT6SVEVhkhDMEHKhVJ1Cq4cHfAdng2JmCdUzaFcSqiLdtA8ac2n16XDZg4eHgArgHi6UB2nYCH4hd7J2dIVg4mTmHWFkLFStKixyaBVj4JhyUAFZFG5n2W/nB+E7EQ58swELO/RIML5CGpUhOlH1PxAzA6qDLnYChGBv1WFXV4S2MOiOwUMnGDLwJrSECqQiAujrzdqlYIVj7hb2AChxWaMMNO9NBaNMehxXeoJUkWb06UoflXv3c2wYHqJiQRxvYAixBFFZIe+xMB+JGCiusNcG69r77HnoSunchiupF3AK413INmfmwRvgnwQ3LCl6MROiBOMkCLDTEkzQsa8IvXiHUxe/aGYCFvhrusYr2vbexFXWKrrfXQwZgoVaxhBsW6bKifxeK2AAd/FZAl+7X2PeXwQ8fw7C2QttdWJPH0InWBQv1NxVJusv2Nt5En6Tq7bewwrC2SnZQ3imD8kaeQVjDknCMFTrGWRcs0tThLgu5rJPokyDz4LhXGYIlabD+f4cIS5an5D9rXbBQnnAguSjcvx9GnwU9UR9mroyGhQoRHVnLmmv176SHZzIWFnKkst+HH4Y6FX6ZgIXM953smvDDUD0wxDqTwArVkxR96X8soIMXjwkdZK8JFupsZjJYpbuChn/3FCimxENJD1Y9JPd5OQx9tAzDmgjHFIuhj67WA6uv6rKKtpeD3tY5T+vikOkCd3KAKX1wTelM/DgtphQZJChNgRo/SlW0X3hq8xw8yqwWlTYrIj4jlXmwvKyO9JmFYelPeAvKOFhlcgkSWCi7evHCcxsHq+l9rfRhiJMVGgYeFFBEL4FVYMckGhbKgV1JYaEf2X/huQ+rAR1NOaxqSOyYTi+4YcxhnQS39HTc32qFwu9zaYUtKk3TGO1oyZfd0T7mgsMaRe/9ykLBLKnNwrCktdoxlfpUGPKkcMKQwVrVr0w9LNShLqSw5jksn1BVh8zA57CC0oG1qp41hxVDOawYygSsvM8iyp+GMYR8lixpmPusoHIHH0O19YwN0wlLJ+pwsKLvSj2s14xnhZV6WK8ZKQ0r9bBwDF7aZ6EY/NGKvir9sFDsVza/XruIRkvph3WkdKUobzhe0VelH5Y6I13ySuwUM1FiKf2wImod0LwdjdOUBYn7pB8WqhWSV9EMvM3ReRQyW9GnqbiTAbBQ+Yu6Pis6RlMTYAHV4AiWHX9lNveYpKzMpq780xzv9AVYgO13YW3tztAyGrFg7c5my4TAUteULvSM1qYAC7g0E1aTRL9E4rSw0dqPPMdbARbcwacelroOHq2oEnkOVCRJFiNDQyTIbvhgvelV9bLvSYOlnmEx8LZGVeDi2SglXO+JqsGhyZwc1p73VLnQaV5Jg6Weu4MCy1GlIajf28W8cZUMFDAM1Oh60oj9JG7V7p7vUuEe/iTiDP4nKr5xoZus00LiC41oFOiMWkxrmowZEnaUsi6+oNFpTXnbxHRVw8nDgk/TVYVh/5mQL5XNZB3I7iouPBeF3IWziBvspBDU7apC/P9IyjnSyJaqzQMyDngVDLIUi/SW6ZLXDfw8/cZwXSejN9IVek7BS2DgOXHKmsSmjzVmKy0GHxE+nxobjdNPDFd7/YVq+lKu64DuK1V5N2pYZAxgozXJZB1Ri8D52Nhw1Th9Yrj2U/Q6DxQvfYRXDMHrQcn/93gQjeOHOB0km79CfcA5YuXhev+F4XqbjKedhvADcQmvRYMmO53JDi2jBTdJzgM3LDgdVCbVy79OKSsP1/lXhkvT1K9fF+jngglE0rROJEeiKXiktgRbWHjk1yRrEP/ZCKpx/pPhOnrpSwz+sfBTqgLRIlOTwPUKypgVtrRkKRYwdUYjXt8aG2E13n1guFaVo3xd4UcauNqYVcTrk7bF22SEF0K/w51dCa9KDZ2eTgb4LLLycH3+znCtKv/9qmopaNXhC2nSyAy2DTZeyRR6FJIdf5+DrBCuH5TWXhpMPXlWgStvsukgvQ5pXuVj/s4G0mHhnQCP1cX3auH5VILKo9X4+Jue7ywFpp4MRBzgmYjm2dL//PZ4PPa994uywouSAfaVZjOeZM2K4Nrgpn47+bhIU5lBCysvChLtDAOsxHso6ER1cY0Tb+oJrTtgYVfLAqbrFrwhIWJVIjeqGK6n4bt3kaw8XL4xUOJNPQ0J3Itm3rLrAwHVVRF7Bpwyg8wYmXT4/b0OKw/Xez4GOkk4LjoieQQWObfsoTPgq5zfzSYW2sn9nKwSL4SxmiQ6+lWPFMFFv2Ga9FuxxVg4lsALvYGh7r1oYIJeNIARWqRZiQ9ChROVszr/VZDd0onTMXvQPV4NS0D7CrzCwioN2TrxQmSCpl5hJyphRfv4m3REuS54n/QwH8rfjoJexMD7MWGkUiUbpE4UugXpyOelU/7/uZr+2c2XM6duiS/ecT+oO5yU2L+UyRoiHxROVGD1kZ4u+T6Lq3ZdCOhheT932Cud6gtnPgu+nUhYzuCYvD7rS4xmdUrDNftpCdYQ1bReQEfvGcG2d8iWGF174zM93UtnsK9Rzc09CZuQhCX1eben5USJaND0OjUh06BGR0IWOax2HwjYEW/7Q9eJejEtOoxOR0QLVrPVkwKb9lpQ58LSXfqtqkFHOWcJN+3RKo9ah732NX8p69n1/lG/JumFfekuXVTnNPaXAh+qrXK53O1CtbU+UScaHWRgrFLmQ1cnId0ViSp9PnRVgtJdalap9KGrkCzdJUd1SvNg+ynJgq1MsYMMqfahfp1sxv1fq9NdkNLuQ4lQQjCeP4xMd4WblRE+9A0LnO/p3x1ljXRXkJUhPrTJ64p1yxg1010clSk+NDi3RKuMUT/dRVgZ4kPL4aJPjTLGWOkug3xojQ4AP29olzHGTHcZ40PpaOX5fSNQxqhI4TVJkEEz3eXzoSmLh4ZEr5vaSp0yxphO1BgfSnv2v9wqRZYxxk13UfrjdPvQLl3e9ynYFM6fGS7R1MdLdxnjQ2mKQWwj8jLGuOkuQ3woayLPUHDFV8boN/Xx0l3G+NBjGmeXuUpfGeMNNfXx0l3chya93CNCNF7wXd71NLg7ImWMdHaXXuGVKT60S/OpT+rr3QjMTSJG/6+WEzXGh7KePbKJ+OvyiNH/qUHKHB9KX3lf+KoTNvebek9a6S5jfCgbCj43dAfB3NRrBhkM8aG+uv/CD10Pzk29jhM1xocijdi7mD5oB4SRqddLd9Fe7jblPpSqM6W4/mjXFL/7pZPuMsaH+sXfSfJtQxeXzj6m+NCgylWGS79GIQqVKT5UVJO9UuhXnAo0BStTfCioGqvp/qpfhCZFZYwPlYmndT5pF3ZIWJniQ1Xiiwr9v67LGB+qVJMlwrRNqtisjPKhSo1YCfxzjKkRfpnmQ5Vq3VBcX+J3XUb6UKX4qk3aJpWyMtOHKtVlC4L9jtPTG+xDlTpm01H0TarZPlSpDpssoGdSM1wf6slnUqO7Lu5D07CIxSuozBdzjOy6suFDleLj6+8qk5ohH6pUjdVM/pSvJJMpH6pUi01wegJNavZ8qFJ8ijlgUrPoQ5XqSpNA3IeCi5FlU8dwEijDPlQpIAmUcR+qVDgJlHkfqlQgCdTIfWiEfEmgj7kPjVTNv4Jd7kOjFJjbk/vQKLEkUO5DNUSSQLkP1ZOXBMp9qLbApVVyGaH/ANJGT6EgiFFqAAAAAElFTkSuQmCC</a:t>
+            </a:r>
+            <a:endParaRPr lang="en-US" dirty="0">
+              <a:cs typeface="Calibri"/>
+            </a:endParaRPr>
+          </a:p>
+          <a:p>
+            <a:endParaRPr lang="en-US" dirty="0">
+              <a:cs typeface="Calibri"/>
+            </a:endParaRPr>
+          </a:p>
+          <a:p>
+            <a:r>
+              <a:rPr lang="en-US">
+                <a:cs typeface="Calibri"/>
+              </a:rPr>
+              <a:t>GCC(UBSan): </a:t>
+            </a:r>
+            <a:r>
+              <a:rPr lang="en-US" dirty="0">
+                <a:hlinkClick r:id="rId3"/>
+              </a:rPr>
+              <a:t>https://developers.redhat.com/sites/default/files/styles/article_feature/public/blog/2014/09/gnu-logo.png?itok=EgahSEj4</a:t>
+            </a:r>
+            <a:endParaRPr lang="en-US" dirty="0"/>
+          </a:p>
+          <a:p>
+            <a:endParaRPr lang="en-US" dirty="0">
+              <a:cs typeface="Calibri"/>
+            </a:endParaRPr>
+          </a:p>
+          <a:p>
+            <a:r>
+              <a:rPr lang="en-US">
+                <a:cs typeface="Calibri"/>
+              </a:rPr>
+              <a:t>PVS-Studio: </a:t>
+            </a:r>
+            <a:r>
+              <a:rPr lang="en-US"/>
+              <a:t>data:image/png;base64,iVBORw0KGgoAAAANSUhEUgAAANgAAADVCAMAAAACYM4BAAAASFBMVEX///8cmOMYwrlLW2T0+fvo8fTY7/TB6vDKz9KpsbVbanJ0wO6LlZuv3PSe5eKSzvJwfYUsoOVP0co5y8NYs+qB3tlo19FAqehLZ75iAAAKIUlEQVR4nN2d22LiOgxF6UkI7VCgUC7//6cHcOT4ItmS48R21/NMQYm8tJXSdrNphX477A7H2+1+ufz+99+t9NuZw6uU3fF4u99fpTjc+9JvT4JZil+LzaXyysZSboxSHH63pd+7Qz8MYylIh4kqG4qXYp37jOwKlUKc+7YqCypsOY5L1JJ+7jOSZ6BlO/cZSazsVcoi5z4f3FGtz329pTiQo7rQuc8HOqqH473NakzIUb3dHW+N3q2R8EB7Ku9+Kf0WE2GM6n54Hrf2bh97VDfXnsKB1lB72pUNrPHWRntao/rwcb7uTwdefbW3pzWqrx+KV3071urW19ue5qjefVg8rvvDjrV0V9me5qjef/icH8225zTQtkhhRnseWmvPqbITXZm4PXcVtKce1f05Vllj7akH2oFVWEPtqSt7SCrT7Xmqtz1hVO/ihVD1Vdqel/FVr/ESQvDDy1rtCWoc5hUGt6+a9pwcgE3p9PpOh13J9jTjx5anfAHl2tN+thOd0jPqY2brTO15cQ5DgvIF8MPL3Pb0njKKpnQi/PCS3J53/2vNVL6kPn54kbYnUlcm5Qtgt+fArktnKevL5lQ+H0Z7sltS5/rPL/P/BxazFeqj23Mnr+vH/gpLKV8AEl567hnTG+ZX92kXxlzMVsBsz5u8LueGraN8Juf9QRW2ZdY1THV1vpGWndJsHqfpwcWdVdYUD7+77hs5p6VLenI9mQ7hmUPHw/5Z1z9MsetNaaKqg9NGLHPoeNj/dF335VW1KTClDfSxMjiy6oL/9q7LM4eizJR+eRD71h3LHDpGbf8963JVDxRRvn2sDDjmcOpCzKFYfUp7x2qCYw4dDz/fdSGqB9ZUPnasDBghcYpR77JwcyhWm9L4sTJgmMOtC1U9sIryH9SxmujjdRkxKnrD1lB+4FgZxM3h1UWoHlhU+ZFjZVzfaF1mjFIQqgfyP4sDosfKIGaOX78uUvXAMspnHCuDmDmseDgSbfAFpvT1JPs0ecwcdjxkmEORV/nsY2UQWS91PNxOdQVVD+Sb0mfBsZqImMOJUewblm0xkx0rg7A5dF2DUVdE9UCGKS09VgbhkOjGQ5bqgZnP4lKO1UT4wZQbo5iqB2ZM6eexmvejQkFz4HXFVQ+kKj/5WE0E10svRgnMoUiZ0jOOlUEoJBJ1sVQPSJU/61gZhMzhxyiRORSSKT37WBnQ5kDioUj1AFv5+5w/okaHxOmbyz/djBsmWMz2GeuizWE/ZUtSPcBV/iNjYaQ5sHgoVT3AXszy/RwoaQ40HopVD3CVf8hWGBUS0XiYoPoR7pQeD5nwDCNQ5sDjYZI5FEzln9W//prbktR6ScSoFNUDzCmtfO9+71cMERJDdaXdMPZidlL/OvVVRoj1kohRiaoHeMq/qn/8k3KQJ3BzBOvqkl+QOaX78aWTL+CTA1oXFaOSVQ/wlK+Ev01u+Q2xXpLxMF31+vVYyh+F/y9VUhvcHL/IU7YM5lCwbtmYqr7TmwMzBx0PZ6keYCl/FH6XkNwUiDkC8VAxc6tgKV8Jv0++jEhIDMRDxRxTveEsZiD8xMZHzKHrQmKUMsfs7M1R/hmEn6Yq3xyheKiYoXqAM6XVHP1MaxF/vQzGKHXD5tfFWsy08FOa0VsvdV1o3OiSXgSDofxJ+PJm9MwRjlFv5gZuRc9QvjrKnynt75qDUVfqVHFhLGY6VYlf1l0vwzFKMVv1QFz54yH7ETeKY45IPFTMWyNM4lMa1uhO2oy2OWLxUPzlY8SVP6WqTjI97ZAYi4eduCFixL9jBmu08BBc0LqoGKXIonogqvwxVX3LXtwyRzQeCi8ai/hiNqUq/vm2HkzFY5Qi8y/qiyrfEj7zgN/QuoJlZb5hm/hiZqYq5oU1zRGPh5JWkBBT/ih8PX4Y7rogdQXiBr8TZMSmtCV8zlswHkxxYhT3comJLWbTGj02TaQZjfWSXVde1QORKW2s0YrIMZ/MwYlRrC+ZSGwxs4Ufu7zaHDoe9tG6cqseiExpY40emzFkMAiJvHioWMAc6qXDyneFH3wjsF5Gn7IZ5Fc9EJ7S5ho9Qj77A3Mw4+GyN2wTU765RitIOx+deOh/E9ZnCdXr1w8W5qSqwEXeyuKhYhHVA0Hle8Inh9ldFA8Vy6geCC5m9hodeDs7UTwcWfjXbweV7wmfaKC3OfTHKKJx482C5ngTXMzsNVqBOPooi1HUl8lMSPnOGk1c6q1VVzxukDc+M6Ep7aUq7D3dRfFQsaTqgdBihgjfe1ODLB6udsOCU9pPVS/sZryI4qFiWdUDgSntrtEKa5gdRfFwZKW/tBCY0u4a7V3wXhYPFUurXr85WvnuGj0yHZGbKB4qllc9QE9pJFVZb22QxUP3siwOrXxU+FMz6vHFi1Fv1lA9QE9p9c6H2FUX1LXmDQsoHxe+e9l5MUqxjuoBUvnIGq0wzSapay3VA6Ty/TXae4PcuOFdkDUgn8WhqeqFbilRXeupHqCUTwi/AwmwY5T5n9aEmtLYGm1cfGFda6oeoJSPrdGKb0k8VBT5o1XElMbW6JFPfjzUl6IAxGJGCv/ZWMK65n92Lw1iShOpKoG1VQ8Qz+JI4UvJ8dm9NPApTaUqMeurHsCVj6/RckqoHsCnNL5Giyn6lxdR5RNrtJAyqgfQKU2nKgHrh0QbVPk5hF9K9QC6mFFrtOSGFa4LV34G4ZdTPYAtZoFUxaSk6gFM+eQazaWGP7KLTem5wi+regBR/kzhl1Y94E9peo1mUVr1ALKY0Ws0gxrMofCVP67RacIvr3rAn9JzhF+HORS+8pWvkw5ZDaoHfOWnr9G1mEPh3TLrp3gk1KJ6wFV+8hpd1w1DlJ+4RtejesBdzBJTVT2qB1zlp6WqmlQPuFM6aY2uSfWAu5gp4cvW6NrMoXCUn7BG16b6EefT6wmpqj5zKJzFTCz8+lQP2MpXh0wg/FpvmDulpcKvUfWApXzpGl2j6gF7SsvW6DpVD1jKF63RlaoesBYzkfDrNYfCUr5gja5X9SPWlBas0bXfMFv5/DW6ZtUDxpTmr9E1qx4wlc9NVXWrHjCmNHONrlz1gLGYMVNV/eZQGFOatUZXr3rAUD5L+EU+u5fENKU5a3QLqge08hmpqtRn95KYlB8XfhuqB7Tyo8Iv/4EOEfqjjFHht6J6AJR/jgi/GdUDejGLrNEtmUNxsA4ZJfyWVA88GMJvJCTawGIWWqPbUj1wjaaqxlQPDNE1ujXVA3tzjUZ6sTnVA6PyyVTVnuqBUzBVtah64GGkKlf4TaoeOATW6DZVD1xJ4TdrDsVArtGtqh7YE6mqZXO82RLCb1f1wAkVftvmePOa0t4a3bTqgQOyRv+BG7Z5T2lnjW5c9cDOE37rqgeujvCbVz0wOD/F077qgb2Vqv6GOd70Z2ON/hOqB07GGv2HbtiTh05Vf0T1wEH/Moy/onpgLOz7z6geGMZUtYbq/weMFNcLvVmW9wAAAABJRU5ErkJggg==</a:t>
+            </a:r>
+          </a:p>
+        </p:txBody>
+      </p:sp>
+      <p:sp>
+        <p:nvSpPr>
+          <p:cNvPr id="4" name="Slide Number Placeholder 3"/>
+          <p:cNvSpPr>
+            <a:spLocks noGrp="1"/>
+          </p:cNvSpPr>
+          <p:nvPr>
+            <p:ph type="sldNum" sz="quarter" idx="5"/>
+          </p:nvPr>
+        </p:nvSpPr>
+        <p:spPr/>
+        <p:txBody>
+          <a:bodyPr/>
+          <a:lstStyle/>
+          <a:p>
+            <a:fld id="{927DBD90-B360-417B-B4B3-F05A4AFC1996}" type="slidenum">
+              <a:rPr lang="de-DE" smtClean="0"/>
+              <a:pPr/>
+              <a:t>9</a:t>
+            </a:fld>
+            <a:endParaRPr lang="de-DE"/>
+          </a:p>
+        </p:txBody>
+      </p:sp>
+    </p:spTree>
+    <p:extLst>
+      <p:ext uri="{BB962C8B-B14F-4D97-AF65-F5344CB8AC3E}">
+        <p14:creationId xmlns:p14="http://schemas.microsoft.com/office/powerpoint/2010/main" val="4023791290"/>
+      </p:ext>
+    </p:extLst>
+  </p:cSld>
+  <p:clrMapOvr>
+    <a:masterClrMapping/>
+  </p:clrMapOvr>
+</p:notes>
+</file>
+
+<file path=ppt/notesSlides/notesSlide5.xml><?xml version="1.0" encoding="utf-8"?>
+<p:notes xmlns:a="http://schemas.openxmlformats.org/drawingml/2006/main" xmlns:r="http://schemas.openxmlformats.org/officeDocument/2006/relationships" xmlns:p="http://schemas.openxmlformats.org/presentationml/2006/main">
+  <p:cSld>
+    <p:spTree>
+      <p:nvGrpSpPr>
+        <p:cNvPr id="1" name=""/>
+        <p:cNvGrpSpPr/>
+        <p:nvPr/>
+      </p:nvGrpSpPr>
+      <p:grpSpPr>
+        <a:xfrm>
+          <a:off x="0" y="0"/>
+          <a:ext cx="0" cy="0"/>
+          <a:chOff x="0" y="0"/>
+          <a:chExt cx="0" cy="0"/>
+        </a:xfrm>
+      </p:grpSpPr>
+      <p:sp>
+        <p:nvSpPr>
+          <p:cNvPr id="2" name="Folienbildplatzhalter 1"/>
+          <p:cNvSpPr>
+            <a:spLocks noGrp="1" noRot="1" noChangeAspect="1"/>
+          </p:cNvSpPr>
+          <p:nvPr>
+            <p:ph type="sldImg"/>
+          </p:nvPr>
+        </p:nvSpPr>
+        <p:spPr>
+          <a:xfrm>
+            <a:off x="685800" y="1143000"/>
+            <a:ext cx="4270375" cy="2401888"/>
+          </a:xfrm>
+        </p:spPr>
+      </p:sp>
+      <p:sp>
+        <p:nvSpPr>
+          <p:cNvPr id="3" name="Notizenplatzhalter 2"/>
+          <p:cNvSpPr>
+            <a:spLocks noGrp="1"/>
+          </p:cNvSpPr>
+          <p:nvPr>
+            <p:ph type="body" idx="1"/>
+          </p:nvPr>
+        </p:nvSpPr>
+        <p:spPr/>
+        <p:txBody>
+          <a:bodyPr/>
+          <a:lstStyle/>
+          <a:p>
+            <a:endParaRPr lang="de-DE"/>
+          </a:p>
+        </p:txBody>
+      </p:sp>
+      <p:sp>
+        <p:nvSpPr>
+          <p:cNvPr id="4" name="Foliennummernplatzhalter 3"/>
+          <p:cNvSpPr>
+            <a:spLocks noGrp="1"/>
+          </p:cNvSpPr>
+          <p:nvPr>
+            <p:ph type="sldNum" sz="quarter" idx="10"/>
+          </p:nvPr>
+        </p:nvSpPr>
+        <p:spPr/>
+        <p:txBody>
+          <a:bodyPr/>
+          <a:lstStyle/>
+          <a:p>
+            <a:fld id="{927DBD90-B360-417B-B4B3-F05A4AFC1996}" type="slidenum">
+              <a:rPr lang="de-DE" smtClean="0"/>
+              <a:t>12</a:t>
             </a:fld>
             <a:endParaRPr lang="de-DE"/>
           </a:p>
@@ -1171,7 +1810,7 @@
           </a:lstStyle>
           <a:p>
             <a:r>
-              <a:rPr lang="de-DE" smtClean="0"/>
+              <a:rPr lang="de-DE"/>
               <a:t>Titelmasterformat durch Klicken bearbeiten</a:t>
             </a:r>
             <a:endParaRPr lang="de-DE" dirty="0"/>
@@ -1240,7 +1879,7 @@
           </a:lstStyle>
           <a:p>
             <a:r>
-              <a:rPr lang="de-DE" smtClean="0"/>
+              <a:rPr lang="de-DE"/>
               <a:t>Formatvorlage des Untertitelmasters durch Klicken bearbeiten</a:t>
             </a:r>
             <a:endParaRPr lang="de-DE" dirty="0"/>
@@ -1305,7 +1944,7 @@
           <a:p>
             <a:fld id="{3A1F27E2-D58A-4028-9FF2-B12D897F257E}" type="slidenum">
               <a:rPr lang="de-DE" smtClean="0"/>
-              <a:t>‹Nr.›</a:t>
+              <a:t>‹#›</a:t>
             </a:fld>
             <a:endParaRPr lang="de-DE"/>
           </a:p>
@@ -1506,7 +2145,7 @@
           <a:p>
             <a:fld id="{3A1F27E2-D58A-4028-9FF2-B12D897F257E}" type="slidenum">
               <a:rPr lang="de-DE" smtClean="0"/>
-              <a:t>‹Nr.›</a:t>
+              <a:t>‹#›</a:t>
             </a:fld>
             <a:endParaRPr lang="de-DE"/>
           </a:p>
@@ -1656,7 +2295,7 @@
           <a:p>
             <a:fld id="{3A1F27E2-D58A-4028-9FF2-B12D897F257E}" type="slidenum">
               <a:rPr lang="de-DE" smtClean="0"/>
-              <a:t>‹Nr.›</a:t>
+              <a:t>‹#›</a:t>
             </a:fld>
             <a:endParaRPr lang="de-DE"/>
           </a:p>
@@ -1889,7 +2528,7 @@
           <a:p>
             <a:fld id="{3A1F27E2-D58A-4028-9FF2-B12D897F257E}" type="slidenum">
               <a:rPr lang="de-DE" smtClean="0"/>
-              <a:t>‹Nr.›</a:t>
+              <a:t>‹#›</a:t>
             </a:fld>
             <a:endParaRPr lang="de-DE"/>
           </a:p>
@@ -2061,7 +2700,7 @@
           <a:p>
             <a:fld id="{3A1F27E2-D58A-4028-9FF2-B12D897F257E}" type="slidenum">
               <a:rPr lang="de-DE" smtClean="0"/>
-              <a:t>‹Nr.›</a:t>
+              <a:t>‹#›</a:t>
             </a:fld>
             <a:endParaRPr lang="de-DE"/>
           </a:p>
@@ -2233,7 +2872,7 @@
           <a:p>
             <a:fld id="{3A1F27E2-D58A-4028-9FF2-B12D897F257E}" type="slidenum">
               <a:rPr lang="de-DE" smtClean="0"/>
-              <a:t>‹Nr.›</a:t>
+              <a:t>‹#›</a:t>
             </a:fld>
             <a:endParaRPr lang="de-DE"/>
           </a:p>
@@ -2379,7 +3018,7 @@
           <a:p>
             <a:fld id="{3A1F27E2-D58A-4028-9FF2-B12D897F257E}" type="slidenum">
               <a:rPr lang="de-DE" smtClean="0"/>
-              <a:t>‹Nr.›</a:t>
+              <a:t>‹#›</a:t>
             </a:fld>
             <a:endParaRPr lang="de-DE"/>
           </a:p>
@@ -2473,7 +3112,7 @@
           <a:p>
             <a:fld id="{3A1F27E2-D58A-4028-9FF2-B12D897F257E}" type="slidenum">
               <a:rPr lang="de-DE" smtClean="0"/>
-              <a:t>‹Nr.›</a:t>
+              <a:t>‹#›</a:t>
             </a:fld>
             <a:endParaRPr lang="de-DE"/>
           </a:p>
@@ -2593,7 +3232,7 @@
           <a:p>
             <a:fld id="{3A1F27E2-D58A-4028-9FF2-B12D897F257E}" type="slidenum">
               <a:rPr lang="de-DE" smtClean="0"/>
-              <a:t>‹Nr.›</a:t>
+              <a:t>‹#›</a:t>
             </a:fld>
             <a:endParaRPr lang="de-DE"/>
           </a:p>
@@ -2773,7 +3412,7 @@
           <a:p>
             <a:fld id="{3A1F27E2-D58A-4028-9FF2-B12D897F257E}" type="slidenum">
               <a:rPr lang="de-DE" smtClean="0"/>
-              <a:t>‹Nr.›</a:t>
+              <a:t>‹#›</a:t>
             </a:fld>
             <a:endParaRPr lang="de-DE"/>
           </a:p>
@@ -2974,7 +3613,7 @@
           <a:p>
             <a:fld id="{3A1F27E2-D58A-4028-9FF2-B12D897F257E}" type="slidenum">
               <a:rPr lang="de-DE" smtClean="0"/>
-              <a:t>‹Nr.›</a:t>
+              <a:t>‹#›</a:t>
             </a:fld>
             <a:endParaRPr lang="de-DE"/>
           </a:p>
@@ -3370,7 +4009,7 @@
             <a:fld id="{3A1F27E2-D58A-4028-9FF2-B12D897F257E}" type="slidenum">
               <a:rPr lang="de-DE" smtClean="0"/>
               <a:pPr/>
-              <a:t>‹Nr.›</a:t>
+              <a:t>‹#›</a:t>
             </a:fld>
             <a:endParaRPr lang="de-DE"/>
           </a:p>
@@ -4007,7 +4646,7 @@
             <a:fld id="{3A1F27E2-D58A-4028-9FF2-B12D897F257E}" type="slidenum">
               <a:rPr lang="de-DE" smtClean="0"/>
               <a:pPr/>
-              <a:t>‹Nr.›</a:t>
+              <a:t>‹#›</a:t>
             </a:fld>
             <a:endParaRPr lang="de-DE" dirty="0"/>
           </a:p>
@@ -4090,7 +4729,7 @@
           <p:cNvPr id="11" name="Grafik 10">
             <a:extLst>
               <a:ext uri="{FF2B5EF4-FFF2-40B4-BE49-F238E27FC236}">
-                <a16:creationId xmlns:a16="http://schemas.microsoft.com/office/drawing/2014/main" xmlns="" id="{C4559D41-751B-4D7C-9655-A71341095138}"/>
+                <a16:creationId xmlns:a16="http://schemas.microsoft.com/office/drawing/2014/main" id="{C4559D41-751B-4D7C-9655-A71341095138}"/>
               </a:ext>
             </a:extLst>
           </p:cNvPr>
@@ -4126,7 +4765,7 @@
           <p:cNvPr id="14" name="Straight Connector 6">
             <a:extLst>
               <a:ext uri="{FF2B5EF4-FFF2-40B4-BE49-F238E27FC236}">
-                <a16:creationId xmlns:a16="http://schemas.microsoft.com/office/drawing/2014/main" xmlns="" id="{C797F233-091D-4DE9-86F5-01F20A8E02B8}"/>
+                <a16:creationId xmlns:a16="http://schemas.microsoft.com/office/drawing/2014/main" id="{C797F233-091D-4DE9-86F5-01F20A8E02B8}"/>
               </a:ext>
             </a:extLst>
           </p:cNvPr>
@@ -4546,6 +5185,13 @@
           <a:bodyPr/>
           <a:lstStyle/>
           <a:p>
+            <a:r>
+              <a:rPr lang="de-DE">
+                <a:latin typeface="Calibri"/>
+                <a:cs typeface="Calibri"/>
+              </a:rPr>
+              <a:t>Evaluierung von Tools zum Auffinden von Undefined Behavior</a:t>
+            </a:r>
             <a:endParaRPr lang="de-DE" dirty="0"/>
           </a:p>
         </p:txBody>
@@ -4562,10 +5208,12 @@
         </p:nvSpPr>
         <p:spPr/>
         <p:txBody>
-          <a:bodyPr/>
-          <a:lstStyle/>
-          <a:p>
-            <a:endParaRPr lang="de-DE"/>
+          <a:bodyPr vert="horz" lIns="91440" tIns="45720" rIns="91440" bIns="45720" rtlCol="0" anchor="t">
+            <a:normAutofit/>
+          </a:bodyPr>
+          <a:lstStyle/>
+          <a:p>
+            <a:endParaRPr lang="de-DE" dirty="0"/>
           </a:p>
         </p:txBody>
       </p:sp>
@@ -4633,10 +5281,557 @@
           </a:p>
         </p:txBody>
       </p:sp>
+      <p:sp>
+        <p:nvSpPr>
+          <p:cNvPr id="7" name="TextBox 6">
+            <a:extLst>
+              <a:ext uri="{FF2B5EF4-FFF2-40B4-BE49-F238E27FC236}">
+                <a16:creationId xmlns:a16="http://schemas.microsoft.com/office/drawing/2014/main" id="{F9AF7066-EF94-4A99-81FF-93EB0C6D07BB}"/>
+              </a:ext>
+            </a:extLst>
+          </p:cNvPr>
+          <p:cNvSpPr txBox="1"/>
+          <p:nvPr/>
+        </p:nvSpPr>
+        <p:spPr>
+          <a:xfrm>
+            <a:off x="4724400" y="3200400"/>
+            <a:ext cx="2743200" cy="369332"/>
+          </a:xfrm>
+          <a:prstGeom prst="rect">
+            <a:avLst/>
+          </a:prstGeom>
+          <a:noFill/>
+        </p:spPr>
+        <p:txBody>
+          <a:bodyPr rot="0" spcFirstLastPara="0" vertOverflow="overflow" horzOverflow="overflow" vert="horz" wrap="square" lIns="91440" tIns="45720" rIns="91440" bIns="45720" numCol="1" spcCol="0" rtlCol="0" fromWordArt="0" anchor="t" anchorCtr="0" forceAA="0" compatLnSpc="1">
+            <a:prstTxWarp prst="textNoShape">
+              <a:avLst/>
+            </a:prstTxWarp>
+            <a:spAutoFit/>
+          </a:bodyPr>
+          <a:lstStyle/>
+          <a:p>
+            <a:pPr algn="l"/>
+            <a:endParaRPr lang="en-US" dirty="0">
+              <a:cs typeface="Arial"/>
+            </a:endParaRPr>
+          </a:p>
+        </p:txBody>
+      </p:sp>
     </p:spTree>
     <p:extLst>
       <p:ext uri="{BB962C8B-B14F-4D97-AF65-F5344CB8AC3E}">
         <p14:creationId xmlns:p14="http://schemas.microsoft.com/office/powerpoint/2010/main" val="4002993845"/>
+      </p:ext>
+    </p:extLst>
+  </p:cSld>
+  <p:clrMapOvr>
+    <a:masterClrMapping/>
+  </p:clrMapOvr>
+</p:sld>
+</file>
+
+<file path=ppt/slides/slide10.xml><?xml version="1.0" encoding="utf-8"?>
+<p:sld xmlns:a="http://schemas.openxmlformats.org/drawingml/2006/main" xmlns:r="http://schemas.openxmlformats.org/officeDocument/2006/relationships" xmlns:p="http://schemas.openxmlformats.org/presentationml/2006/main">
+  <p:cSld>
+    <p:spTree>
+      <p:nvGrpSpPr>
+        <p:cNvPr id="1" name=""/>
+        <p:cNvGrpSpPr/>
+        <p:nvPr/>
+      </p:nvGrpSpPr>
+      <p:grpSpPr>
+        <a:xfrm>
+          <a:off x="0" y="0"/>
+          <a:ext cx="0" cy="0"/>
+          <a:chOff x="0" y="0"/>
+          <a:chExt cx="0" cy="0"/>
+        </a:xfrm>
+      </p:grpSpPr>
+      <p:sp>
+        <p:nvSpPr>
+          <p:cNvPr id="2" name="Title 1">
+            <a:extLst>
+              <a:ext uri="{FF2B5EF4-FFF2-40B4-BE49-F238E27FC236}">
+                <a16:creationId xmlns:a16="http://schemas.microsoft.com/office/drawing/2014/main" id="{8992A407-02A3-4F32-8A14-F579BBD75320}"/>
+              </a:ext>
+            </a:extLst>
+          </p:cNvPr>
+          <p:cNvSpPr>
+            <a:spLocks noGrp="1"/>
+          </p:cNvSpPr>
+          <p:nvPr>
+            <p:ph type="title"/>
+          </p:nvPr>
+        </p:nvSpPr>
+        <p:spPr>
+          <a:xfrm>
+            <a:off x="838200" y="152400"/>
+            <a:ext cx="10514013" cy="1081088"/>
+          </a:xfrm>
+        </p:spPr>
+        <p:txBody>
+          <a:bodyPr anchor="ctr">
+            <a:normAutofit/>
+          </a:bodyPr>
+          <a:lstStyle/>
+          <a:p>
+            <a:r>
+              <a:rPr lang="en-US"/>
+              <a:t>Toolbewertung</a:t>
+            </a:r>
+          </a:p>
+        </p:txBody>
+      </p:sp>
+      <p:pic>
+        <p:nvPicPr>
+          <p:cNvPr id="8" name="Picture 8">
+            <a:extLst>
+              <a:ext uri="{FF2B5EF4-FFF2-40B4-BE49-F238E27FC236}">
+                <a16:creationId xmlns:a16="http://schemas.microsoft.com/office/drawing/2014/main" id="{C1779AB6-DCE1-4E6A-9A24-D948822F6101}"/>
+              </a:ext>
+            </a:extLst>
+          </p:cNvPr>
+          <p:cNvPicPr>
+            <a:picLocks noGrp="1" noChangeAspect="1"/>
+          </p:cNvPicPr>
+          <p:nvPr>
+            <p:ph idx="1"/>
+          </p:nvPr>
+        </p:nvPicPr>
+        <p:blipFill>
+          <a:blip r:embed="rId2"/>
+          <a:stretch>
+            <a:fillRect/>
+          </a:stretch>
+        </p:blipFill>
+        <p:spPr>
+          <a:xfrm>
+            <a:off x="838200" y="1556540"/>
+            <a:ext cx="10514013" cy="4573594"/>
+          </a:xfrm>
+          <a:noFill/>
+        </p:spPr>
+      </p:pic>
+      <p:sp>
+        <p:nvSpPr>
+          <p:cNvPr id="4" name="Date Placeholder 3">
+            <a:extLst>
+              <a:ext uri="{FF2B5EF4-FFF2-40B4-BE49-F238E27FC236}">
+                <a16:creationId xmlns:a16="http://schemas.microsoft.com/office/drawing/2014/main" id="{C3E907B8-FD0A-435B-BC23-E66BD0E4E84A}"/>
+              </a:ext>
+            </a:extLst>
+          </p:cNvPr>
+          <p:cNvSpPr>
+            <a:spLocks noGrp="1"/>
+          </p:cNvSpPr>
+          <p:nvPr>
+            <p:ph type="dt" sz="half" idx="10"/>
+          </p:nvPr>
+        </p:nvSpPr>
+        <p:spPr>
+          <a:xfrm>
+            <a:off x="838200" y="6432550"/>
+            <a:ext cx="1067512" cy="365125"/>
+          </a:xfrm>
+        </p:spPr>
+        <p:txBody>
+          <a:bodyPr anchor="ctr">
+            <a:normAutofit/>
+          </a:bodyPr>
+          <a:lstStyle/>
+          <a:p>
+            <a:pPr>
+              <a:spcAft>
+                <a:spcPts val="600"/>
+              </a:spcAft>
+            </a:pPr>
+            <a:r>
+              <a:rPr lang="de-DE"/>
+              <a:t>09.12.2019</a:t>
+            </a:r>
+          </a:p>
+        </p:txBody>
+      </p:sp>
+      <p:sp>
+        <p:nvSpPr>
+          <p:cNvPr id="17" name="Footer Placeholder 4">
+            <a:extLst>
+              <a:ext uri="{FF2B5EF4-FFF2-40B4-BE49-F238E27FC236}">
+                <a16:creationId xmlns:a16="http://schemas.microsoft.com/office/drawing/2014/main" id="{B4631219-21D3-4DB0-A591-E9D11663FED6}"/>
+              </a:ext>
+            </a:extLst>
+          </p:cNvPr>
+          <p:cNvSpPr>
+            <a:spLocks noGrp="1"/>
+          </p:cNvSpPr>
+          <p:nvPr>
+            <p:ph type="ftr" sz="quarter" idx="11"/>
+          </p:nvPr>
+        </p:nvSpPr>
+        <p:spPr>
+          <a:xfrm>
+            <a:off x="2016807" y="6432550"/>
+            <a:ext cx="8468883" cy="365125"/>
+          </a:xfrm>
+        </p:spPr>
+        <p:txBody>
+          <a:bodyPr/>
+          <a:lstStyle/>
+          <a:p>
+            <a:endParaRPr lang="de-DE"/>
+          </a:p>
+        </p:txBody>
+      </p:sp>
+      <p:sp>
+        <p:nvSpPr>
+          <p:cNvPr id="6" name="Slide Number Placeholder 5">
+            <a:extLst>
+              <a:ext uri="{FF2B5EF4-FFF2-40B4-BE49-F238E27FC236}">
+                <a16:creationId xmlns:a16="http://schemas.microsoft.com/office/drawing/2014/main" id="{B8F20493-E259-4A62-B06B-81021C7BD964}"/>
+              </a:ext>
+            </a:extLst>
+          </p:cNvPr>
+          <p:cNvSpPr>
+            <a:spLocks noGrp="1"/>
+          </p:cNvSpPr>
+          <p:nvPr>
+            <p:ph type="sldNum" sz="quarter" idx="12"/>
+          </p:nvPr>
+        </p:nvSpPr>
+        <p:spPr>
+          <a:xfrm>
+            <a:off x="10630968" y="6432550"/>
+            <a:ext cx="721245" cy="365125"/>
+          </a:xfrm>
+        </p:spPr>
+        <p:txBody>
+          <a:bodyPr anchor="ctr">
+            <a:normAutofit/>
+          </a:bodyPr>
+          <a:lstStyle/>
+          <a:p>
+            <a:pPr>
+              <a:spcAft>
+                <a:spcPts val="600"/>
+              </a:spcAft>
+            </a:pPr>
+            <a:fld id="{3A1F27E2-D58A-4028-9FF2-B12D897F257E}" type="slidenum">
+              <a:rPr lang="de-DE" smtClean="0"/>
+              <a:pPr>
+                <a:spcAft>
+                  <a:spcPts val="600"/>
+                </a:spcAft>
+              </a:pPr>
+              <a:t>10</a:t>
+            </a:fld>
+            <a:endParaRPr lang="de-DE"/>
+          </a:p>
+        </p:txBody>
+      </p:sp>
+    </p:spTree>
+    <p:extLst>
+      <p:ext uri="{BB962C8B-B14F-4D97-AF65-F5344CB8AC3E}">
+        <p14:creationId xmlns:p14="http://schemas.microsoft.com/office/powerpoint/2010/main" val="3446650069"/>
+      </p:ext>
+    </p:extLst>
+  </p:cSld>
+  <p:clrMapOvr>
+    <a:masterClrMapping/>
+  </p:clrMapOvr>
+</p:sld>
+</file>
+
+<file path=ppt/slides/slide11.xml><?xml version="1.0" encoding="utf-8"?>
+<p:sld xmlns:a="http://schemas.openxmlformats.org/drawingml/2006/main" xmlns:r="http://schemas.openxmlformats.org/officeDocument/2006/relationships" xmlns:p="http://schemas.openxmlformats.org/presentationml/2006/main">
+  <p:cSld>
+    <p:spTree>
+      <p:nvGrpSpPr>
+        <p:cNvPr id="1" name=""/>
+        <p:cNvGrpSpPr/>
+        <p:nvPr/>
+      </p:nvGrpSpPr>
+      <p:grpSpPr>
+        <a:xfrm>
+          <a:off x="0" y="0"/>
+          <a:ext cx="0" cy="0"/>
+          <a:chOff x="0" y="0"/>
+          <a:chExt cx="0" cy="0"/>
+        </a:xfrm>
+      </p:grpSpPr>
+      <p:sp>
+        <p:nvSpPr>
+          <p:cNvPr id="4" name="Titel 3"/>
+          <p:cNvSpPr>
+            <a:spLocks noGrp="1"/>
+          </p:cNvSpPr>
+          <p:nvPr>
+            <p:ph type="title"/>
+          </p:nvPr>
+        </p:nvSpPr>
+        <p:spPr/>
+        <p:txBody>
+          <a:bodyPr/>
+          <a:lstStyle/>
+          <a:p>
+            <a:r>
+              <a:rPr lang="de-DE">
+                <a:latin typeface="Calibri"/>
+                <a:cs typeface="Calibri"/>
+              </a:rPr>
+              <a:t>Toolauswahl</a:t>
+            </a:r>
+            <a:endParaRPr lang="de-DE" dirty="0"/>
+          </a:p>
+        </p:txBody>
+      </p:sp>
+      <p:sp>
+        <p:nvSpPr>
+          <p:cNvPr id="5" name="Inhaltsplatzhalter 4"/>
+          <p:cNvSpPr>
+            <a:spLocks noGrp="1"/>
+          </p:cNvSpPr>
+          <p:nvPr>
+            <p:ph idx="1"/>
+          </p:nvPr>
+        </p:nvSpPr>
+        <p:spPr/>
+        <p:txBody>
+          <a:bodyPr vert="horz" lIns="91440" tIns="45720" rIns="91440" bIns="45720" rtlCol="0" anchor="t">
+            <a:normAutofit/>
+          </a:bodyPr>
+          <a:lstStyle/>
+          <a:p>
+            <a:pPr>
+              <a:lnSpc>
+                <a:spcPct val="150000"/>
+              </a:lnSpc>
+            </a:pPr>
+            <a:r>
+              <a:rPr lang="de-DE">
+                <a:latin typeface="Calibri"/>
+                <a:cs typeface="Calibri"/>
+              </a:rPr>
+              <a:t>Cppcheck it Bewertungssieger</a:t>
+            </a:r>
+          </a:p>
+          <a:p>
+            <a:pPr>
+              <a:lnSpc>
+                <a:spcPct val="150000"/>
+              </a:lnSpc>
+            </a:pPr>
+            <a:r>
+              <a:rPr lang="de-DE">
+                <a:latin typeface="Calibri"/>
+                <a:cs typeface="Calibri"/>
+              </a:rPr>
+              <a:t>PVS-Studio interessante kostenpflichtige Alternative</a:t>
+            </a:r>
+            <a:endParaRPr lang="de-DE" dirty="0"/>
+          </a:p>
+          <a:p>
+            <a:pPr>
+              <a:lnSpc>
+                <a:spcPct val="150000"/>
+              </a:lnSpc>
+            </a:pPr>
+            <a:r>
+              <a:rPr lang="de-DE">
+                <a:latin typeface="Calibri"/>
+                <a:cs typeface="Calibri"/>
+              </a:rPr>
+              <a:t>Möglichkeit kostenlose Tools gemeinsam Einzusetzen</a:t>
+            </a:r>
+            <a:endParaRPr lang="de-DE" dirty="0"/>
+          </a:p>
+        </p:txBody>
+      </p:sp>
+      <p:sp>
+        <p:nvSpPr>
+          <p:cNvPr id="2" name="Datumsplatzhalter 1"/>
+          <p:cNvSpPr>
+            <a:spLocks noGrp="1"/>
+          </p:cNvSpPr>
+          <p:nvPr>
+            <p:ph type="dt" sz="half" idx="10"/>
+          </p:nvPr>
+        </p:nvSpPr>
+        <p:spPr/>
+        <p:txBody>
+          <a:bodyPr/>
+          <a:lstStyle/>
+          <a:p>
+            <a:r>
+              <a:rPr lang="de-DE"/>
+              <a:t>09.12.2019</a:t>
+            </a:r>
+          </a:p>
+        </p:txBody>
+      </p:sp>
+      <p:sp>
+        <p:nvSpPr>
+          <p:cNvPr id="3" name="Fußzeilenplatzhalter 2"/>
+          <p:cNvSpPr>
+            <a:spLocks noGrp="1"/>
+          </p:cNvSpPr>
+          <p:nvPr>
+            <p:ph type="ftr" sz="quarter" idx="11"/>
+          </p:nvPr>
+        </p:nvSpPr>
+        <p:spPr/>
+        <p:txBody>
+          <a:bodyPr/>
+          <a:lstStyle/>
+          <a:p>
+            <a:endParaRPr lang="de-DE"/>
+          </a:p>
+        </p:txBody>
+      </p:sp>
+      <p:sp>
+        <p:nvSpPr>
+          <p:cNvPr id="6" name="Foliennummernplatzhalter 5"/>
+          <p:cNvSpPr>
+            <a:spLocks noGrp="1"/>
+          </p:cNvSpPr>
+          <p:nvPr>
+            <p:ph type="sldNum" sz="quarter" idx="12"/>
+          </p:nvPr>
+        </p:nvSpPr>
+        <p:spPr/>
+        <p:txBody>
+          <a:bodyPr/>
+          <a:lstStyle/>
+          <a:p>
+            <a:fld id="{3A1F27E2-D58A-4028-9FF2-B12D897F257E}" type="slidenum">
+              <a:rPr lang="de-DE" smtClean="0"/>
+              <a:t>11</a:t>
+            </a:fld>
+            <a:endParaRPr lang="de-DE"/>
+          </a:p>
+        </p:txBody>
+      </p:sp>
+    </p:spTree>
+    <p:extLst>
+      <p:ext uri="{BB962C8B-B14F-4D97-AF65-F5344CB8AC3E}">
+        <p14:creationId xmlns:p14="http://schemas.microsoft.com/office/powerpoint/2010/main" val="2637983416"/>
+      </p:ext>
+    </p:extLst>
+  </p:cSld>
+  <p:clrMapOvr>
+    <a:masterClrMapping/>
+  </p:clrMapOvr>
+</p:sld>
+</file>
+
+<file path=ppt/slides/slide12.xml><?xml version="1.0" encoding="utf-8"?>
+<p:sld xmlns:a="http://schemas.openxmlformats.org/drawingml/2006/main" xmlns:r="http://schemas.openxmlformats.org/officeDocument/2006/relationships" xmlns:p="http://schemas.openxmlformats.org/presentationml/2006/main">
+  <p:cSld>
+    <p:spTree>
+      <p:nvGrpSpPr>
+        <p:cNvPr id="1" name=""/>
+        <p:cNvGrpSpPr/>
+        <p:nvPr/>
+      </p:nvGrpSpPr>
+      <p:grpSpPr>
+        <a:xfrm>
+          <a:off x="0" y="0"/>
+          <a:ext cx="0" cy="0"/>
+          <a:chOff x="0" y="0"/>
+          <a:chExt cx="0" cy="0"/>
+        </a:xfrm>
+      </p:grpSpPr>
+      <p:sp>
+        <p:nvSpPr>
+          <p:cNvPr id="4" name="Titel 3"/>
+          <p:cNvSpPr>
+            <a:spLocks noGrp="1"/>
+          </p:cNvSpPr>
+          <p:nvPr>
+            <p:ph type="title"/>
+          </p:nvPr>
+        </p:nvSpPr>
+        <p:spPr/>
+        <p:txBody>
+          <a:bodyPr/>
+          <a:lstStyle/>
+          <a:p>
+            <a:r>
+              <a:rPr lang="de-DE" dirty="0"/>
+              <a:t>Fragen</a:t>
+            </a:r>
+          </a:p>
+        </p:txBody>
+      </p:sp>
+      <p:sp>
+        <p:nvSpPr>
+          <p:cNvPr id="2" name="Datumsplatzhalter 1"/>
+          <p:cNvSpPr>
+            <a:spLocks noGrp="1"/>
+          </p:cNvSpPr>
+          <p:nvPr>
+            <p:ph type="dt" sz="half" idx="10"/>
+          </p:nvPr>
+        </p:nvSpPr>
+        <p:spPr/>
+        <p:txBody>
+          <a:bodyPr/>
+          <a:lstStyle/>
+          <a:p>
+            <a:r>
+              <a:rPr lang="de-DE"/>
+              <a:t>09.12.2019</a:t>
+            </a:r>
+          </a:p>
+        </p:txBody>
+      </p:sp>
+      <p:sp>
+        <p:nvSpPr>
+          <p:cNvPr id="3" name="Fußzeilenplatzhalter 2"/>
+          <p:cNvSpPr>
+            <a:spLocks noGrp="1"/>
+          </p:cNvSpPr>
+          <p:nvPr>
+            <p:ph type="ftr" sz="quarter" idx="11"/>
+          </p:nvPr>
+        </p:nvSpPr>
+        <p:spPr/>
+        <p:txBody>
+          <a:bodyPr/>
+          <a:lstStyle/>
+          <a:p>
+            <a:endParaRPr lang="de-DE"/>
+          </a:p>
+        </p:txBody>
+      </p:sp>
+      <p:sp>
+        <p:nvSpPr>
+          <p:cNvPr id="6" name="Foliennummernplatzhalter 5"/>
+          <p:cNvSpPr>
+            <a:spLocks noGrp="1"/>
+          </p:cNvSpPr>
+          <p:nvPr>
+            <p:ph type="sldNum" sz="quarter" idx="12"/>
+          </p:nvPr>
+        </p:nvSpPr>
+        <p:spPr/>
+        <p:txBody>
+          <a:bodyPr/>
+          <a:lstStyle/>
+          <a:p>
+            <a:fld id="{3A1F27E2-D58A-4028-9FF2-B12D897F257E}" type="slidenum">
+              <a:rPr lang="de-DE" smtClean="0"/>
+              <a:t>12</a:t>
+            </a:fld>
+            <a:endParaRPr lang="de-DE"/>
+          </a:p>
+        </p:txBody>
+      </p:sp>
+    </p:spTree>
+    <p:extLst>
+      <p:ext uri="{BB962C8B-B14F-4D97-AF65-F5344CB8AC3E}">
+        <p14:creationId xmlns:p14="http://schemas.microsoft.com/office/powerpoint/2010/main" val="3029113584"/>
       </p:ext>
     </p:extLst>
   </p:cSld>
@@ -4697,10 +5892,131 @@
         </p:nvSpPr>
         <p:spPr/>
         <p:txBody>
-          <a:bodyPr/>
-          <a:lstStyle/>
-          <a:p>
+          <a:bodyPr vert="horz" lIns="91440" tIns="45720" rIns="91440" bIns="45720" rtlCol="0" anchor="t">
+            <a:normAutofit/>
+          </a:bodyPr>
+          <a:lstStyle/>
+          <a:p>
+            <a:pPr>
+              <a:lnSpc>
+                <a:spcPct val="150000"/>
+              </a:lnSpc>
+            </a:pPr>
+            <a:r>
+              <a:rPr lang="de-DE">
+                <a:latin typeface="Calibri"/>
+                <a:cs typeface="Calibri"/>
+              </a:rPr>
+              <a:t>Problem- und Aufgabenstellung</a:t>
+            </a:r>
+            <a:endParaRPr lang="de-DE" dirty="0">
+              <a:latin typeface="Calibri"/>
+              <a:cs typeface="Calibri"/>
+            </a:endParaRPr>
+          </a:p>
+          <a:p>
+            <a:pPr>
+              <a:lnSpc>
+                <a:spcPct val="150000"/>
+              </a:lnSpc>
+            </a:pPr>
+            <a:r>
+              <a:rPr lang="de-DE">
+                <a:latin typeface="Calibri"/>
+                <a:cs typeface="Calibri"/>
+              </a:rPr>
+              <a:t>Was ist </a:t>
+            </a:r>
+            <a:r>
+              <a:rPr lang="de-DE" err="1">
+                <a:latin typeface="Calibri"/>
+                <a:cs typeface="Calibri"/>
+              </a:rPr>
+              <a:t>Undefined</a:t>
+            </a:r>
+            <a:r>
+              <a:rPr lang="de-DE" dirty="0">
+                <a:latin typeface="Calibri"/>
+                <a:cs typeface="Calibri"/>
+              </a:rPr>
+              <a:t> </a:t>
+            </a:r>
+            <a:r>
+              <a:rPr lang="de-DE" err="1">
+                <a:latin typeface="Calibri"/>
+                <a:cs typeface="Calibri"/>
+              </a:rPr>
+              <a:t>Behavior</a:t>
+            </a:r>
+            <a:r>
+              <a:rPr lang="de-DE" dirty="0">
+                <a:latin typeface="Calibri"/>
+                <a:cs typeface="Calibri"/>
+              </a:rPr>
+              <a:t>?</a:t>
+            </a:r>
             <a:endParaRPr lang="de-DE"/>
+          </a:p>
+          <a:p>
+            <a:pPr>
+              <a:lnSpc>
+                <a:spcPct val="150000"/>
+              </a:lnSpc>
+            </a:pPr>
+            <a:r>
+              <a:rPr lang="de-DE">
+                <a:latin typeface="Calibri"/>
+                <a:cs typeface="Calibri"/>
+              </a:rPr>
+              <a:t>Warum wird Undefined Behavior benutzt?</a:t>
+            </a:r>
+            <a:endParaRPr lang="de-DE" dirty="0">
+              <a:latin typeface="Calibri"/>
+              <a:cs typeface="Calibri"/>
+            </a:endParaRPr>
+          </a:p>
+          <a:p>
+            <a:pPr>
+              <a:lnSpc>
+                <a:spcPct val="150000"/>
+              </a:lnSpc>
+            </a:pPr>
+            <a:r>
+              <a:rPr lang="de-DE">
+                <a:latin typeface="Calibri"/>
+                <a:cs typeface="Calibri"/>
+              </a:rPr>
+              <a:t>Toolanforderungen</a:t>
+            </a:r>
+          </a:p>
+          <a:p>
+            <a:pPr>
+              <a:lnSpc>
+                <a:spcPct val="150000"/>
+              </a:lnSpc>
+            </a:pPr>
+            <a:r>
+              <a:rPr lang="de-DE">
+                <a:latin typeface="Calibri"/>
+                <a:cs typeface="Calibri"/>
+              </a:rPr>
+              <a:t>Toolbewertung </a:t>
+            </a:r>
+          </a:p>
+          <a:p>
+            <a:pPr>
+              <a:lnSpc>
+                <a:spcPct val="150000"/>
+              </a:lnSpc>
+            </a:pPr>
+            <a:r>
+              <a:rPr lang="de-DE">
+                <a:latin typeface="Calibri"/>
+                <a:cs typeface="Calibri"/>
+              </a:rPr>
+              <a:t>Toolauswahl</a:t>
+            </a:r>
+            <a:endParaRPr lang="de-DE" dirty="0"/>
           </a:p>
         </p:txBody>
       </p:sp>
@@ -4800,7 +6116,13 @@
       </p:grpSpPr>
       <p:sp>
         <p:nvSpPr>
-          <p:cNvPr id="4" name="Titel 3"/>
+          <p:cNvPr id="2" name="Title 1">
+            <a:extLst>
+              <a:ext uri="{FF2B5EF4-FFF2-40B4-BE49-F238E27FC236}">
+                <a16:creationId xmlns:a16="http://schemas.microsoft.com/office/drawing/2014/main" id="{B563012C-308C-4E75-AFFC-1663F9E7CC40}"/>
+              </a:ext>
+            </a:extLst>
+          </p:cNvPr>
           <p:cNvSpPr>
             <a:spLocks noGrp="1"/>
           </p:cNvSpPr>
@@ -4813,13 +6135,26 @@
           <a:bodyPr/>
           <a:lstStyle/>
           <a:p>
-            <a:endParaRPr lang="de-DE"/>
-          </a:p>
-        </p:txBody>
-      </p:sp>
-      <p:sp>
-        <p:nvSpPr>
-          <p:cNvPr id="5" name="Inhaltsplatzhalter 4"/>
+            <a:r>
+              <a:rPr lang="en-US">
+                <a:latin typeface="Calibri"/>
+                <a:cs typeface="Calibri"/>
+              </a:rPr>
+              <a:t>Problem- und Aufgabenstellung</a:t>
+            </a:r>
+            <a:endParaRPr lang="en-US"/>
+          </a:p>
+        </p:txBody>
+      </p:sp>
+      <p:sp>
+        <p:nvSpPr>
+          <p:cNvPr id="3" name="Content Placeholder 2">
+            <a:extLst>
+              <a:ext uri="{FF2B5EF4-FFF2-40B4-BE49-F238E27FC236}">
+                <a16:creationId xmlns:a16="http://schemas.microsoft.com/office/drawing/2014/main" id="{B9E1F98A-8E5E-453B-A4B0-0EEF87DE0E91}"/>
+              </a:ext>
+            </a:extLst>
+          </p:cNvPr>
           <p:cNvSpPr>
             <a:spLocks noGrp="1"/>
           </p:cNvSpPr>
@@ -4829,16 +6164,67 @@
         </p:nvSpPr>
         <p:spPr/>
         <p:txBody>
-          <a:bodyPr/>
-          <a:lstStyle/>
-          <a:p>
-            <a:endParaRPr lang="de-DE"/>
-          </a:p>
-        </p:txBody>
-      </p:sp>
-      <p:sp>
-        <p:nvSpPr>
-          <p:cNvPr id="7" name="Datumsplatzhalter 6"/>
+          <a:bodyPr vert="horz" lIns="91440" tIns="45720" rIns="91440" bIns="45720" rtlCol="0" anchor="t">
+            <a:normAutofit/>
+          </a:bodyPr>
+          <a:lstStyle/>
+          <a:p>
+            <a:pPr>
+              <a:lnSpc>
+                <a:spcPct val="150000"/>
+              </a:lnSpc>
+            </a:pPr>
+            <a:r>
+              <a:rPr lang="en-US">
+                <a:latin typeface="Calibri"/>
+                <a:cs typeface="Calibri"/>
+              </a:rPr>
+              <a:t>Fehler in Software lässt sich auf UB zurückführen</a:t>
+            </a:r>
+            <a:endParaRPr lang="en-US"/>
+          </a:p>
+          <a:p>
+            <a:pPr>
+              <a:lnSpc>
+                <a:spcPct val="150000"/>
+              </a:lnSpc>
+            </a:pPr>
+            <a:r>
+              <a:rPr lang="en-US">
+                <a:latin typeface="Calibri"/>
+                <a:cs typeface="Calibri"/>
+              </a:rPr>
+              <a:t>Software enthält möglicherweise weitere Fälle von UB</a:t>
+            </a:r>
+          </a:p>
+          <a:p>
+            <a:pPr>
+              <a:lnSpc>
+                <a:spcPct val="150000"/>
+              </a:lnSpc>
+              <a:buFont typeface="Wingdings" panose="020B0604020202020204" pitchFamily="34" charset="0"/>
+              <a:buChar char="Ø"/>
+            </a:pPr>
+            <a:r>
+              <a:rPr lang="en-US">
+                <a:latin typeface="Calibri"/>
+                <a:cs typeface="Calibri"/>
+              </a:rPr>
+              <a:t> Existieren Tools zum Auffinden solcher Fehler?</a:t>
+            </a:r>
+            <a:endParaRPr lang="en-US" dirty="0"/>
+          </a:p>
+        </p:txBody>
+      </p:sp>
+      <p:sp>
+        <p:nvSpPr>
+          <p:cNvPr id="4" name="Date Placeholder 3">
+            <a:extLst>
+              <a:ext uri="{FF2B5EF4-FFF2-40B4-BE49-F238E27FC236}">
+                <a16:creationId xmlns:a16="http://schemas.microsoft.com/office/drawing/2014/main" id="{7921D99C-9043-4604-ABF2-9183F302C4E3}"/>
+              </a:ext>
+            </a:extLst>
+          </p:cNvPr>
           <p:cNvSpPr>
             <a:spLocks noGrp="1"/>
           </p:cNvSpPr>
@@ -4860,7 +6246,13 @@
       </p:sp>
       <p:sp>
         <p:nvSpPr>
-          <p:cNvPr id="8" name="Fußzeilenplatzhalter 7"/>
+          <p:cNvPr id="5" name="Footer Placeholder 4">
+            <a:extLst>
+              <a:ext uri="{FF2B5EF4-FFF2-40B4-BE49-F238E27FC236}">
+                <a16:creationId xmlns:a16="http://schemas.microsoft.com/office/drawing/2014/main" id="{9BB8D749-ABE5-4714-8930-C5CFCD0F1CA0}"/>
+              </a:ext>
+            </a:extLst>
+          </p:cNvPr>
           <p:cNvSpPr>
             <a:spLocks noGrp="1"/>
           </p:cNvSpPr>
@@ -4879,7 +6271,13 @@
       </p:sp>
       <p:sp>
         <p:nvSpPr>
-          <p:cNvPr id="9" name="Foliennummernplatzhalter 8"/>
+          <p:cNvPr id="6" name="Slide Number Placeholder 5">
+            <a:extLst>
+              <a:ext uri="{FF2B5EF4-FFF2-40B4-BE49-F238E27FC236}">
+                <a16:creationId xmlns:a16="http://schemas.microsoft.com/office/drawing/2014/main" id="{ECAA2CF9-5A08-4A67-9ABB-BFC4DF204868}"/>
+              </a:ext>
+            </a:extLst>
+          </p:cNvPr>
           <p:cNvSpPr>
             <a:spLocks noGrp="1"/>
           </p:cNvSpPr>
@@ -4903,7 +6301,7 @@
     </p:spTree>
     <p:extLst>
       <p:ext uri="{BB962C8B-B14F-4D97-AF65-F5344CB8AC3E}">
-        <p14:creationId xmlns:p14="http://schemas.microsoft.com/office/powerpoint/2010/main" val="2041278893"/>
+        <p14:creationId xmlns:p14="http://schemas.microsoft.com/office/powerpoint/2010/main" val="867214729"/>
       </p:ext>
     </p:extLst>
   </p:cSld>
@@ -4946,9 +6344,34 @@
           <a:lstStyle/>
           <a:p>
             <a:r>
-              <a:rPr lang="de-DE" dirty="0"/>
-              <a:t>Zusammenfassung</a:t>
-            </a:r>
+              <a:rPr lang="de-DE" dirty="0">
+                <a:latin typeface="Calibri"/>
+                <a:cs typeface="Calibri"/>
+              </a:rPr>
+              <a:t>Was ist </a:t>
+            </a:r>
+            <a:r>
+              <a:rPr lang="de-DE" err="1">
+                <a:latin typeface="Calibri"/>
+                <a:cs typeface="Calibri"/>
+              </a:rPr>
+              <a:t>Undefined</a:t>
+            </a:r>
+            <a:r>
+              <a:rPr lang="de-DE" dirty="0">
+                <a:latin typeface="Calibri"/>
+                <a:cs typeface="Calibri"/>
+              </a:rPr>
+              <a:t> </a:t>
+            </a:r>
+            <a:r>
+              <a:rPr lang="de-DE">
+                <a:latin typeface="Calibri"/>
+                <a:cs typeface="Calibri"/>
+              </a:rPr>
+              <a:t>Behavior?</a:t>
+            </a:r>
+            <a:endParaRPr lang="de-DE" dirty="0" err="1"/>
           </a:p>
         </p:txBody>
       </p:sp>
@@ -4964,16 +6387,101 @@
         </p:nvSpPr>
         <p:spPr/>
         <p:txBody>
-          <a:bodyPr/>
-          <a:lstStyle/>
-          <a:p>
-            <a:endParaRPr lang="de-DE"/>
-          </a:p>
-        </p:txBody>
-      </p:sp>
-      <p:sp>
-        <p:nvSpPr>
-          <p:cNvPr id="2" name="Datumsplatzhalter 1"/>
+          <a:bodyPr vert="horz" lIns="91440" tIns="45720" rIns="91440" bIns="45720" rtlCol="0" anchor="t">
+            <a:normAutofit/>
+          </a:bodyPr>
+          <a:lstStyle/>
+          <a:p>
+            <a:pPr>
+              <a:lnSpc>
+                <a:spcPct val="150000"/>
+              </a:lnSpc>
+            </a:pPr>
+            <a:r>
+              <a:rPr lang="de-DE">
+                <a:latin typeface="Calibri"/>
+                <a:cs typeface="Calibri"/>
+              </a:rPr>
+              <a:t>Umgebungsspezifisches oder zufälliges Verhalten von Code</a:t>
+            </a:r>
+            <a:endParaRPr lang="en-US"/>
+          </a:p>
+          <a:p>
+            <a:pPr>
+              <a:lnSpc>
+                <a:spcPct val="150000"/>
+              </a:lnSpc>
+            </a:pPr>
+            <a:r>
+              <a:rPr lang="de-DE">
+                <a:latin typeface="Calibri"/>
+                <a:cs typeface="Calibri"/>
+              </a:rPr>
+              <a:t>Ursachen:</a:t>
+            </a:r>
+          </a:p>
+          <a:p>
+            <a:pPr lvl="1">
+              <a:lnSpc>
+                <a:spcPct val="150000"/>
+              </a:lnSpc>
+            </a:pPr>
+            <a:r>
+              <a:rPr lang="de-DE">
+                <a:latin typeface="Calibri"/>
+                <a:cs typeface="Calibri"/>
+              </a:rPr>
+              <a:t>Nicht initialisierte Variablen</a:t>
+            </a:r>
+          </a:p>
+          <a:p>
+            <a:pPr lvl="1">
+              <a:lnSpc>
+                <a:spcPct val="150000"/>
+              </a:lnSpc>
+            </a:pPr>
+            <a:r>
+              <a:rPr lang="de-DE">
+                <a:latin typeface="Calibri"/>
+                <a:cs typeface="Calibri"/>
+              </a:rPr>
+              <a:t>Nullpointer Dereferenzierung</a:t>
+            </a:r>
+          </a:p>
+          <a:p>
+            <a:pPr lvl="1">
+              <a:lnSpc>
+                <a:spcPct val="150000"/>
+              </a:lnSpc>
+            </a:pPr>
+            <a:r>
+              <a:rPr lang="de-DE">
+                <a:latin typeface="Calibri"/>
+                <a:cs typeface="Calibri"/>
+              </a:rPr>
+              <a:t>Signed overflow</a:t>
+            </a:r>
+          </a:p>
+          <a:p>
+            <a:pPr lvl="1">
+              <a:lnSpc>
+                <a:spcPct val="150000"/>
+              </a:lnSpc>
+            </a:pPr>
+            <a:r>
+              <a:rPr lang="de-DE">
+                <a:latin typeface="Calibri"/>
+                <a:cs typeface="Calibri"/>
+              </a:rPr>
+              <a:t>Data races</a:t>
+            </a:r>
+            <a:endParaRPr lang="de-DE" dirty="0"/>
+          </a:p>
+        </p:txBody>
+      </p:sp>
+      <p:sp>
+        <p:nvSpPr>
+          <p:cNvPr id="7" name="Datumsplatzhalter 6"/>
           <p:cNvSpPr>
             <a:spLocks noGrp="1"/>
           </p:cNvSpPr>
@@ -4995,7 +6503,7 @@
       </p:sp>
       <p:sp>
         <p:nvSpPr>
-          <p:cNvPr id="3" name="Fußzeilenplatzhalter 2"/>
+          <p:cNvPr id="8" name="Fußzeilenplatzhalter 7"/>
           <p:cNvSpPr>
             <a:spLocks noGrp="1"/>
           </p:cNvSpPr>
@@ -5014,7 +6522,7 @@
       </p:sp>
       <p:sp>
         <p:nvSpPr>
-          <p:cNvPr id="6" name="Foliennummernplatzhalter 5"/>
+          <p:cNvPr id="9" name="Foliennummernplatzhalter 8"/>
           <p:cNvSpPr>
             <a:spLocks noGrp="1"/>
           </p:cNvSpPr>
@@ -5038,7 +6546,7 @@
     </p:spTree>
     <p:extLst>
       <p:ext uri="{BB962C8B-B14F-4D97-AF65-F5344CB8AC3E}">
-        <p14:creationId xmlns:p14="http://schemas.microsoft.com/office/powerpoint/2010/main" val="2637983416"/>
+        <p14:creationId xmlns:p14="http://schemas.microsoft.com/office/powerpoint/2010/main" val="2041278893"/>
       </p:ext>
     </p:extLst>
   </p:cSld>
@@ -5067,29 +6575,13 @@
       </p:grpSpPr>
       <p:sp>
         <p:nvSpPr>
-          <p:cNvPr id="4" name="Titel 3"/>
-          <p:cNvSpPr>
-            <a:spLocks noGrp="1"/>
-          </p:cNvSpPr>
-          <p:nvPr>
-            <p:ph type="title"/>
-          </p:nvPr>
-        </p:nvSpPr>
-        <p:spPr/>
-        <p:txBody>
-          <a:bodyPr/>
-          <a:lstStyle/>
-          <a:p>
-            <a:r>
-              <a:rPr lang="de-DE" dirty="0"/>
-              <a:t>Fragen</a:t>
-            </a:r>
-          </a:p>
-        </p:txBody>
-      </p:sp>
-      <p:sp>
-        <p:nvSpPr>
-          <p:cNvPr id="2" name="Datumsplatzhalter 1"/>
+          <p:cNvPr id="2" name="Date Placeholder 1">
+            <a:extLst>
+              <a:ext uri="{FF2B5EF4-FFF2-40B4-BE49-F238E27FC236}">
+                <a16:creationId xmlns:a16="http://schemas.microsoft.com/office/drawing/2014/main" id="{966AA560-4AD7-4418-8101-D2253AA0226D}"/>
+              </a:ext>
+            </a:extLst>
+          </p:cNvPr>
           <p:cNvSpPr>
             <a:spLocks noGrp="1"/>
           </p:cNvSpPr>
@@ -5111,7 +6603,13 @@
       </p:sp>
       <p:sp>
         <p:nvSpPr>
-          <p:cNvPr id="3" name="Fußzeilenplatzhalter 2"/>
+          <p:cNvPr id="3" name="Footer Placeholder 2">
+            <a:extLst>
+              <a:ext uri="{FF2B5EF4-FFF2-40B4-BE49-F238E27FC236}">
+                <a16:creationId xmlns:a16="http://schemas.microsoft.com/office/drawing/2014/main" id="{3EBD2CAC-7110-4C81-AA2D-C545633AE15E}"/>
+              </a:ext>
+            </a:extLst>
+          </p:cNvPr>
           <p:cNvSpPr>
             <a:spLocks noGrp="1"/>
           </p:cNvSpPr>
@@ -5130,7 +6628,13 @@
       </p:sp>
       <p:sp>
         <p:nvSpPr>
-          <p:cNvPr id="6" name="Foliennummernplatzhalter 5"/>
+          <p:cNvPr id="4" name="Slide Number Placeholder 3">
+            <a:extLst>
+              <a:ext uri="{FF2B5EF4-FFF2-40B4-BE49-F238E27FC236}">
+                <a16:creationId xmlns:a16="http://schemas.microsoft.com/office/drawing/2014/main" id="{7FCAE5C7-FC26-49A8-A712-4E76666ACFDE}"/>
+              </a:ext>
+            </a:extLst>
+          </p:cNvPr>
           <p:cNvSpPr>
             <a:spLocks noGrp="1"/>
           </p:cNvSpPr>
@@ -5151,10 +6655,1151 @@
           </a:p>
         </p:txBody>
       </p:sp>
+      <p:pic>
+        <p:nvPicPr>
+          <p:cNvPr id="6" name="Picture 6">
+            <a:extLst>
+              <a:ext uri="{FF2B5EF4-FFF2-40B4-BE49-F238E27FC236}">
+                <a16:creationId xmlns:a16="http://schemas.microsoft.com/office/drawing/2014/main" id="{D3A6904F-B971-47F8-9A35-ADE34D4AC626}"/>
+              </a:ext>
+            </a:extLst>
+          </p:cNvPr>
+          <p:cNvPicPr>
+            <a:picLocks noChangeAspect="1"/>
+          </p:cNvPicPr>
+          <p:nvPr/>
+        </p:nvPicPr>
+        <p:blipFill>
+          <a:blip r:embed="rId3"/>
+          <a:stretch>
+            <a:fillRect/>
+          </a:stretch>
+        </p:blipFill>
+        <p:spPr>
+          <a:xfrm>
+            <a:off x="2017296" y="1906882"/>
+            <a:ext cx="7776409" cy="1700709"/>
+          </a:xfrm>
+          <a:prstGeom prst="rect">
+            <a:avLst/>
+          </a:prstGeom>
+        </p:spPr>
+      </p:pic>
+      <p:pic>
+        <p:nvPicPr>
+          <p:cNvPr id="7" name="Picture 7">
+            <a:extLst>
+              <a:ext uri="{FF2B5EF4-FFF2-40B4-BE49-F238E27FC236}">
+                <a16:creationId xmlns:a16="http://schemas.microsoft.com/office/drawing/2014/main" id="{D0A17AE3-1D7F-4FA7-A2D9-1C652440C7E7}"/>
+              </a:ext>
+            </a:extLst>
+          </p:cNvPr>
+          <p:cNvPicPr>
+            <a:picLocks noChangeAspect="1"/>
+          </p:cNvPicPr>
+          <p:nvPr/>
+        </p:nvPicPr>
+        <p:blipFill>
+          <a:blip r:embed="rId4"/>
+          <a:stretch>
+            <a:fillRect/>
+          </a:stretch>
+        </p:blipFill>
+        <p:spPr>
+          <a:xfrm>
+            <a:off x="2017295" y="4390532"/>
+            <a:ext cx="5400174" cy="1144991"/>
+          </a:xfrm>
+          <a:prstGeom prst="rect">
+            <a:avLst/>
+          </a:prstGeom>
+        </p:spPr>
+      </p:pic>
     </p:spTree>
     <p:extLst>
       <p:ext uri="{BB962C8B-B14F-4D97-AF65-F5344CB8AC3E}">
-        <p14:creationId xmlns:p14="http://schemas.microsoft.com/office/powerpoint/2010/main" val="3029113584"/>
+        <p14:creationId xmlns:p14="http://schemas.microsoft.com/office/powerpoint/2010/main" val="853284662"/>
+      </p:ext>
+    </p:extLst>
+  </p:cSld>
+  <p:clrMapOvr>
+    <a:masterClrMapping/>
+  </p:clrMapOvr>
+</p:sld>
+</file>
+
+<file path=ppt/slides/slide6.xml><?xml version="1.0" encoding="utf-8"?>
+<p:sld xmlns:a="http://schemas.openxmlformats.org/drawingml/2006/main" xmlns:r="http://schemas.openxmlformats.org/officeDocument/2006/relationships" xmlns:p="http://schemas.openxmlformats.org/presentationml/2006/main">
+  <p:cSld>
+    <p:spTree>
+      <p:nvGrpSpPr>
+        <p:cNvPr id="1" name=""/>
+        <p:cNvGrpSpPr/>
+        <p:nvPr/>
+      </p:nvGrpSpPr>
+      <p:grpSpPr>
+        <a:xfrm>
+          <a:off x="0" y="0"/>
+          <a:ext cx="0" cy="0"/>
+          <a:chOff x="0" y="0"/>
+          <a:chExt cx="0" cy="0"/>
+        </a:xfrm>
+      </p:grpSpPr>
+      <p:sp>
+        <p:nvSpPr>
+          <p:cNvPr id="2" name="Title 1">
+            <a:extLst>
+              <a:ext uri="{FF2B5EF4-FFF2-40B4-BE49-F238E27FC236}">
+                <a16:creationId xmlns:a16="http://schemas.microsoft.com/office/drawing/2014/main" id="{96B83D72-A696-43B2-887A-0FC85C3111E7}"/>
+              </a:ext>
+            </a:extLst>
+          </p:cNvPr>
+          <p:cNvSpPr>
+            <a:spLocks noGrp="1"/>
+          </p:cNvSpPr>
+          <p:nvPr>
+            <p:ph type="title"/>
+          </p:nvPr>
+        </p:nvSpPr>
+        <p:spPr/>
+        <p:txBody>
+          <a:bodyPr/>
+          <a:lstStyle/>
+          <a:p>
+            <a:r>
+              <a:rPr lang="en-US">
+                <a:latin typeface="Calibri"/>
+                <a:cs typeface="Calibri"/>
+              </a:rPr>
+              <a:t>Warum wird Undefined Behavior benutzt?</a:t>
+            </a:r>
+            <a:endParaRPr lang="en-US"/>
+          </a:p>
+        </p:txBody>
+      </p:sp>
+      <p:sp>
+        <p:nvSpPr>
+          <p:cNvPr id="3" name="Content Placeholder 2">
+            <a:extLst>
+              <a:ext uri="{FF2B5EF4-FFF2-40B4-BE49-F238E27FC236}">
+                <a16:creationId xmlns:a16="http://schemas.microsoft.com/office/drawing/2014/main" id="{A024874E-079F-46A8-B4D8-D5716C8C4C2F}"/>
+              </a:ext>
+            </a:extLst>
+          </p:cNvPr>
+          <p:cNvSpPr>
+            <a:spLocks noGrp="1"/>
+          </p:cNvSpPr>
+          <p:nvPr>
+            <p:ph idx="1"/>
+          </p:nvPr>
+        </p:nvSpPr>
+        <p:spPr/>
+        <p:txBody>
+          <a:bodyPr vert="horz" lIns="91440" tIns="45720" rIns="91440" bIns="45720" rtlCol="0" anchor="t">
+            <a:normAutofit/>
+          </a:bodyPr>
+          <a:lstStyle/>
+          <a:p>
+            <a:pPr>
+              <a:lnSpc>
+                <a:spcPct val="150000"/>
+              </a:lnSpc>
+            </a:pPr>
+            <a:r>
+              <a:rPr lang="en-US">
+                <a:latin typeface="Calibri"/>
+                <a:cs typeface="Calibri"/>
+              </a:rPr>
+              <a:t>Optimierung der Compiler-Performance</a:t>
+            </a:r>
+            <a:endParaRPr lang="en-US"/>
+          </a:p>
+          <a:p>
+            <a:pPr>
+              <a:lnSpc>
+                <a:spcPct val="150000"/>
+              </a:lnSpc>
+            </a:pPr>
+            <a:r>
+              <a:rPr lang="en-US">
+                <a:latin typeface="Calibri"/>
+                <a:cs typeface="Calibri"/>
+              </a:rPr>
+              <a:t>Compiler geht nur von definiertem Code aus</a:t>
+            </a:r>
+          </a:p>
+          <a:p>
+            <a:pPr>
+              <a:lnSpc>
+                <a:spcPct val="150000"/>
+              </a:lnSpc>
+            </a:pPr>
+            <a:r>
+              <a:rPr lang="en-US">
+                <a:latin typeface="Calibri"/>
+                <a:cs typeface="Calibri"/>
+              </a:rPr>
+              <a:t>Vorhersehbarkeit und Sicherheit wird eingschränkt</a:t>
+            </a:r>
+            <a:endParaRPr lang="en-US"/>
+          </a:p>
+          <a:p>
+            <a:pPr>
+              <a:lnSpc>
+                <a:spcPct val="150000"/>
+              </a:lnSpc>
+            </a:pPr>
+            <a:r>
+              <a:rPr lang="en-US">
+                <a:latin typeface="Calibri"/>
+                <a:cs typeface="Calibri"/>
+              </a:rPr>
+              <a:t>Entwickler sollen UB verhindern oder minimieren</a:t>
+            </a:r>
+            <a:endParaRPr lang="en-US"/>
+          </a:p>
+        </p:txBody>
+      </p:sp>
+      <p:sp>
+        <p:nvSpPr>
+          <p:cNvPr id="4" name="Date Placeholder 3">
+            <a:extLst>
+              <a:ext uri="{FF2B5EF4-FFF2-40B4-BE49-F238E27FC236}">
+                <a16:creationId xmlns:a16="http://schemas.microsoft.com/office/drawing/2014/main" id="{CD0AE388-498F-41DB-893F-9B664B95C4EA}"/>
+              </a:ext>
+            </a:extLst>
+          </p:cNvPr>
+          <p:cNvSpPr>
+            <a:spLocks noGrp="1"/>
+          </p:cNvSpPr>
+          <p:nvPr>
+            <p:ph type="dt" sz="half" idx="10"/>
+          </p:nvPr>
+        </p:nvSpPr>
+        <p:spPr/>
+        <p:txBody>
+          <a:bodyPr/>
+          <a:lstStyle/>
+          <a:p>
+            <a:r>
+              <a:rPr lang="de-DE"/>
+              <a:t>09.12.2019</a:t>
+            </a:r>
+          </a:p>
+        </p:txBody>
+      </p:sp>
+      <p:sp>
+        <p:nvSpPr>
+          <p:cNvPr id="5" name="Footer Placeholder 4">
+            <a:extLst>
+              <a:ext uri="{FF2B5EF4-FFF2-40B4-BE49-F238E27FC236}">
+                <a16:creationId xmlns:a16="http://schemas.microsoft.com/office/drawing/2014/main" id="{E235EBF4-6F48-40BC-A790-9F5463FE4D86}"/>
+              </a:ext>
+            </a:extLst>
+          </p:cNvPr>
+          <p:cNvSpPr>
+            <a:spLocks noGrp="1"/>
+          </p:cNvSpPr>
+          <p:nvPr>
+            <p:ph type="ftr" sz="quarter" idx="11"/>
+          </p:nvPr>
+        </p:nvSpPr>
+        <p:spPr/>
+        <p:txBody>
+          <a:bodyPr/>
+          <a:lstStyle/>
+          <a:p>
+            <a:endParaRPr lang="de-DE"/>
+          </a:p>
+        </p:txBody>
+      </p:sp>
+      <p:sp>
+        <p:nvSpPr>
+          <p:cNvPr id="6" name="Slide Number Placeholder 5">
+            <a:extLst>
+              <a:ext uri="{FF2B5EF4-FFF2-40B4-BE49-F238E27FC236}">
+                <a16:creationId xmlns:a16="http://schemas.microsoft.com/office/drawing/2014/main" id="{EC15A0E9-BFF4-40D5-A3BD-9BAD9457C09D}"/>
+              </a:ext>
+            </a:extLst>
+          </p:cNvPr>
+          <p:cNvSpPr>
+            <a:spLocks noGrp="1"/>
+          </p:cNvSpPr>
+          <p:nvPr>
+            <p:ph type="sldNum" sz="quarter" idx="12"/>
+          </p:nvPr>
+        </p:nvSpPr>
+        <p:spPr/>
+        <p:txBody>
+          <a:bodyPr/>
+          <a:lstStyle/>
+          <a:p>
+            <a:fld id="{3A1F27E2-D58A-4028-9FF2-B12D897F257E}" type="slidenum">
+              <a:rPr lang="de-DE" smtClean="0"/>
+              <a:t>6</a:t>
+            </a:fld>
+            <a:endParaRPr lang="de-DE"/>
+          </a:p>
+        </p:txBody>
+      </p:sp>
+    </p:spTree>
+    <p:extLst>
+      <p:ext uri="{BB962C8B-B14F-4D97-AF65-F5344CB8AC3E}">
+        <p14:creationId xmlns:p14="http://schemas.microsoft.com/office/powerpoint/2010/main" val="1394486031"/>
+      </p:ext>
+    </p:extLst>
+  </p:cSld>
+  <p:clrMapOvr>
+    <a:masterClrMapping/>
+  </p:clrMapOvr>
+</p:sld>
+</file>
+
+<file path=ppt/slides/slide7.xml><?xml version="1.0" encoding="utf-8"?>
+<p:sld xmlns:a="http://schemas.openxmlformats.org/drawingml/2006/main" xmlns:r="http://schemas.openxmlformats.org/officeDocument/2006/relationships" xmlns:p="http://schemas.openxmlformats.org/presentationml/2006/main">
+  <p:cSld>
+    <p:spTree>
+      <p:nvGrpSpPr>
+        <p:cNvPr id="1" name=""/>
+        <p:cNvGrpSpPr/>
+        <p:nvPr/>
+      </p:nvGrpSpPr>
+      <p:grpSpPr>
+        <a:xfrm>
+          <a:off x="0" y="0"/>
+          <a:ext cx="0" cy="0"/>
+          <a:chOff x="0" y="0"/>
+          <a:chExt cx="0" cy="0"/>
+        </a:xfrm>
+      </p:grpSpPr>
+      <p:sp>
+        <p:nvSpPr>
+          <p:cNvPr id="2" name="Title 1">
+            <a:extLst>
+              <a:ext uri="{FF2B5EF4-FFF2-40B4-BE49-F238E27FC236}">
+                <a16:creationId xmlns:a16="http://schemas.microsoft.com/office/drawing/2014/main" id="{183BA981-0918-461C-9D2F-6F11BDBD05EB}"/>
+              </a:ext>
+            </a:extLst>
+          </p:cNvPr>
+          <p:cNvSpPr>
+            <a:spLocks noGrp="1"/>
+          </p:cNvSpPr>
+          <p:nvPr>
+            <p:ph type="title"/>
+          </p:nvPr>
+        </p:nvSpPr>
+        <p:spPr/>
+        <p:txBody>
+          <a:bodyPr/>
+          <a:lstStyle/>
+          <a:p>
+            <a:r>
+              <a:rPr lang="en-US">
+                <a:latin typeface="Calibri"/>
+                <a:cs typeface="Calibri"/>
+              </a:rPr>
+              <a:t>Toolanforderungen</a:t>
+            </a:r>
+            <a:endParaRPr lang="en-US"/>
+          </a:p>
+        </p:txBody>
+      </p:sp>
+      <p:sp>
+        <p:nvSpPr>
+          <p:cNvPr id="3" name="Content Placeholder 2">
+            <a:extLst>
+              <a:ext uri="{FF2B5EF4-FFF2-40B4-BE49-F238E27FC236}">
+                <a16:creationId xmlns:a16="http://schemas.microsoft.com/office/drawing/2014/main" id="{603CBC50-7378-4A8A-A1DF-906EE8C28919}"/>
+              </a:ext>
+            </a:extLst>
+          </p:cNvPr>
+          <p:cNvSpPr>
+            <a:spLocks noGrp="1"/>
+          </p:cNvSpPr>
+          <p:nvPr>
+            <p:ph idx="1"/>
+          </p:nvPr>
+        </p:nvSpPr>
+        <p:spPr/>
+        <p:txBody>
+          <a:bodyPr vert="horz" lIns="91440" tIns="45720" rIns="91440" bIns="45720" rtlCol="0" anchor="t">
+            <a:normAutofit/>
+          </a:bodyPr>
+          <a:lstStyle/>
+          <a:p>
+            <a:pPr>
+              <a:lnSpc>
+                <a:spcPct val="150000"/>
+              </a:lnSpc>
+            </a:pPr>
+            <a:r>
+              <a:rPr lang="en-US">
+                <a:latin typeface="Calibri"/>
+                <a:cs typeface="Calibri"/>
+              </a:rPr>
+              <a:t>Tool erkennt:</a:t>
+            </a:r>
+            <a:endParaRPr lang="en-US"/>
+          </a:p>
+          <a:p>
+            <a:pPr lvl="1">
+              <a:lnSpc>
+                <a:spcPct val="150000"/>
+              </a:lnSpc>
+            </a:pPr>
+            <a:r>
+              <a:rPr lang="en-US">
+                <a:latin typeface="Calibri"/>
+                <a:cs typeface="Calibri"/>
+              </a:rPr>
+              <a:t>Nicht initialisierte Variablen</a:t>
+            </a:r>
+          </a:p>
+          <a:p>
+            <a:pPr lvl="1">
+              <a:lnSpc>
+                <a:spcPct val="150000"/>
+              </a:lnSpc>
+            </a:pPr>
+            <a:r>
+              <a:rPr lang="en-US">
+                <a:latin typeface="Calibri"/>
+                <a:cs typeface="Calibri"/>
+              </a:rPr>
+              <a:t>Nullpointer Dereferenzierung</a:t>
+            </a:r>
+          </a:p>
+          <a:p>
+            <a:pPr>
+              <a:lnSpc>
+                <a:spcPct val="150000"/>
+              </a:lnSpc>
+            </a:pPr>
+            <a:r>
+              <a:rPr lang="en-US">
+                <a:latin typeface="Calibri"/>
+                <a:cs typeface="Calibri"/>
+              </a:rPr>
+              <a:t>Keine/wenige false positives</a:t>
+            </a:r>
+            <a:endParaRPr lang="en-US" dirty="0">
+              <a:latin typeface="Calibri"/>
+              <a:cs typeface="Calibri"/>
+            </a:endParaRPr>
+          </a:p>
+          <a:p>
+            <a:pPr>
+              <a:lnSpc>
+                <a:spcPct val="150000"/>
+              </a:lnSpc>
+            </a:pPr>
+            <a:r>
+              <a:rPr lang="en-US">
+                <a:latin typeface="Calibri"/>
+                <a:cs typeface="Calibri"/>
+              </a:rPr>
+              <a:t>Tool ist automatisierbar</a:t>
+            </a:r>
+          </a:p>
+        </p:txBody>
+      </p:sp>
+      <p:sp>
+        <p:nvSpPr>
+          <p:cNvPr id="4" name="Date Placeholder 3">
+            <a:extLst>
+              <a:ext uri="{FF2B5EF4-FFF2-40B4-BE49-F238E27FC236}">
+                <a16:creationId xmlns:a16="http://schemas.microsoft.com/office/drawing/2014/main" id="{9F614BF8-519A-4766-832F-522D10E156EB}"/>
+              </a:ext>
+            </a:extLst>
+          </p:cNvPr>
+          <p:cNvSpPr>
+            <a:spLocks noGrp="1"/>
+          </p:cNvSpPr>
+          <p:nvPr>
+            <p:ph type="dt" sz="half" idx="10"/>
+          </p:nvPr>
+        </p:nvSpPr>
+        <p:spPr/>
+        <p:txBody>
+          <a:bodyPr/>
+          <a:lstStyle/>
+          <a:p>
+            <a:r>
+              <a:rPr lang="de-DE"/>
+              <a:t>09.12.2019</a:t>
+            </a:r>
+          </a:p>
+        </p:txBody>
+      </p:sp>
+      <p:sp>
+        <p:nvSpPr>
+          <p:cNvPr id="5" name="Footer Placeholder 4">
+            <a:extLst>
+              <a:ext uri="{FF2B5EF4-FFF2-40B4-BE49-F238E27FC236}">
+                <a16:creationId xmlns:a16="http://schemas.microsoft.com/office/drawing/2014/main" id="{DC9ADF6C-FC80-4680-A664-E22C1DE45269}"/>
+              </a:ext>
+            </a:extLst>
+          </p:cNvPr>
+          <p:cNvSpPr>
+            <a:spLocks noGrp="1"/>
+          </p:cNvSpPr>
+          <p:nvPr>
+            <p:ph type="ftr" sz="quarter" idx="11"/>
+          </p:nvPr>
+        </p:nvSpPr>
+        <p:spPr/>
+        <p:txBody>
+          <a:bodyPr/>
+          <a:lstStyle/>
+          <a:p>
+            <a:endParaRPr lang="de-DE"/>
+          </a:p>
+        </p:txBody>
+      </p:sp>
+      <p:sp>
+        <p:nvSpPr>
+          <p:cNvPr id="6" name="Slide Number Placeholder 5">
+            <a:extLst>
+              <a:ext uri="{FF2B5EF4-FFF2-40B4-BE49-F238E27FC236}">
+                <a16:creationId xmlns:a16="http://schemas.microsoft.com/office/drawing/2014/main" id="{CC84DFC1-6487-4D37-8D76-42A3175CCDA1}"/>
+              </a:ext>
+            </a:extLst>
+          </p:cNvPr>
+          <p:cNvSpPr>
+            <a:spLocks noGrp="1"/>
+          </p:cNvSpPr>
+          <p:nvPr>
+            <p:ph type="sldNum" sz="quarter" idx="12"/>
+          </p:nvPr>
+        </p:nvSpPr>
+        <p:spPr/>
+        <p:txBody>
+          <a:bodyPr/>
+          <a:lstStyle/>
+          <a:p>
+            <a:fld id="{3A1F27E2-D58A-4028-9FF2-B12D897F257E}" type="slidenum">
+              <a:rPr lang="de-DE" smtClean="0"/>
+              <a:t>7</a:t>
+            </a:fld>
+            <a:endParaRPr lang="de-DE"/>
+          </a:p>
+        </p:txBody>
+      </p:sp>
+    </p:spTree>
+    <p:extLst>
+      <p:ext uri="{BB962C8B-B14F-4D97-AF65-F5344CB8AC3E}">
+        <p14:creationId xmlns:p14="http://schemas.microsoft.com/office/powerpoint/2010/main" val="1722693754"/>
+      </p:ext>
+    </p:extLst>
+  </p:cSld>
+  <p:clrMapOvr>
+    <a:masterClrMapping/>
+  </p:clrMapOvr>
+</p:sld>
+</file>
+
+<file path=ppt/slides/slide8.xml><?xml version="1.0" encoding="utf-8"?>
+<p:sld xmlns:a="http://schemas.openxmlformats.org/drawingml/2006/main" xmlns:r="http://schemas.openxmlformats.org/officeDocument/2006/relationships" xmlns:p="http://schemas.openxmlformats.org/presentationml/2006/main">
+  <p:cSld>
+    <p:spTree>
+      <p:nvGrpSpPr>
+        <p:cNvPr id="1" name=""/>
+        <p:cNvGrpSpPr/>
+        <p:nvPr/>
+      </p:nvGrpSpPr>
+      <p:grpSpPr>
+        <a:xfrm>
+          <a:off x="0" y="0"/>
+          <a:ext cx="0" cy="0"/>
+          <a:chOff x="0" y="0"/>
+          <a:chExt cx="0" cy="0"/>
+        </a:xfrm>
+      </p:grpSpPr>
+      <p:sp>
+        <p:nvSpPr>
+          <p:cNvPr id="2" name="Title 1">
+            <a:extLst>
+              <a:ext uri="{FF2B5EF4-FFF2-40B4-BE49-F238E27FC236}">
+                <a16:creationId xmlns:a16="http://schemas.microsoft.com/office/drawing/2014/main" id="{B2140116-D5C3-46F7-9DF6-44B22DA5EE5D}"/>
+              </a:ext>
+            </a:extLst>
+          </p:cNvPr>
+          <p:cNvSpPr>
+            <a:spLocks noGrp="1"/>
+          </p:cNvSpPr>
+          <p:nvPr>
+            <p:ph type="title"/>
+          </p:nvPr>
+        </p:nvSpPr>
+        <p:spPr/>
+        <p:txBody>
+          <a:bodyPr/>
+          <a:lstStyle/>
+          <a:p>
+            <a:endParaRPr lang="en-US"/>
+          </a:p>
+        </p:txBody>
+      </p:sp>
+      <p:sp>
+        <p:nvSpPr>
+          <p:cNvPr id="3" name="Content Placeholder 2">
+            <a:extLst>
+              <a:ext uri="{FF2B5EF4-FFF2-40B4-BE49-F238E27FC236}">
+                <a16:creationId xmlns:a16="http://schemas.microsoft.com/office/drawing/2014/main" id="{41BDDEBF-0E7B-4AE0-82E0-9E28F03A8CFA}"/>
+              </a:ext>
+            </a:extLst>
+          </p:cNvPr>
+          <p:cNvSpPr>
+            <a:spLocks noGrp="1"/>
+          </p:cNvSpPr>
+          <p:nvPr>
+            <p:ph idx="1"/>
+          </p:nvPr>
+        </p:nvSpPr>
+        <p:spPr/>
+        <p:txBody>
+          <a:bodyPr vert="horz" lIns="91440" tIns="45720" rIns="91440" bIns="45720" rtlCol="0" anchor="t">
+            <a:normAutofit/>
+          </a:bodyPr>
+          <a:lstStyle/>
+          <a:p>
+            <a:pPr>
+              <a:lnSpc>
+                <a:spcPct val="150000"/>
+              </a:lnSpc>
+            </a:pPr>
+            <a:r>
+              <a:rPr lang="en-US">
+                <a:latin typeface="Calibri"/>
+                <a:cs typeface="Calibri"/>
+              </a:rPr>
+              <a:t>Fehlererklärung</a:t>
+            </a:r>
+            <a:endParaRPr lang="en-US" dirty="0">
+              <a:latin typeface="Calibri"/>
+              <a:cs typeface="Calibri"/>
+            </a:endParaRPr>
+          </a:p>
+          <a:p>
+            <a:pPr>
+              <a:lnSpc>
+                <a:spcPct val="150000"/>
+              </a:lnSpc>
+            </a:pPr>
+            <a:r>
+              <a:rPr lang="en-US">
+                <a:latin typeface="Calibri"/>
+                <a:cs typeface="Calibri"/>
+              </a:rPr>
+              <a:t>Risikoanalyse</a:t>
+            </a:r>
+            <a:endParaRPr lang="en-US"/>
+          </a:p>
+          <a:p>
+            <a:pPr>
+              <a:lnSpc>
+                <a:spcPct val="150000"/>
+              </a:lnSpc>
+            </a:pPr>
+            <a:r>
+              <a:rPr lang="en-US">
+                <a:latin typeface="Calibri"/>
+                <a:cs typeface="Calibri"/>
+              </a:rPr>
+              <a:t>Preis</a:t>
+            </a:r>
+            <a:endParaRPr lang="en-US" dirty="0"/>
+          </a:p>
+          <a:p>
+            <a:pPr>
+              <a:lnSpc>
+                <a:spcPct val="150000"/>
+              </a:lnSpc>
+            </a:pPr>
+            <a:r>
+              <a:rPr lang="en-US">
+                <a:latin typeface="Calibri"/>
+                <a:cs typeface="Calibri"/>
+              </a:rPr>
+              <a:t>Dokumentation</a:t>
+            </a:r>
+            <a:endParaRPr lang="en-US" dirty="0">
+              <a:latin typeface="Calibri"/>
+              <a:cs typeface="Calibri"/>
+            </a:endParaRPr>
+          </a:p>
+        </p:txBody>
+      </p:sp>
+      <p:sp>
+        <p:nvSpPr>
+          <p:cNvPr id="4" name="Date Placeholder 3">
+            <a:extLst>
+              <a:ext uri="{FF2B5EF4-FFF2-40B4-BE49-F238E27FC236}">
+                <a16:creationId xmlns:a16="http://schemas.microsoft.com/office/drawing/2014/main" id="{CF21FCE0-2301-4113-9A35-73352A1B9A92}"/>
+              </a:ext>
+            </a:extLst>
+          </p:cNvPr>
+          <p:cNvSpPr>
+            <a:spLocks noGrp="1"/>
+          </p:cNvSpPr>
+          <p:nvPr>
+            <p:ph type="dt" sz="half" idx="10"/>
+          </p:nvPr>
+        </p:nvSpPr>
+        <p:spPr/>
+        <p:txBody>
+          <a:bodyPr/>
+          <a:lstStyle/>
+          <a:p>
+            <a:r>
+              <a:rPr lang="de-DE"/>
+              <a:t>09.12.2019</a:t>
+            </a:r>
+          </a:p>
+        </p:txBody>
+      </p:sp>
+      <p:sp>
+        <p:nvSpPr>
+          <p:cNvPr id="5" name="Footer Placeholder 4">
+            <a:extLst>
+              <a:ext uri="{FF2B5EF4-FFF2-40B4-BE49-F238E27FC236}">
+                <a16:creationId xmlns:a16="http://schemas.microsoft.com/office/drawing/2014/main" id="{E49BE6A8-1FB9-4B13-96F3-CC413AB53799}"/>
+              </a:ext>
+            </a:extLst>
+          </p:cNvPr>
+          <p:cNvSpPr>
+            <a:spLocks noGrp="1"/>
+          </p:cNvSpPr>
+          <p:nvPr>
+            <p:ph type="ftr" sz="quarter" idx="11"/>
+          </p:nvPr>
+        </p:nvSpPr>
+        <p:spPr/>
+        <p:txBody>
+          <a:bodyPr/>
+          <a:lstStyle/>
+          <a:p>
+            <a:endParaRPr lang="de-DE"/>
+          </a:p>
+        </p:txBody>
+      </p:sp>
+      <p:sp>
+        <p:nvSpPr>
+          <p:cNvPr id="6" name="Slide Number Placeholder 5">
+            <a:extLst>
+              <a:ext uri="{FF2B5EF4-FFF2-40B4-BE49-F238E27FC236}">
+                <a16:creationId xmlns:a16="http://schemas.microsoft.com/office/drawing/2014/main" id="{6EAE0C43-EAF0-40E5-8FD6-04343991E05F}"/>
+              </a:ext>
+            </a:extLst>
+          </p:cNvPr>
+          <p:cNvSpPr>
+            <a:spLocks noGrp="1"/>
+          </p:cNvSpPr>
+          <p:nvPr>
+            <p:ph type="sldNum" sz="quarter" idx="12"/>
+          </p:nvPr>
+        </p:nvSpPr>
+        <p:spPr/>
+        <p:txBody>
+          <a:bodyPr/>
+          <a:lstStyle/>
+          <a:p>
+            <a:fld id="{3A1F27E2-D58A-4028-9FF2-B12D897F257E}" type="slidenum">
+              <a:rPr lang="de-DE" smtClean="0"/>
+              <a:t>8</a:t>
+            </a:fld>
+            <a:endParaRPr lang="de-DE"/>
+          </a:p>
+        </p:txBody>
+      </p:sp>
+    </p:spTree>
+    <p:extLst>
+      <p:ext uri="{BB962C8B-B14F-4D97-AF65-F5344CB8AC3E}">
+        <p14:creationId xmlns:p14="http://schemas.microsoft.com/office/powerpoint/2010/main" val="2525143223"/>
+      </p:ext>
+    </p:extLst>
+  </p:cSld>
+  <p:clrMapOvr>
+    <a:masterClrMapping/>
+  </p:clrMapOvr>
+</p:sld>
+</file>
+
+<file path=ppt/slides/slide9.xml><?xml version="1.0" encoding="utf-8"?>
+<p:sld xmlns:a="http://schemas.openxmlformats.org/drawingml/2006/main" xmlns:r="http://schemas.openxmlformats.org/officeDocument/2006/relationships" xmlns:p="http://schemas.openxmlformats.org/presentationml/2006/main">
+  <p:cSld>
+    <p:spTree>
+      <p:nvGrpSpPr>
+        <p:cNvPr id="1" name=""/>
+        <p:cNvGrpSpPr/>
+        <p:nvPr/>
+      </p:nvGrpSpPr>
+      <p:grpSpPr>
+        <a:xfrm>
+          <a:off x="0" y="0"/>
+          <a:ext cx="0" cy="0"/>
+          <a:chOff x="0" y="0"/>
+          <a:chExt cx="0" cy="0"/>
+        </a:xfrm>
+      </p:grpSpPr>
+      <p:sp>
+        <p:nvSpPr>
+          <p:cNvPr id="2" name="Date Placeholder 1">
+            <a:extLst>
+              <a:ext uri="{FF2B5EF4-FFF2-40B4-BE49-F238E27FC236}">
+                <a16:creationId xmlns:a16="http://schemas.microsoft.com/office/drawing/2014/main" id="{5E28CECD-CA46-450F-9C74-3FDF3D287388}"/>
+              </a:ext>
+            </a:extLst>
+          </p:cNvPr>
+          <p:cNvSpPr>
+            <a:spLocks noGrp="1"/>
+          </p:cNvSpPr>
+          <p:nvPr>
+            <p:ph type="dt" sz="half" idx="10"/>
+          </p:nvPr>
+        </p:nvSpPr>
+        <p:spPr/>
+        <p:txBody>
+          <a:bodyPr/>
+          <a:lstStyle/>
+          <a:p>
+            <a:r>
+              <a:rPr lang="de-DE"/>
+              <a:t>09.12.2019</a:t>
+            </a:r>
+          </a:p>
+        </p:txBody>
+      </p:sp>
+      <p:sp>
+        <p:nvSpPr>
+          <p:cNvPr id="3" name="Footer Placeholder 2">
+            <a:extLst>
+              <a:ext uri="{FF2B5EF4-FFF2-40B4-BE49-F238E27FC236}">
+                <a16:creationId xmlns:a16="http://schemas.microsoft.com/office/drawing/2014/main" id="{7DE2D13A-01E5-4FDC-9D07-1A7F1A8C84AE}"/>
+              </a:ext>
+            </a:extLst>
+          </p:cNvPr>
+          <p:cNvSpPr>
+            <a:spLocks noGrp="1"/>
+          </p:cNvSpPr>
+          <p:nvPr>
+            <p:ph type="ftr" sz="quarter" idx="11"/>
+          </p:nvPr>
+        </p:nvSpPr>
+        <p:spPr/>
+        <p:txBody>
+          <a:bodyPr/>
+          <a:lstStyle/>
+          <a:p>
+            <a:endParaRPr lang="de-DE"/>
+          </a:p>
+        </p:txBody>
+      </p:sp>
+      <p:sp>
+        <p:nvSpPr>
+          <p:cNvPr id="4" name="Slide Number Placeholder 3">
+            <a:extLst>
+              <a:ext uri="{FF2B5EF4-FFF2-40B4-BE49-F238E27FC236}">
+                <a16:creationId xmlns:a16="http://schemas.microsoft.com/office/drawing/2014/main" id="{AD4B9647-58BD-4407-9A68-0E9FF0437E15}"/>
+              </a:ext>
+            </a:extLst>
+          </p:cNvPr>
+          <p:cNvSpPr>
+            <a:spLocks noGrp="1"/>
+          </p:cNvSpPr>
+          <p:nvPr>
+            <p:ph type="sldNum" sz="quarter" idx="12"/>
+          </p:nvPr>
+        </p:nvSpPr>
+        <p:spPr/>
+        <p:txBody>
+          <a:bodyPr/>
+          <a:lstStyle/>
+          <a:p>
+            <a:fld id="{3A1F27E2-D58A-4028-9FF2-B12D897F257E}" type="slidenum">
+              <a:rPr lang="de-DE" smtClean="0"/>
+              <a:t>9</a:t>
+            </a:fld>
+            <a:endParaRPr lang="de-DE"/>
+          </a:p>
+        </p:txBody>
+      </p:sp>
+      <p:pic>
+        <p:nvPicPr>
+          <p:cNvPr id="5" name="Picture 5">
+            <a:extLst>
+              <a:ext uri="{FF2B5EF4-FFF2-40B4-BE49-F238E27FC236}">
+                <a16:creationId xmlns:a16="http://schemas.microsoft.com/office/drawing/2014/main" id="{477A07DB-6D0C-4307-8A69-8894498A0EFB}"/>
+              </a:ext>
+            </a:extLst>
+          </p:cNvPr>
+          <p:cNvPicPr>
+            <a:picLocks noChangeAspect="1"/>
+          </p:cNvPicPr>
+          <p:nvPr/>
+        </p:nvPicPr>
+        <p:blipFill>
+          <a:blip r:embed="rId3"/>
+          <a:stretch>
+            <a:fillRect/>
+          </a:stretch>
+        </p:blipFill>
+        <p:spPr>
+          <a:xfrm>
+            <a:off x="9567414" y="3837945"/>
+            <a:ext cx="2330569" cy="2287617"/>
+          </a:xfrm>
+          <a:prstGeom prst="rect">
+            <a:avLst/>
+          </a:prstGeom>
+        </p:spPr>
+      </p:pic>
+      <p:pic>
+        <p:nvPicPr>
+          <p:cNvPr id="6" name="Picture 6">
+            <a:extLst>
+              <a:ext uri="{FF2B5EF4-FFF2-40B4-BE49-F238E27FC236}">
+                <a16:creationId xmlns:a16="http://schemas.microsoft.com/office/drawing/2014/main" id="{2B636CB8-7DAA-4809-B888-1F742BD43DA8}"/>
+              </a:ext>
+            </a:extLst>
+          </p:cNvPr>
+          <p:cNvPicPr>
+            <a:picLocks noChangeAspect="1"/>
+          </p:cNvPicPr>
+          <p:nvPr/>
+        </p:nvPicPr>
+        <p:blipFill>
+          <a:blip r:embed="rId4"/>
+          <a:stretch>
+            <a:fillRect/>
+          </a:stretch>
+        </p:blipFill>
+        <p:spPr>
+          <a:xfrm>
+            <a:off x="281796" y="1554192"/>
+            <a:ext cx="2297502" cy="2283125"/>
+          </a:xfrm>
+          <a:prstGeom prst="rect">
+            <a:avLst/>
+          </a:prstGeom>
+        </p:spPr>
+      </p:pic>
+      <p:pic>
+        <p:nvPicPr>
+          <p:cNvPr id="7" name="Picture 7">
+            <a:extLst>
+              <a:ext uri="{FF2B5EF4-FFF2-40B4-BE49-F238E27FC236}">
+                <a16:creationId xmlns:a16="http://schemas.microsoft.com/office/drawing/2014/main" id="{D512A633-B3F5-4250-B85F-F8F65C12AC77}"/>
+              </a:ext>
+            </a:extLst>
+          </p:cNvPr>
+          <p:cNvPicPr>
+            <a:picLocks noChangeAspect="1"/>
+          </p:cNvPicPr>
+          <p:nvPr/>
+        </p:nvPicPr>
+        <p:blipFill>
+          <a:blip r:embed="rId5"/>
+          <a:stretch>
+            <a:fillRect/>
+          </a:stretch>
+        </p:blipFill>
+        <p:spPr>
+          <a:xfrm>
+            <a:off x="2567796" y="3836419"/>
+            <a:ext cx="4065916" cy="2290672"/>
+          </a:xfrm>
+          <a:prstGeom prst="rect">
+            <a:avLst/>
+          </a:prstGeom>
+        </p:spPr>
+      </p:pic>
+      <p:pic>
+        <p:nvPicPr>
+          <p:cNvPr id="8" name="Picture 8">
+            <a:extLst>
+              <a:ext uri="{FF2B5EF4-FFF2-40B4-BE49-F238E27FC236}">
+                <a16:creationId xmlns:a16="http://schemas.microsoft.com/office/drawing/2014/main" id="{7F79543C-2FD2-43DF-9818-3035A6A932AD}"/>
+              </a:ext>
+            </a:extLst>
+          </p:cNvPr>
+          <p:cNvPicPr>
+            <a:picLocks noChangeAspect="1"/>
+          </p:cNvPicPr>
+          <p:nvPr/>
+        </p:nvPicPr>
+        <p:blipFill>
+          <a:blip r:embed="rId6"/>
+          <a:stretch>
+            <a:fillRect/>
+          </a:stretch>
+        </p:blipFill>
+        <p:spPr>
+          <a:xfrm>
+            <a:off x="6622211" y="1558209"/>
+            <a:ext cx="2743200" cy="2648902"/>
+          </a:xfrm>
+          <a:prstGeom prst="rect">
+            <a:avLst/>
+          </a:prstGeom>
+        </p:spPr>
+      </p:pic>
+      <p:sp>
+        <p:nvSpPr>
+          <p:cNvPr id="9" name="TextBox 8">
+            <a:extLst>
+              <a:ext uri="{FF2B5EF4-FFF2-40B4-BE49-F238E27FC236}">
+                <a16:creationId xmlns:a16="http://schemas.microsoft.com/office/drawing/2014/main" id="{B96F2AA0-E502-4457-8B24-BA73755CAE82}"/>
+              </a:ext>
+            </a:extLst>
+          </p:cNvPr>
+          <p:cNvSpPr txBox="1"/>
+          <p:nvPr/>
+        </p:nvSpPr>
+        <p:spPr>
+          <a:xfrm>
+            <a:off x="660400" y="3883573"/>
+            <a:ext cx="1289269" cy="369332"/>
+          </a:xfrm>
+          <a:prstGeom prst="rect">
+            <a:avLst/>
+          </a:prstGeom>
+          <a:noFill/>
+        </p:spPr>
+        <p:txBody>
+          <a:bodyPr rot="0" spcFirstLastPara="0" vertOverflow="overflow" horzOverflow="overflow" vert="horz" wrap="square" lIns="91440" tIns="45720" rIns="91440" bIns="45720" numCol="1" spcCol="0" rtlCol="0" fromWordArt="0" anchor="t" anchorCtr="0" forceAA="0" compatLnSpc="1">
+            <a:prstTxWarp prst="textNoShape">
+              <a:avLst/>
+            </a:prstTxWarp>
+            <a:spAutoFit/>
+          </a:bodyPr>
+          <a:lstStyle/>
+          <a:p>
+            <a:r>
+              <a:rPr lang="en-US" dirty="0"/>
+              <a:t>PC-Lint Plus</a:t>
+            </a:r>
+          </a:p>
+        </p:txBody>
+      </p:sp>
+      <p:sp>
+        <p:nvSpPr>
+          <p:cNvPr id="10" name="TextBox 9">
+            <a:extLst>
+              <a:ext uri="{FF2B5EF4-FFF2-40B4-BE49-F238E27FC236}">
+                <a16:creationId xmlns:a16="http://schemas.microsoft.com/office/drawing/2014/main" id="{A9612A14-C761-489D-B8FF-FB5190067874}"/>
+              </a:ext>
+            </a:extLst>
+          </p:cNvPr>
+          <p:cNvSpPr txBox="1"/>
+          <p:nvPr/>
+        </p:nvSpPr>
+        <p:spPr>
+          <a:xfrm>
+            <a:off x="4102537" y="3428123"/>
+            <a:ext cx="1289269" cy="369332"/>
+          </a:xfrm>
+          <a:prstGeom prst="rect">
+            <a:avLst/>
+          </a:prstGeom>
+          <a:noFill/>
+        </p:spPr>
+        <p:txBody>
+          <a:bodyPr rot="0" spcFirstLastPara="0" vertOverflow="overflow" horzOverflow="overflow" vert="horz" wrap="square" lIns="91440" tIns="45720" rIns="91440" bIns="45720" numCol="1" spcCol="0" rtlCol="0" fromWordArt="0" anchor="t" anchorCtr="0" forceAA="0" compatLnSpc="1">
+            <a:prstTxWarp prst="textNoShape">
+              <a:avLst/>
+            </a:prstTxWarp>
+            <a:spAutoFit/>
+          </a:bodyPr>
+          <a:lstStyle/>
+          <a:p>
+            <a:r>
+              <a:rPr lang="en-US" dirty="0" err="1"/>
+              <a:t>Cppcheck</a:t>
+            </a:r>
+          </a:p>
+        </p:txBody>
+      </p:sp>
+      <p:sp>
+        <p:nvSpPr>
+          <p:cNvPr id="11" name="TextBox 10">
+            <a:extLst>
+              <a:ext uri="{FF2B5EF4-FFF2-40B4-BE49-F238E27FC236}">
+                <a16:creationId xmlns:a16="http://schemas.microsoft.com/office/drawing/2014/main" id="{AAB56A48-C5E2-42E0-95C1-808BD0DEF7E0}"/>
+              </a:ext>
+            </a:extLst>
+          </p:cNvPr>
+          <p:cNvSpPr txBox="1"/>
+          <p:nvPr/>
+        </p:nvSpPr>
+        <p:spPr>
+          <a:xfrm>
+            <a:off x="7711089" y="4260193"/>
+            <a:ext cx="1289269" cy="369332"/>
+          </a:xfrm>
+          <a:prstGeom prst="rect">
+            <a:avLst/>
+          </a:prstGeom>
+          <a:noFill/>
+        </p:spPr>
+        <p:txBody>
+          <a:bodyPr rot="0" spcFirstLastPara="0" vertOverflow="overflow" horzOverflow="overflow" vert="horz" wrap="square" lIns="91440" tIns="45720" rIns="91440" bIns="45720" numCol="1" spcCol="0" rtlCol="0" fromWordArt="0" anchor="t" anchorCtr="0" forceAA="0" compatLnSpc="1">
+            <a:prstTxWarp prst="textNoShape">
+              <a:avLst/>
+            </a:prstTxWarp>
+            <a:spAutoFit/>
+          </a:bodyPr>
+          <a:lstStyle/>
+          <a:p>
+            <a:r>
+              <a:rPr lang="en-US" dirty="0" err="1"/>
+              <a:t>UBSan</a:t>
+            </a:r>
+          </a:p>
+        </p:txBody>
+      </p:sp>
+      <p:sp>
+        <p:nvSpPr>
+          <p:cNvPr id="12" name="TextBox 11">
+            <a:extLst>
+              <a:ext uri="{FF2B5EF4-FFF2-40B4-BE49-F238E27FC236}">
+                <a16:creationId xmlns:a16="http://schemas.microsoft.com/office/drawing/2014/main" id="{FFBE63D8-C118-4690-9CEC-C048662CD2B2}"/>
+              </a:ext>
+            </a:extLst>
+          </p:cNvPr>
+          <p:cNvSpPr txBox="1"/>
+          <p:nvPr/>
+        </p:nvSpPr>
+        <p:spPr>
+          <a:xfrm>
+            <a:off x="10084675" y="3121572"/>
+            <a:ext cx="1289269" cy="369332"/>
+          </a:xfrm>
+          <a:prstGeom prst="rect">
+            <a:avLst/>
+          </a:prstGeom>
+          <a:noFill/>
+        </p:spPr>
+        <p:txBody>
+          <a:bodyPr rot="0" spcFirstLastPara="0" vertOverflow="overflow" horzOverflow="overflow" vert="horz" wrap="square" lIns="91440" tIns="45720" rIns="91440" bIns="45720" numCol="1" spcCol="0" rtlCol="0" fromWordArt="0" anchor="t" anchorCtr="0" forceAA="0" compatLnSpc="1">
+            <a:prstTxWarp prst="textNoShape">
+              <a:avLst/>
+            </a:prstTxWarp>
+            <a:spAutoFit/>
+          </a:bodyPr>
+          <a:lstStyle/>
+          <a:p>
+            <a:r>
+              <a:rPr lang="en-US" dirty="0"/>
+              <a:t>PVS-Studio</a:t>
+            </a:r>
+          </a:p>
+        </p:txBody>
+      </p:sp>
+    </p:spTree>
+    <p:extLst>
+      <p:ext uri="{BB962C8B-B14F-4D97-AF65-F5344CB8AC3E}">
+        <p14:creationId xmlns:p14="http://schemas.microsoft.com/office/powerpoint/2010/main" val="956481841"/>
       </p:ext>
     </p:extLst>
   </p:cSld>

--- a/Stuff/T3000.pptx
+++ b/Stuff/T3000.pptx
@@ -351,7 +351,7 @@
                   <a:schemeClr val="tx2"/>
                 </a:solidFill>
               </a:rPr>
-              <a:t>‹#›</a:t>
+              <a:t>‹Nr.›</a:t>
             </a:fld>
             <a:endParaRPr lang="de-DE">
               <a:solidFill>
@@ -790,7 +790,7 @@
             <a:fld id="{927DBD90-B360-417B-B4B3-F05A4AFC1996}" type="slidenum">
               <a:rPr lang="de-DE" smtClean="0"/>
               <a:pPr/>
-              <a:t>‹#›</a:t>
+              <a:t>‹Nr.›</a:t>
             </a:fld>
             <a:endParaRPr lang="de-DE"/>
           </a:p>
@@ -1899,12 +1899,17 @@
         <p:spPr/>
         <p:txBody>
           <a:bodyPr/>
-          <a:lstStyle/>
-          <a:p>
-            <a:r>
-              <a:rPr lang="de-DE"/>
-              <a:t>09.12.2019</a:t>
-            </a:r>
+          <a:lstStyle>
+            <a:lvl1pPr>
+              <a:defRPr/>
+            </a:lvl1pPr>
+          </a:lstStyle>
+          <a:p>
+            <a:r>
+              <a:rPr lang="de-DE" smtClean="0"/>
+              <a:t>21.06.2021</a:t>
+            </a:r>
+            <a:endParaRPr lang="de-DE" dirty="0"/>
           </a:p>
         </p:txBody>
       </p:sp>
@@ -1944,7 +1949,7 @@
           <a:p>
             <a:fld id="{3A1F27E2-D58A-4028-9FF2-B12D897F257E}" type="slidenum">
               <a:rPr lang="de-DE" smtClean="0"/>
-              <a:t>‹#›</a:t>
+              <a:t>‹Nr.›</a:t>
             </a:fld>
             <a:endParaRPr lang="de-DE"/>
           </a:p>
@@ -2103,9 +2108,10 @@
           <a:lstStyle/>
           <a:p>
             <a:r>
-              <a:rPr lang="de-DE"/>
-              <a:t>09.12.2019</a:t>
-            </a:r>
+              <a:rPr lang="de-DE" smtClean="0"/>
+              <a:t>21.06.2021</a:t>
+            </a:r>
+            <a:endParaRPr lang="de-DE"/>
           </a:p>
         </p:txBody>
       </p:sp>
@@ -2145,7 +2151,7 @@
           <a:p>
             <a:fld id="{3A1F27E2-D58A-4028-9FF2-B12D897F257E}" type="slidenum">
               <a:rPr lang="de-DE" smtClean="0"/>
-              <a:t>‹#›</a:t>
+              <a:t>‹Nr.›</a:t>
             </a:fld>
             <a:endParaRPr lang="de-DE"/>
           </a:p>
@@ -2253,9 +2259,10 @@
           <a:lstStyle/>
           <a:p>
             <a:r>
-              <a:rPr lang="de-DE"/>
-              <a:t>09.12.2019</a:t>
-            </a:r>
+              <a:rPr lang="de-DE" smtClean="0"/>
+              <a:t>21.06.2021</a:t>
+            </a:r>
+            <a:endParaRPr lang="de-DE"/>
           </a:p>
         </p:txBody>
       </p:sp>
@@ -2295,7 +2302,7 @@
           <a:p>
             <a:fld id="{3A1F27E2-D58A-4028-9FF2-B12D897F257E}" type="slidenum">
               <a:rPr lang="de-DE" smtClean="0"/>
-              <a:t>‹#›</a:t>
+              <a:t>‹Nr.›</a:t>
             </a:fld>
             <a:endParaRPr lang="de-DE"/>
           </a:p>
@@ -2486,9 +2493,10 @@
           <a:lstStyle/>
           <a:p>
             <a:r>
-              <a:rPr lang="de-DE"/>
-              <a:t>09.12.2019</a:t>
-            </a:r>
+              <a:rPr lang="de-DE" smtClean="0"/>
+              <a:t>21.06.2021</a:t>
+            </a:r>
+            <a:endParaRPr lang="de-DE"/>
           </a:p>
         </p:txBody>
       </p:sp>
@@ -2528,7 +2536,7 @@
           <a:p>
             <a:fld id="{3A1F27E2-D58A-4028-9FF2-B12D897F257E}" type="slidenum">
               <a:rPr lang="de-DE" smtClean="0"/>
-              <a:t>‹#›</a:t>
+              <a:t>‹Nr.›</a:t>
             </a:fld>
             <a:endParaRPr lang="de-DE"/>
           </a:p>
@@ -2544,7 +2552,7 @@
   <p:clrMapOvr>
     <a:masterClrMapping/>
   </p:clrMapOvr>
-  <p:extLst>
+  <p:extLst mod="1">
     <p:ext uri="{DCECCB84-F9BA-43D5-87BE-67443E8EF086}">
       <p15:sldGuideLst xmlns:p15="http://schemas.microsoft.com/office/powerpoint/2012/main"/>
     </p:ext>
@@ -2658,9 +2666,10 @@
           <a:lstStyle/>
           <a:p>
             <a:r>
-              <a:rPr lang="de-DE"/>
-              <a:t>09.12.2019</a:t>
-            </a:r>
+              <a:rPr lang="de-DE" smtClean="0"/>
+              <a:t>21.06.2021</a:t>
+            </a:r>
+            <a:endParaRPr lang="de-DE"/>
           </a:p>
         </p:txBody>
       </p:sp>
@@ -2700,7 +2709,7 @@
           <a:p>
             <a:fld id="{3A1F27E2-D58A-4028-9FF2-B12D897F257E}" type="slidenum">
               <a:rPr lang="de-DE" smtClean="0"/>
-              <a:t>‹#›</a:t>
+              <a:t>‹Nr.›</a:t>
             </a:fld>
             <a:endParaRPr lang="de-DE"/>
           </a:p>
@@ -2830,9 +2839,10 @@
           <a:lstStyle/>
           <a:p>
             <a:r>
-              <a:rPr lang="de-DE"/>
-              <a:t>09.12.2019</a:t>
-            </a:r>
+              <a:rPr lang="de-DE" smtClean="0"/>
+              <a:t>21.06.2021</a:t>
+            </a:r>
+            <a:endParaRPr lang="de-DE"/>
           </a:p>
         </p:txBody>
       </p:sp>
@@ -2872,7 +2882,7 @@
           <a:p>
             <a:fld id="{3A1F27E2-D58A-4028-9FF2-B12D897F257E}" type="slidenum">
               <a:rPr lang="de-DE" smtClean="0"/>
-              <a:t>‹#›</a:t>
+              <a:t>‹Nr.›</a:t>
             </a:fld>
             <a:endParaRPr lang="de-DE"/>
           </a:p>
@@ -2976,9 +2986,10 @@
           <a:lstStyle/>
           <a:p>
             <a:r>
-              <a:rPr lang="de-DE"/>
-              <a:t>09.12.2019</a:t>
-            </a:r>
+              <a:rPr lang="de-DE" smtClean="0"/>
+              <a:t>21.06.2021</a:t>
+            </a:r>
+            <a:endParaRPr lang="de-DE"/>
           </a:p>
         </p:txBody>
       </p:sp>
@@ -3018,7 +3029,7 @@
           <a:p>
             <a:fld id="{3A1F27E2-D58A-4028-9FF2-B12D897F257E}" type="slidenum">
               <a:rPr lang="de-DE" smtClean="0"/>
-              <a:t>‹#›</a:t>
+              <a:t>‹Nr.›</a:t>
             </a:fld>
             <a:endParaRPr lang="de-DE"/>
           </a:p>
@@ -3070,9 +3081,10 @@
           <a:lstStyle/>
           <a:p>
             <a:r>
-              <a:rPr lang="de-DE"/>
-              <a:t>09.12.2019</a:t>
-            </a:r>
+              <a:rPr lang="de-DE" smtClean="0"/>
+              <a:t>21.06.2021</a:t>
+            </a:r>
+            <a:endParaRPr lang="de-DE"/>
           </a:p>
         </p:txBody>
       </p:sp>
@@ -3112,7 +3124,7 @@
           <a:p>
             <a:fld id="{3A1F27E2-D58A-4028-9FF2-B12D897F257E}" type="slidenum">
               <a:rPr lang="de-DE" smtClean="0"/>
-              <a:t>‹#›</a:t>
+              <a:t>‹Nr.›</a:t>
             </a:fld>
             <a:endParaRPr lang="de-DE"/>
           </a:p>
@@ -3190,9 +3202,10 @@
           <a:lstStyle/>
           <a:p>
             <a:r>
-              <a:rPr lang="de-DE"/>
-              <a:t>09.12.2019</a:t>
-            </a:r>
+              <a:rPr lang="de-DE" smtClean="0"/>
+              <a:t>21.06.2021</a:t>
+            </a:r>
+            <a:endParaRPr lang="de-DE"/>
           </a:p>
         </p:txBody>
       </p:sp>
@@ -3232,7 +3245,7 @@
           <a:p>
             <a:fld id="{3A1F27E2-D58A-4028-9FF2-B12D897F257E}" type="slidenum">
               <a:rPr lang="de-DE" smtClean="0"/>
-              <a:t>‹#›</a:t>
+              <a:t>‹Nr.›</a:t>
             </a:fld>
             <a:endParaRPr lang="de-DE"/>
           </a:p>
@@ -3370,9 +3383,10 @@
           <a:lstStyle/>
           <a:p>
             <a:r>
-              <a:rPr lang="de-DE"/>
-              <a:t>09.12.2019</a:t>
-            </a:r>
+              <a:rPr lang="de-DE" smtClean="0"/>
+              <a:t>21.06.2021</a:t>
+            </a:r>
+            <a:endParaRPr lang="de-DE"/>
           </a:p>
         </p:txBody>
       </p:sp>
@@ -3412,7 +3426,7 @@
           <a:p>
             <a:fld id="{3A1F27E2-D58A-4028-9FF2-B12D897F257E}" type="slidenum">
               <a:rPr lang="de-DE" smtClean="0"/>
-              <a:t>‹#›</a:t>
+              <a:t>‹Nr.›</a:t>
             </a:fld>
             <a:endParaRPr lang="de-DE"/>
           </a:p>
@@ -3571,9 +3585,10 @@
           <a:lstStyle/>
           <a:p>
             <a:r>
-              <a:rPr lang="de-DE"/>
-              <a:t>09.12.2019</a:t>
-            </a:r>
+              <a:rPr lang="de-DE" smtClean="0"/>
+              <a:t>21.06.2021</a:t>
+            </a:r>
+            <a:endParaRPr lang="de-DE"/>
           </a:p>
         </p:txBody>
       </p:sp>
@@ -3613,7 +3628,7 @@
           <a:p>
             <a:fld id="{3A1F27E2-D58A-4028-9FF2-B12D897F257E}" type="slidenum">
               <a:rPr lang="de-DE" smtClean="0"/>
-              <a:t>‹#›</a:t>
+              <a:t>‹Nr.›</a:t>
             </a:fld>
             <a:endParaRPr lang="de-DE"/>
           </a:p>
@@ -3925,8 +3940,8 @@
           </a:lstStyle>
           <a:p>
             <a:r>
-              <a:rPr lang="de-DE"/>
-              <a:t>09.12.2019</a:t>
+              <a:rPr lang="de-DE" smtClean="0"/>
+              <a:t>21.06.2021</a:t>
             </a:r>
             <a:endParaRPr lang="de-DE" dirty="0"/>
           </a:p>
@@ -4009,7 +4024,7 @@
             <a:fld id="{3A1F27E2-D58A-4028-9FF2-B12D897F257E}" type="slidenum">
               <a:rPr lang="de-DE" smtClean="0"/>
               <a:pPr/>
-              <a:t>‹#›</a:t>
+              <a:t>‹Nr.›</a:t>
             </a:fld>
             <a:endParaRPr lang="de-DE"/>
           </a:p>
@@ -4091,7 +4106,7 @@
   <p:sldLayoutIdLst>
     <p:sldLayoutId id="2147483649" r:id="rId1"/>
   </p:sldLayoutIdLst>
-  <p:hf hdr="0"/>
+  <p:hf sldNum="0" hdr="0" ftr="0"/>
   <p:txStyles>
     <p:titleStyle>
       <a:lvl1pPr algn="l" defTabSz="914400" rtl="0" eaLnBrk="1" latinLnBrk="0" hangingPunct="1">
@@ -4372,7 +4387,7 @@
       </a:lvl9pPr>
     </p:otherStyle>
   </p:txStyles>
-  <p:extLst>
+  <p:extLst mod="1">
     <p:ext uri="{27BBF7A9-308A-43DC-89C8-2F10F3537804}">
       <p15:sldGuideLst xmlns:p15="http://schemas.microsoft.com/office/powerpoint/2012/main">
         <p15:guide id="1" pos="529" userDrawn="1">
@@ -4562,8 +4577,8 @@
           </a:lstStyle>
           <a:p>
             <a:r>
-              <a:rPr lang="de-DE"/>
-              <a:t>09.12.2019</a:t>
+              <a:rPr lang="de-DE" smtClean="0"/>
+              <a:t>21.06.2021</a:t>
             </a:r>
             <a:endParaRPr lang="de-DE" dirty="0"/>
           </a:p>
@@ -4646,7 +4661,7 @@
             <a:fld id="{3A1F27E2-D58A-4028-9FF2-B12D897F257E}" type="slidenum">
               <a:rPr lang="de-DE" smtClean="0"/>
               <a:pPr/>
-              <a:t>‹#›</a:t>
+              <a:t>‹Nr.›</a:t>
             </a:fld>
             <a:endParaRPr lang="de-DE" dirty="0"/>
           </a:p>
@@ -4729,7 +4744,7 @@
           <p:cNvPr id="11" name="Grafik 10">
             <a:extLst>
               <a:ext uri="{FF2B5EF4-FFF2-40B4-BE49-F238E27FC236}">
-                <a16:creationId xmlns:a16="http://schemas.microsoft.com/office/drawing/2014/main" id="{C4559D41-751B-4D7C-9655-A71341095138}"/>
+                <a16:creationId xmlns:a16="http://schemas.microsoft.com/office/drawing/2014/main" xmlns="" id="{C4559D41-751B-4D7C-9655-A71341095138}"/>
               </a:ext>
             </a:extLst>
           </p:cNvPr>
@@ -4765,7 +4780,7 @@
           <p:cNvPr id="14" name="Straight Connector 6">
             <a:extLst>
               <a:ext uri="{FF2B5EF4-FFF2-40B4-BE49-F238E27FC236}">
-                <a16:creationId xmlns:a16="http://schemas.microsoft.com/office/drawing/2014/main" id="{C797F233-091D-4DE9-86F5-01F20A8E02B8}"/>
+                <a16:creationId xmlns:a16="http://schemas.microsoft.com/office/drawing/2014/main" xmlns="" id="{C797F233-091D-4DE9-86F5-01F20A8E02B8}"/>
               </a:ext>
             </a:extLst>
           </p:cNvPr>
@@ -4823,7 +4838,7 @@
     <p:sldLayoutId id="2147483663" r:id="rId9"/>
     <p:sldLayoutId id="2147483664" r:id="rId10"/>
   </p:sldLayoutIdLst>
-  <p:hf hdr="0"/>
+  <p:hf sldNum="0" hdr="0" ftr="0"/>
   <p:txStyles>
     <p:titleStyle>
       <a:lvl1pPr algn="l" defTabSz="914400" rtl="0" eaLnBrk="1" latinLnBrk="0" hangingPunct="1">
@@ -5104,7 +5119,7 @@
       </a:lvl9pPr>
     </p:otherStyle>
   </p:txStyles>
-  <p:extLst>
+  <p:extLst mod="1">
     <p:ext uri="{27BBF7A9-308A-43DC-89C8-2F10F3537804}">
       <p15:sldGuideLst xmlns:p15="http://schemas.microsoft.com/office/powerpoint/2012/main">
         <p15:guide id="1" pos="529" userDrawn="1">
@@ -5233,50 +5248,9 @@
           <a:lstStyle/>
           <a:p>
             <a:r>
-              <a:rPr lang="de-DE"/>
-              <a:t>09.12.2019</a:t>
-            </a:r>
-          </a:p>
-        </p:txBody>
-      </p:sp>
-      <p:sp>
-        <p:nvSpPr>
-          <p:cNvPr id="5" name="Fußzeilenplatzhalter 4"/>
-          <p:cNvSpPr>
-            <a:spLocks noGrp="1"/>
-          </p:cNvSpPr>
-          <p:nvPr>
-            <p:ph type="ftr" sz="quarter" idx="11"/>
-          </p:nvPr>
-        </p:nvSpPr>
-        <p:spPr/>
-        <p:txBody>
-          <a:bodyPr/>
-          <a:lstStyle/>
-          <a:p>
-            <a:endParaRPr lang="de-DE"/>
-          </a:p>
-        </p:txBody>
-      </p:sp>
-      <p:sp>
-        <p:nvSpPr>
-          <p:cNvPr id="6" name="Foliennummernplatzhalter 5"/>
-          <p:cNvSpPr>
-            <a:spLocks noGrp="1"/>
-          </p:cNvSpPr>
-          <p:nvPr>
-            <p:ph type="sldNum" sz="quarter" idx="12"/>
-          </p:nvPr>
-        </p:nvSpPr>
-        <p:spPr/>
-        <p:txBody>
-          <a:bodyPr/>
-          <a:lstStyle/>
-          <a:p>
-            <a:fld id="{3A1F27E2-D58A-4028-9FF2-B12D897F257E}" type="slidenum">
               <a:rPr lang="de-DE" smtClean="0"/>
-              <a:t>1</a:t>
-            </a:fld>
+              <a:t>21.06.2021</a:t>
+            </a:r>
             <a:endParaRPr lang="de-DE"/>
           </a:p>
         </p:txBody>
@@ -5286,7 +5260,7 @@
           <p:cNvPr id="7" name="TextBox 6">
             <a:extLst>
               <a:ext uri="{FF2B5EF4-FFF2-40B4-BE49-F238E27FC236}">
-                <a16:creationId xmlns:a16="http://schemas.microsoft.com/office/drawing/2014/main" id="{F9AF7066-EF94-4A99-81FF-93EB0C6D07BB}"/>
+                <a16:creationId xmlns:a16="http://schemas.microsoft.com/office/drawing/2014/main" xmlns="" id="{F9AF7066-EF94-4A99-81FF-93EB0C6D07BB}"/>
               </a:ext>
             </a:extLst>
           </p:cNvPr>
@@ -5354,7 +5328,7 @@
           <p:cNvPr id="2" name="Title 1">
             <a:extLst>
               <a:ext uri="{FF2B5EF4-FFF2-40B4-BE49-F238E27FC236}">
-                <a16:creationId xmlns:a16="http://schemas.microsoft.com/office/drawing/2014/main" id="{8992A407-02A3-4F32-8A14-F579BBD75320}"/>
+                <a16:creationId xmlns:a16="http://schemas.microsoft.com/office/drawing/2014/main" xmlns="" id="{8992A407-02A3-4F32-8A14-F579BBD75320}"/>
               </a:ext>
             </a:extLst>
           </p:cNvPr>
@@ -5389,7 +5363,7 @@
           <p:cNvPr id="8" name="Picture 8">
             <a:extLst>
               <a:ext uri="{FF2B5EF4-FFF2-40B4-BE49-F238E27FC236}">
-                <a16:creationId xmlns:a16="http://schemas.microsoft.com/office/drawing/2014/main" id="{C1779AB6-DCE1-4E6A-9A24-D948822F6101}"/>
+                <a16:creationId xmlns:a16="http://schemas.microsoft.com/office/drawing/2014/main" xmlns="" id="{C1779AB6-DCE1-4E6A-9A24-D948822F6101}"/>
               </a:ext>
             </a:extLst>
           </p:cNvPr>
@@ -5419,7 +5393,7 @@
           <p:cNvPr id="4" name="Date Placeholder 3">
             <a:extLst>
               <a:ext uri="{FF2B5EF4-FFF2-40B4-BE49-F238E27FC236}">
-                <a16:creationId xmlns:a16="http://schemas.microsoft.com/office/drawing/2014/main" id="{C3E907B8-FD0A-435B-BC23-E66BD0E4E84A}"/>
+                <a16:creationId xmlns:a16="http://schemas.microsoft.com/office/drawing/2014/main" xmlns="" id="{C3E907B8-FD0A-435B-BC23-E66BD0E4E84A}"/>
               </a:ext>
             </a:extLst>
           </p:cNvPr>
@@ -5448,84 +5422,9 @@
               </a:spcAft>
             </a:pPr>
             <a:r>
-              <a:rPr lang="de-DE"/>
-              <a:t>09.12.2019</a:t>
-            </a:r>
-          </a:p>
-        </p:txBody>
-      </p:sp>
-      <p:sp>
-        <p:nvSpPr>
-          <p:cNvPr id="17" name="Footer Placeholder 4">
-            <a:extLst>
-              <a:ext uri="{FF2B5EF4-FFF2-40B4-BE49-F238E27FC236}">
-                <a16:creationId xmlns:a16="http://schemas.microsoft.com/office/drawing/2014/main" id="{B4631219-21D3-4DB0-A591-E9D11663FED6}"/>
-              </a:ext>
-            </a:extLst>
-          </p:cNvPr>
-          <p:cNvSpPr>
-            <a:spLocks noGrp="1"/>
-          </p:cNvSpPr>
-          <p:nvPr>
-            <p:ph type="ftr" sz="quarter" idx="11"/>
-          </p:nvPr>
-        </p:nvSpPr>
-        <p:spPr>
-          <a:xfrm>
-            <a:off x="2016807" y="6432550"/>
-            <a:ext cx="8468883" cy="365125"/>
-          </a:xfrm>
-        </p:spPr>
-        <p:txBody>
-          <a:bodyPr/>
-          <a:lstStyle/>
-          <a:p>
-            <a:endParaRPr lang="de-DE"/>
-          </a:p>
-        </p:txBody>
-      </p:sp>
-      <p:sp>
-        <p:nvSpPr>
-          <p:cNvPr id="6" name="Slide Number Placeholder 5">
-            <a:extLst>
-              <a:ext uri="{FF2B5EF4-FFF2-40B4-BE49-F238E27FC236}">
-                <a16:creationId xmlns:a16="http://schemas.microsoft.com/office/drawing/2014/main" id="{B8F20493-E259-4A62-B06B-81021C7BD964}"/>
-              </a:ext>
-            </a:extLst>
-          </p:cNvPr>
-          <p:cNvSpPr>
-            <a:spLocks noGrp="1"/>
-          </p:cNvSpPr>
-          <p:nvPr>
-            <p:ph type="sldNum" sz="quarter" idx="12"/>
-          </p:nvPr>
-        </p:nvSpPr>
-        <p:spPr>
-          <a:xfrm>
-            <a:off x="10630968" y="6432550"/>
-            <a:ext cx="721245" cy="365125"/>
-          </a:xfrm>
-        </p:spPr>
-        <p:txBody>
-          <a:bodyPr anchor="ctr">
-            <a:normAutofit/>
-          </a:bodyPr>
-          <a:lstStyle/>
-          <a:p>
-            <a:pPr>
-              <a:spcAft>
-                <a:spcPts val="600"/>
-              </a:spcAft>
-            </a:pPr>
-            <a:fld id="{3A1F27E2-D58A-4028-9FF2-B12D897F257E}" type="slidenum">
               <a:rPr lang="de-DE" smtClean="0"/>
-              <a:pPr>
-                <a:spcAft>
-                  <a:spcPts val="600"/>
-                </a:spcAft>
-              </a:pPr>
-              <a:t>10</a:t>
-            </a:fld>
+              <a:t>21.06.2021</a:t>
+            </a:r>
             <a:endParaRPr lang="de-DE"/>
           </a:p>
         </p:txBody>
@@ -5664,50 +5563,9 @@
           <a:lstStyle/>
           <a:p>
             <a:r>
-              <a:rPr lang="de-DE"/>
-              <a:t>09.12.2019</a:t>
-            </a:r>
-          </a:p>
-        </p:txBody>
-      </p:sp>
-      <p:sp>
-        <p:nvSpPr>
-          <p:cNvPr id="3" name="Fußzeilenplatzhalter 2"/>
-          <p:cNvSpPr>
-            <a:spLocks noGrp="1"/>
-          </p:cNvSpPr>
-          <p:nvPr>
-            <p:ph type="ftr" sz="quarter" idx="11"/>
-          </p:nvPr>
-        </p:nvSpPr>
-        <p:spPr/>
-        <p:txBody>
-          <a:bodyPr/>
-          <a:lstStyle/>
-          <a:p>
-            <a:endParaRPr lang="de-DE"/>
-          </a:p>
-        </p:txBody>
-      </p:sp>
-      <p:sp>
-        <p:nvSpPr>
-          <p:cNvPr id="6" name="Foliennummernplatzhalter 5"/>
-          <p:cNvSpPr>
-            <a:spLocks noGrp="1"/>
-          </p:cNvSpPr>
-          <p:nvPr>
-            <p:ph type="sldNum" sz="quarter" idx="12"/>
-          </p:nvPr>
-        </p:nvSpPr>
-        <p:spPr/>
-        <p:txBody>
-          <a:bodyPr/>
-          <a:lstStyle/>
-          <a:p>
-            <a:fld id="{3A1F27E2-D58A-4028-9FF2-B12D897F257E}" type="slidenum">
               <a:rPr lang="de-DE" smtClean="0"/>
-              <a:t>11</a:t>
-            </a:fld>
+              <a:t>21.06.2021</a:t>
+            </a:r>
             <a:endParaRPr lang="de-DE"/>
           </a:p>
         </p:txBody>
@@ -5780,50 +5638,9 @@
           <a:lstStyle/>
           <a:p>
             <a:r>
-              <a:rPr lang="de-DE"/>
-              <a:t>09.12.2019</a:t>
-            </a:r>
-          </a:p>
-        </p:txBody>
-      </p:sp>
-      <p:sp>
-        <p:nvSpPr>
-          <p:cNvPr id="3" name="Fußzeilenplatzhalter 2"/>
-          <p:cNvSpPr>
-            <a:spLocks noGrp="1"/>
-          </p:cNvSpPr>
-          <p:nvPr>
-            <p:ph type="ftr" sz="quarter" idx="11"/>
-          </p:nvPr>
-        </p:nvSpPr>
-        <p:spPr/>
-        <p:txBody>
-          <a:bodyPr/>
-          <a:lstStyle/>
-          <a:p>
-            <a:endParaRPr lang="de-DE"/>
-          </a:p>
-        </p:txBody>
-      </p:sp>
-      <p:sp>
-        <p:nvSpPr>
-          <p:cNvPr id="6" name="Foliennummernplatzhalter 5"/>
-          <p:cNvSpPr>
-            <a:spLocks noGrp="1"/>
-          </p:cNvSpPr>
-          <p:nvPr>
-            <p:ph type="sldNum" sz="quarter" idx="12"/>
-          </p:nvPr>
-        </p:nvSpPr>
-        <p:spPr/>
-        <p:txBody>
-          <a:bodyPr/>
-          <a:lstStyle/>
-          <a:p>
-            <a:fld id="{3A1F27E2-D58A-4028-9FF2-B12D897F257E}" type="slidenum">
               <a:rPr lang="de-DE" smtClean="0"/>
-              <a:t>12</a:t>
-            </a:fld>
+              <a:t>21.06.2021</a:t>
+            </a:r>
             <a:endParaRPr lang="de-DE"/>
           </a:p>
         </p:txBody>
@@ -6036,50 +5853,9 @@
           <a:lstStyle/>
           <a:p>
             <a:r>
-              <a:rPr lang="de-DE"/>
-              <a:t>09.12.2019</a:t>
-            </a:r>
-          </a:p>
-        </p:txBody>
-      </p:sp>
-      <p:sp>
-        <p:nvSpPr>
-          <p:cNvPr id="7" name="Fußzeilenplatzhalter 6"/>
-          <p:cNvSpPr>
-            <a:spLocks noGrp="1"/>
-          </p:cNvSpPr>
-          <p:nvPr>
-            <p:ph type="ftr" sz="quarter" idx="11"/>
-          </p:nvPr>
-        </p:nvSpPr>
-        <p:spPr/>
-        <p:txBody>
-          <a:bodyPr/>
-          <a:lstStyle/>
-          <a:p>
-            <a:endParaRPr lang="de-DE"/>
-          </a:p>
-        </p:txBody>
-      </p:sp>
-      <p:sp>
-        <p:nvSpPr>
-          <p:cNvPr id="8" name="Foliennummernplatzhalter 7"/>
-          <p:cNvSpPr>
-            <a:spLocks noGrp="1"/>
-          </p:cNvSpPr>
-          <p:nvPr>
-            <p:ph type="sldNum" sz="quarter" idx="12"/>
-          </p:nvPr>
-        </p:nvSpPr>
-        <p:spPr/>
-        <p:txBody>
-          <a:bodyPr/>
-          <a:lstStyle/>
-          <a:p>
-            <a:fld id="{3A1F27E2-D58A-4028-9FF2-B12D897F257E}" type="slidenum">
               <a:rPr lang="de-DE" smtClean="0"/>
-              <a:t>2</a:t>
-            </a:fld>
+              <a:t>21.06.2021</a:t>
+            </a:r>
             <a:endParaRPr lang="de-DE"/>
           </a:p>
         </p:txBody>
@@ -6119,7 +5895,7 @@
           <p:cNvPr id="2" name="Title 1">
             <a:extLst>
               <a:ext uri="{FF2B5EF4-FFF2-40B4-BE49-F238E27FC236}">
-                <a16:creationId xmlns:a16="http://schemas.microsoft.com/office/drawing/2014/main" id="{B563012C-308C-4E75-AFFC-1663F9E7CC40}"/>
+                <a16:creationId xmlns:a16="http://schemas.microsoft.com/office/drawing/2014/main" xmlns="" id="{B563012C-308C-4E75-AFFC-1663F9E7CC40}"/>
               </a:ext>
             </a:extLst>
           </p:cNvPr>
@@ -6151,7 +5927,7 @@
           <p:cNvPr id="3" name="Content Placeholder 2">
             <a:extLst>
               <a:ext uri="{FF2B5EF4-FFF2-40B4-BE49-F238E27FC236}">
-                <a16:creationId xmlns:a16="http://schemas.microsoft.com/office/drawing/2014/main" id="{B9E1F98A-8E5E-453B-A4B0-0EEF87DE0E91}"/>
+                <a16:creationId xmlns:a16="http://schemas.microsoft.com/office/drawing/2014/main" xmlns="" id="{B9E1F98A-8E5E-453B-A4B0-0EEF87DE0E91}"/>
               </a:ext>
             </a:extLst>
           </p:cNvPr>
@@ -6221,7 +5997,7 @@
           <p:cNvPr id="4" name="Date Placeholder 3">
             <a:extLst>
               <a:ext uri="{FF2B5EF4-FFF2-40B4-BE49-F238E27FC236}">
-                <a16:creationId xmlns:a16="http://schemas.microsoft.com/office/drawing/2014/main" id="{7921D99C-9043-4604-ABF2-9183F302C4E3}"/>
+                <a16:creationId xmlns:a16="http://schemas.microsoft.com/office/drawing/2014/main" xmlns="" id="{7921D99C-9043-4604-ABF2-9183F302C4E3}"/>
               </a:ext>
             </a:extLst>
           </p:cNvPr>
@@ -6238,62 +6014,9 @@
           <a:lstStyle/>
           <a:p>
             <a:r>
-              <a:rPr lang="de-DE"/>
-              <a:t>09.12.2019</a:t>
-            </a:r>
-          </a:p>
-        </p:txBody>
-      </p:sp>
-      <p:sp>
-        <p:nvSpPr>
-          <p:cNvPr id="5" name="Footer Placeholder 4">
-            <a:extLst>
-              <a:ext uri="{FF2B5EF4-FFF2-40B4-BE49-F238E27FC236}">
-                <a16:creationId xmlns:a16="http://schemas.microsoft.com/office/drawing/2014/main" id="{9BB8D749-ABE5-4714-8930-C5CFCD0F1CA0}"/>
-              </a:ext>
-            </a:extLst>
-          </p:cNvPr>
-          <p:cNvSpPr>
-            <a:spLocks noGrp="1"/>
-          </p:cNvSpPr>
-          <p:nvPr>
-            <p:ph type="ftr" sz="quarter" idx="11"/>
-          </p:nvPr>
-        </p:nvSpPr>
-        <p:spPr/>
-        <p:txBody>
-          <a:bodyPr/>
-          <a:lstStyle/>
-          <a:p>
-            <a:endParaRPr lang="de-DE"/>
-          </a:p>
-        </p:txBody>
-      </p:sp>
-      <p:sp>
-        <p:nvSpPr>
-          <p:cNvPr id="6" name="Slide Number Placeholder 5">
-            <a:extLst>
-              <a:ext uri="{FF2B5EF4-FFF2-40B4-BE49-F238E27FC236}">
-                <a16:creationId xmlns:a16="http://schemas.microsoft.com/office/drawing/2014/main" id="{ECAA2CF9-5A08-4A67-9ABB-BFC4DF204868}"/>
-              </a:ext>
-            </a:extLst>
-          </p:cNvPr>
-          <p:cNvSpPr>
-            <a:spLocks noGrp="1"/>
-          </p:cNvSpPr>
-          <p:nvPr>
-            <p:ph type="sldNum" sz="quarter" idx="12"/>
-          </p:nvPr>
-        </p:nvSpPr>
-        <p:spPr/>
-        <p:txBody>
-          <a:bodyPr/>
-          <a:lstStyle/>
-          <a:p>
-            <a:fld id="{3A1F27E2-D58A-4028-9FF2-B12D897F257E}" type="slidenum">
               <a:rPr lang="de-DE" smtClean="0"/>
-              <a:t>3</a:t>
-            </a:fld>
+              <a:t>21.06.2021</a:t>
+            </a:r>
             <a:endParaRPr lang="de-DE"/>
           </a:p>
         </p:txBody>
@@ -6495,50 +6218,9 @@
           <a:lstStyle/>
           <a:p>
             <a:r>
-              <a:rPr lang="de-DE"/>
-              <a:t>09.12.2019</a:t>
-            </a:r>
-          </a:p>
-        </p:txBody>
-      </p:sp>
-      <p:sp>
-        <p:nvSpPr>
-          <p:cNvPr id="8" name="Fußzeilenplatzhalter 7"/>
-          <p:cNvSpPr>
-            <a:spLocks noGrp="1"/>
-          </p:cNvSpPr>
-          <p:nvPr>
-            <p:ph type="ftr" sz="quarter" idx="11"/>
-          </p:nvPr>
-        </p:nvSpPr>
-        <p:spPr/>
-        <p:txBody>
-          <a:bodyPr/>
-          <a:lstStyle/>
-          <a:p>
-            <a:endParaRPr lang="de-DE"/>
-          </a:p>
-        </p:txBody>
-      </p:sp>
-      <p:sp>
-        <p:nvSpPr>
-          <p:cNvPr id="9" name="Foliennummernplatzhalter 8"/>
-          <p:cNvSpPr>
-            <a:spLocks noGrp="1"/>
-          </p:cNvSpPr>
-          <p:nvPr>
-            <p:ph type="sldNum" sz="quarter" idx="12"/>
-          </p:nvPr>
-        </p:nvSpPr>
-        <p:spPr/>
-        <p:txBody>
-          <a:bodyPr/>
-          <a:lstStyle/>
-          <a:p>
-            <a:fld id="{3A1F27E2-D58A-4028-9FF2-B12D897F257E}" type="slidenum">
               <a:rPr lang="de-DE" smtClean="0"/>
-              <a:t>4</a:t>
-            </a:fld>
+              <a:t>21.06.2021</a:t>
+            </a:r>
             <a:endParaRPr lang="de-DE"/>
           </a:p>
         </p:txBody>
@@ -6578,7 +6260,7 @@
           <p:cNvPr id="2" name="Date Placeholder 1">
             <a:extLst>
               <a:ext uri="{FF2B5EF4-FFF2-40B4-BE49-F238E27FC236}">
-                <a16:creationId xmlns:a16="http://schemas.microsoft.com/office/drawing/2014/main" id="{966AA560-4AD7-4418-8101-D2253AA0226D}"/>
+                <a16:creationId xmlns:a16="http://schemas.microsoft.com/office/drawing/2014/main" xmlns="" id="{966AA560-4AD7-4418-8101-D2253AA0226D}"/>
               </a:ext>
             </a:extLst>
           </p:cNvPr>
@@ -6595,62 +6277,9 @@
           <a:lstStyle/>
           <a:p>
             <a:r>
-              <a:rPr lang="de-DE"/>
-              <a:t>09.12.2019</a:t>
-            </a:r>
-          </a:p>
-        </p:txBody>
-      </p:sp>
-      <p:sp>
-        <p:nvSpPr>
-          <p:cNvPr id="3" name="Footer Placeholder 2">
-            <a:extLst>
-              <a:ext uri="{FF2B5EF4-FFF2-40B4-BE49-F238E27FC236}">
-                <a16:creationId xmlns:a16="http://schemas.microsoft.com/office/drawing/2014/main" id="{3EBD2CAC-7110-4C81-AA2D-C545633AE15E}"/>
-              </a:ext>
-            </a:extLst>
-          </p:cNvPr>
-          <p:cNvSpPr>
-            <a:spLocks noGrp="1"/>
-          </p:cNvSpPr>
-          <p:nvPr>
-            <p:ph type="ftr" sz="quarter" idx="11"/>
-          </p:nvPr>
-        </p:nvSpPr>
-        <p:spPr/>
-        <p:txBody>
-          <a:bodyPr/>
-          <a:lstStyle/>
-          <a:p>
-            <a:endParaRPr lang="de-DE"/>
-          </a:p>
-        </p:txBody>
-      </p:sp>
-      <p:sp>
-        <p:nvSpPr>
-          <p:cNvPr id="4" name="Slide Number Placeholder 3">
-            <a:extLst>
-              <a:ext uri="{FF2B5EF4-FFF2-40B4-BE49-F238E27FC236}">
-                <a16:creationId xmlns:a16="http://schemas.microsoft.com/office/drawing/2014/main" id="{7FCAE5C7-FC26-49A8-A712-4E76666ACFDE}"/>
-              </a:ext>
-            </a:extLst>
-          </p:cNvPr>
-          <p:cNvSpPr>
-            <a:spLocks noGrp="1"/>
-          </p:cNvSpPr>
-          <p:nvPr>
-            <p:ph type="sldNum" sz="quarter" idx="12"/>
-          </p:nvPr>
-        </p:nvSpPr>
-        <p:spPr/>
-        <p:txBody>
-          <a:bodyPr/>
-          <a:lstStyle/>
-          <a:p>
-            <a:fld id="{3A1F27E2-D58A-4028-9FF2-B12D897F257E}" type="slidenum">
               <a:rPr lang="de-DE" smtClean="0"/>
-              <a:t>5</a:t>
-            </a:fld>
+              <a:t>21.06.2021</a:t>
+            </a:r>
             <a:endParaRPr lang="de-DE"/>
           </a:p>
         </p:txBody>
@@ -6660,7 +6289,7 @@
           <p:cNvPr id="6" name="Picture 6">
             <a:extLst>
               <a:ext uri="{FF2B5EF4-FFF2-40B4-BE49-F238E27FC236}">
-                <a16:creationId xmlns:a16="http://schemas.microsoft.com/office/drawing/2014/main" id="{D3A6904F-B971-47F8-9A35-ADE34D4AC626}"/>
+                <a16:creationId xmlns:a16="http://schemas.microsoft.com/office/drawing/2014/main" xmlns="" id="{D3A6904F-B971-47F8-9A35-ADE34D4AC626}"/>
               </a:ext>
             </a:extLst>
           </p:cNvPr>
@@ -6690,7 +6319,7 @@
           <p:cNvPr id="7" name="Picture 7">
             <a:extLst>
               <a:ext uri="{FF2B5EF4-FFF2-40B4-BE49-F238E27FC236}">
-                <a16:creationId xmlns:a16="http://schemas.microsoft.com/office/drawing/2014/main" id="{D0A17AE3-1D7F-4FA7-A2D9-1C652440C7E7}"/>
+                <a16:creationId xmlns:a16="http://schemas.microsoft.com/office/drawing/2014/main" xmlns="" id="{D0A17AE3-1D7F-4FA7-A2D9-1C652440C7E7}"/>
               </a:ext>
             </a:extLst>
           </p:cNvPr>
@@ -6750,7 +6379,7 @@
           <p:cNvPr id="2" name="Title 1">
             <a:extLst>
               <a:ext uri="{FF2B5EF4-FFF2-40B4-BE49-F238E27FC236}">
-                <a16:creationId xmlns:a16="http://schemas.microsoft.com/office/drawing/2014/main" id="{96B83D72-A696-43B2-887A-0FC85C3111E7}"/>
+                <a16:creationId xmlns:a16="http://schemas.microsoft.com/office/drawing/2014/main" xmlns="" id="{96B83D72-A696-43B2-887A-0FC85C3111E7}"/>
               </a:ext>
             </a:extLst>
           </p:cNvPr>
@@ -6782,7 +6411,7 @@
           <p:cNvPr id="3" name="Content Placeholder 2">
             <a:extLst>
               <a:ext uri="{FF2B5EF4-FFF2-40B4-BE49-F238E27FC236}">
-                <a16:creationId xmlns:a16="http://schemas.microsoft.com/office/drawing/2014/main" id="{A024874E-079F-46A8-B4D8-D5716C8C4C2F}"/>
+                <a16:creationId xmlns:a16="http://schemas.microsoft.com/office/drawing/2014/main" xmlns="" id="{A024874E-079F-46A8-B4D8-D5716C8C4C2F}"/>
               </a:ext>
             </a:extLst>
           </p:cNvPr>
@@ -6865,7 +6494,7 @@
           <p:cNvPr id="4" name="Date Placeholder 3">
             <a:extLst>
               <a:ext uri="{FF2B5EF4-FFF2-40B4-BE49-F238E27FC236}">
-                <a16:creationId xmlns:a16="http://schemas.microsoft.com/office/drawing/2014/main" id="{CD0AE388-498F-41DB-893F-9B664B95C4EA}"/>
+                <a16:creationId xmlns:a16="http://schemas.microsoft.com/office/drawing/2014/main" xmlns="" id="{CD0AE388-498F-41DB-893F-9B664B95C4EA}"/>
               </a:ext>
             </a:extLst>
           </p:cNvPr>
@@ -6882,62 +6511,9 @@
           <a:lstStyle/>
           <a:p>
             <a:r>
-              <a:rPr lang="de-DE"/>
-              <a:t>09.12.2019</a:t>
-            </a:r>
-          </a:p>
-        </p:txBody>
-      </p:sp>
-      <p:sp>
-        <p:nvSpPr>
-          <p:cNvPr id="5" name="Footer Placeholder 4">
-            <a:extLst>
-              <a:ext uri="{FF2B5EF4-FFF2-40B4-BE49-F238E27FC236}">
-                <a16:creationId xmlns:a16="http://schemas.microsoft.com/office/drawing/2014/main" id="{E235EBF4-6F48-40BC-A790-9F5463FE4D86}"/>
-              </a:ext>
-            </a:extLst>
-          </p:cNvPr>
-          <p:cNvSpPr>
-            <a:spLocks noGrp="1"/>
-          </p:cNvSpPr>
-          <p:nvPr>
-            <p:ph type="ftr" sz="quarter" idx="11"/>
-          </p:nvPr>
-        </p:nvSpPr>
-        <p:spPr/>
-        <p:txBody>
-          <a:bodyPr/>
-          <a:lstStyle/>
-          <a:p>
-            <a:endParaRPr lang="de-DE"/>
-          </a:p>
-        </p:txBody>
-      </p:sp>
-      <p:sp>
-        <p:nvSpPr>
-          <p:cNvPr id="6" name="Slide Number Placeholder 5">
-            <a:extLst>
-              <a:ext uri="{FF2B5EF4-FFF2-40B4-BE49-F238E27FC236}">
-                <a16:creationId xmlns:a16="http://schemas.microsoft.com/office/drawing/2014/main" id="{EC15A0E9-BFF4-40D5-A3BD-9BAD9457C09D}"/>
-              </a:ext>
-            </a:extLst>
-          </p:cNvPr>
-          <p:cNvSpPr>
-            <a:spLocks noGrp="1"/>
-          </p:cNvSpPr>
-          <p:nvPr>
-            <p:ph type="sldNum" sz="quarter" idx="12"/>
-          </p:nvPr>
-        </p:nvSpPr>
-        <p:spPr/>
-        <p:txBody>
-          <a:bodyPr/>
-          <a:lstStyle/>
-          <a:p>
-            <a:fld id="{3A1F27E2-D58A-4028-9FF2-B12D897F257E}" type="slidenum">
               <a:rPr lang="de-DE" smtClean="0"/>
-              <a:t>6</a:t>
-            </a:fld>
+              <a:t>21.06.2021</a:t>
+            </a:r>
             <a:endParaRPr lang="de-DE"/>
           </a:p>
         </p:txBody>
@@ -6977,7 +6553,7 @@
           <p:cNvPr id="2" name="Title 1">
             <a:extLst>
               <a:ext uri="{FF2B5EF4-FFF2-40B4-BE49-F238E27FC236}">
-                <a16:creationId xmlns:a16="http://schemas.microsoft.com/office/drawing/2014/main" id="{183BA981-0918-461C-9D2F-6F11BDBD05EB}"/>
+                <a16:creationId xmlns:a16="http://schemas.microsoft.com/office/drawing/2014/main" xmlns="" id="{183BA981-0918-461C-9D2F-6F11BDBD05EB}"/>
               </a:ext>
             </a:extLst>
           </p:cNvPr>
@@ -7009,7 +6585,7 @@
           <p:cNvPr id="3" name="Content Placeholder 2">
             <a:extLst>
               <a:ext uri="{FF2B5EF4-FFF2-40B4-BE49-F238E27FC236}">
-                <a16:creationId xmlns:a16="http://schemas.microsoft.com/office/drawing/2014/main" id="{603CBC50-7378-4A8A-A1DF-906EE8C28919}"/>
+                <a16:creationId xmlns:a16="http://schemas.microsoft.com/office/drawing/2014/main" xmlns="" id="{603CBC50-7378-4A8A-A1DF-906EE8C28919}"/>
               </a:ext>
             </a:extLst>
           </p:cNvPr>
@@ -7108,7 +6684,7 @@
           <p:cNvPr id="4" name="Date Placeholder 3">
             <a:extLst>
               <a:ext uri="{FF2B5EF4-FFF2-40B4-BE49-F238E27FC236}">
-                <a16:creationId xmlns:a16="http://schemas.microsoft.com/office/drawing/2014/main" id="{9F614BF8-519A-4766-832F-522D10E156EB}"/>
+                <a16:creationId xmlns:a16="http://schemas.microsoft.com/office/drawing/2014/main" xmlns="" id="{9F614BF8-519A-4766-832F-522D10E156EB}"/>
               </a:ext>
             </a:extLst>
           </p:cNvPr>
@@ -7125,62 +6701,9 @@
           <a:lstStyle/>
           <a:p>
             <a:r>
-              <a:rPr lang="de-DE"/>
-              <a:t>09.12.2019</a:t>
-            </a:r>
-          </a:p>
-        </p:txBody>
-      </p:sp>
-      <p:sp>
-        <p:nvSpPr>
-          <p:cNvPr id="5" name="Footer Placeholder 4">
-            <a:extLst>
-              <a:ext uri="{FF2B5EF4-FFF2-40B4-BE49-F238E27FC236}">
-                <a16:creationId xmlns:a16="http://schemas.microsoft.com/office/drawing/2014/main" id="{DC9ADF6C-FC80-4680-A664-E22C1DE45269}"/>
-              </a:ext>
-            </a:extLst>
-          </p:cNvPr>
-          <p:cNvSpPr>
-            <a:spLocks noGrp="1"/>
-          </p:cNvSpPr>
-          <p:nvPr>
-            <p:ph type="ftr" sz="quarter" idx="11"/>
-          </p:nvPr>
-        </p:nvSpPr>
-        <p:spPr/>
-        <p:txBody>
-          <a:bodyPr/>
-          <a:lstStyle/>
-          <a:p>
-            <a:endParaRPr lang="de-DE"/>
-          </a:p>
-        </p:txBody>
-      </p:sp>
-      <p:sp>
-        <p:nvSpPr>
-          <p:cNvPr id="6" name="Slide Number Placeholder 5">
-            <a:extLst>
-              <a:ext uri="{FF2B5EF4-FFF2-40B4-BE49-F238E27FC236}">
-                <a16:creationId xmlns:a16="http://schemas.microsoft.com/office/drawing/2014/main" id="{CC84DFC1-6487-4D37-8D76-42A3175CCDA1}"/>
-              </a:ext>
-            </a:extLst>
-          </p:cNvPr>
-          <p:cNvSpPr>
-            <a:spLocks noGrp="1"/>
-          </p:cNvSpPr>
-          <p:nvPr>
-            <p:ph type="sldNum" sz="quarter" idx="12"/>
-          </p:nvPr>
-        </p:nvSpPr>
-        <p:spPr/>
-        <p:txBody>
-          <a:bodyPr/>
-          <a:lstStyle/>
-          <a:p>
-            <a:fld id="{3A1F27E2-D58A-4028-9FF2-B12D897F257E}" type="slidenum">
               <a:rPr lang="de-DE" smtClean="0"/>
-              <a:t>7</a:t>
-            </a:fld>
+              <a:t>21.06.2021</a:t>
+            </a:r>
             <a:endParaRPr lang="de-DE"/>
           </a:p>
         </p:txBody>
@@ -7220,7 +6743,7 @@
           <p:cNvPr id="2" name="Title 1">
             <a:extLst>
               <a:ext uri="{FF2B5EF4-FFF2-40B4-BE49-F238E27FC236}">
-                <a16:creationId xmlns:a16="http://schemas.microsoft.com/office/drawing/2014/main" id="{B2140116-D5C3-46F7-9DF6-44B22DA5EE5D}"/>
+                <a16:creationId xmlns:a16="http://schemas.microsoft.com/office/drawing/2014/main" xmlns="" id="{B2140116-D5C3-46F7-9DF6-44B22DA5EE5D}"/>
               </a:ext>
             </a:extLst>
           </p:cNvPr>
@@ -7245,7 +6768,7 @@
           <p:cNvPr id="3" name="Content Placeholder 2">
             <a:extLst>
               <a:ext uri="{FF2B5EF4-FFF2-40B4-BE49-F238E27FC236}">
-                <a16:creationId xmlns:a16="http://schemas.microsoft.com/office/drawing/2014/main" id="{41BDDEBF-0E7B-4AE0-82E0-9E28F03A8CFA}"/>
+                <a16:creationId xmlns:a16="http://schemas.microsoft.com/office/drawing/2014/main" xmlns="" id="{41BDDEBF-0E7B-4AE0-82E0-9E28F03A8CFA}"/>
               </a:ext>
             </a:extLst>
           </p:cNvPr>
@@ -7335,7 +6858,7 @@
           <p:cNvPr id="4" name="Date Placeholder 3">
             <a:extLst>
               <a:ext uri="{FF2B5EF4-FFF2-40B4-BE49-F238E27FC236}">
-                <a16:creationId xmlns:a16="http://schemas.microsoft.com/office/drawing/2014/main" id="{CF21FCE0-2301-4113-9A35-73352A1B9A92}"/>
+                <a16:creationId xmlns:a16="http://schemas.microsoft.com/office/drawing/2014/main" xmlns="" id="{CF21FCE0-2301-4113-9A35-73352A1B9A92}"/>
               </a:ext>
             </a:extLst>
           </p:cNvPr>
@@ -7352,62 +6875,9 @@
           <a:lstStyle/>
           <a:p>
             <a:r>
-              <a:rPr lang="de-DE"/>
-              <a:t>09.12.2019</a:t>
-            </a:r>
-          </a:p>
-        </p:txBody>
-      </p:sp>
-      <p:sp>
-        <p:nvSpPr>
-          <p:cNvPr id="5" name="Footer Placeholder 4">
-            <a:extLst>
-              <a:ext uri="{FF2B5EF4-FFF2-40B4-BE49-F238E27FC236}">
-                <a16:creationId xmlns:a16="http://schemas.microsoft.com/office/drawing/2014/main" id="{E49BE6A8-1FB9-4B13-96F3-CC413AB53799}"/>
-              </a:ext>
-            </a:extLst>
-          </p:cNvPr>
-          <p:cNvSpPr>
-            <a:spLocks noGrp="1"/>
-          </p:cNvSpPr>
-          <p:nvPr>
-            <p:ph type="ftr" sz="quarter" idx="11"/>
-          </p:nvPr>
-        </p:nvSpPr>
-        <p:spPr/>
-        <p:txBody>
-          <a:bodyPr/>
-          <a:lstStyle/>
-          <a:p>
-            <a:endParaRPr lang="de-DE"/>
-          </a:p>
-        </p:txBody>
-      </p:sp>
-      <p:sp>
-        <p:nvSpPr>
-          <p:cNvPr id="6" name="Slide Number Placeholder 5">
-            <a:extLst>
-              <a:ext uri="{FF2B5EF4-FFF2-40B4-BE49-F238E27FC236}">
-                <a16:creationId xmlns:a16="http://schemas.microsoft.com/office/drawing/2014/main" id="{6EAE0C43-EAF0-40E5-8FD6-04343991E05F}"/>
-              </a:ext>
-            </a:extLst>
-          </p:cNvPr>
-          <p:cNvSpPr>
-            <a:spLocks noGrp="1"/>
-          </p:cNvSpPr>
-          <p:nvPr>
-            <p:ph type="sldNum" sz="quarter" idx="12"/>
-          </p:nvPr>
-        </p:nvSpPr>
-        <p:spPr/>
-        <p:txBody>
-          <a:bodyPr/>
-          <a:lstStyle/>
-          <a:p>
-            <a:fld id="{3A1F27E2-D58A-4028-9FF2-B12D897F257E}" type="slidenum">
               <a:rPr lang="de-DE" smtClean="0"/>
-              <a:t>8</a:t>
-            </a:fld>
+              <a:t>21.06.2021</a:t>
+            </a:r>
             <a:endParaRPr lang="de-DE"/>
           </a:p>
         </p:txBody>
@@ -7447,7 +6917,7 @@
           <p:cNvPr id="2" name="Date Placeholder 1">
             <a:extLst>
               <a:ext uri="{FF2B5EF4-FFF2-40B4-BE49-F238E27FC236}">
-                <a16:creationId xmlns:a16="http://schemas.microsoft.com/office/drawing/2014/main" id="{5E28CECD-CA46-450F-9C74-3FDF3D287388}"/>
+                <a16:creationId xmlns:a16="http://schemas.microsoft.com/office/drawing/2014/main" xmlns="" id="{5E28CECD-CA46-450F-9C74-3FDF3D287388}"/>
               </a:ext>
             </a:extLst>
           </p:cNvPr>
@@ -7464,62 +6934,9 @@
           <a:lstStyle/>
           <a:p>
             <a:r>
-              <a:rPr lang="de-DE"/>
-              <a:t>09.12.2019</a:t>
-            </a:r>
-          </a:p>
-        </p:txBody>
-      </p:sp>
-      <p:sp>
-        <p:nvSpPr>
-          <p:cNvPr id="3" name="Footer Placeholder 2">
-            <a:extLst>
-              <a:ext uri="{FF2B5EF4-FFF2-40B4-BE49-F238E27FC236}">
-                <a16:creationId xmlns:a16="http://schemas.microsoft.com/office/drawing/2014/main" id="{7DE2D13A-01E5-4FDC-9D07-1A7F1A8C84AE}"/>
-              </a:ext>
-            </a:extLst>
-          </p:cNvPr>
-          <p:cNvSpPr>
-            <a:spLocks noGrp="1"/>
-          </p:cNvSpPr>
-          <p:nvPr>
-            <p:ph type="ftr" sz="quarter" idx="11"/>
-          </p:nvPr>
-        </p:nvSpPr>
-        <p:spPr/>
-        <p:txBody>
-          <a:bodyPr/>
-          <a:lstStyle/>
-          <a:p>
-            <a:endParaRPr lang="de-DE"/>
-          </a:p>
-        </p:txBody>
-      </p:sp>
-      <p:sp>
-        <p:nvSpPr>
-          <p:cNvPr id="4" name="Slide Number Placeholder 3">
-            <a:extLst>
-              <a:ext uri="{FF2B5EF4-FFF2-40B4-BE49-F238E27FC236}">
-                <a16:creationId xmlns:a16="http://schemas.microsoft.com/office/drawing/2014/main" id="{AD4B9647-58BD-4407-9A68-0E9FF0437E15}"/>
-              </a:ext>
-            </a:extLst>
-          </p:cNvPr>
-          <p:cNvSpPr>
-            <a:spLocks noGrp="1"/>
-          </p:cNvSpPr>
-          <p:nvPr>
-            <p:ph type="sldNum" sz="quarter" idx="12"/>
-          </p:nvPr>
-        </p:nvSpPr>
-        <p:spPr/>
-        <p:txBody>
-          <a:bodyPr/>
-          <a:lstStyle/>
-          <a:p>
-            <a:fld id="{3A1F27E2-D58A-4028-9FF2-B12D897F257E}" type="slidenum">
               <a:rPr lang="de-DE" smtClean="0"/>
-              <a:t>9</a:t>
-            </a:fld>
+              <a:t>21.06.2021</a:t>
+            </a:r>
             <a:endParaRPr lang="de-DE"/>
           </a:p>
         </p:txBody>
@@ -7529,7 +6946,7 @@
           <p:cNvPr id="5" name="Picture 5">
             <a:extLst>
               <a:ext uri="{FF2B5EF4-FFF2-40B4-BE49-F238E27FC236}">
-                <a16:creationId xmlns:a16="http://schemas.microsoft.com/office/drawing/2014/main" id="{477A07DB-6D0C-4307-8A69-8894498A0EFB}"/>
+                <a16:creationId xmlns:a16="http://schemas.microsoft.com/office/drawing/2014/main" xmlns="" id="{477A07DB-6D0C-4307-8A69-8894498A0EFB}"/>
               </a:ext>
             </a:extLst>
           </p:cNvPr>
@@ -7559,7 +6976,7 @@
           <p:cNvPr id="6" name="Picture 6">
             <a:extLst>
               <a:ext uri="{FF2B5EF4-FFF2-40B4-BE49-F238E27FC236}">
-                <a16:creationId xmlns:a16="http://schemas.microsoft.com/office/drawing/2014/main" id="{2B636CB8-7DAA-4809-B888-1F742BD43DA8}"/>
+                <a16:creationId xmlns:a16="http://schemas.microsoft.com/office/drawing/2014/main" xmlns="" id="{2B636CB8-7DAA-4809-B888-1F742BD43DA8}"/>
               </a:ext>
             </a:extLst>
           </p:cNvPr>
@@ -7589,7 +7006,7 @@
           <p:cNvPr id="7" name="Picture 7">
             <a:extLst>
               <a:ext uri="{FF2B5EF4-FFF2-40B4-BE49-F238E27FC236}">
-                <a16:creationId xmlns:a16="http://schemas.microsoft.com/office/drawing/2014/main" id="{D512A633-B3F5-4250-B85F-F8F65C12AC77}"/>
+                <a16:creationId xmlns:a16="http://schemas.microsoft.com/office/drawing/2014/main" xmlns="" id="{D512A633-B3F5-4250-B85F-F8F65C12AC77}"/>
               </a:ext>
             </a:extLst>
           </p:cNvPr>
@@ -7619,7 +7036,7 @@
           <p:cNvPr id="8" name="Picture 8">
             <a:extLst>
               <a:ext uri="{FF2B5EF4-FFF2-40B4-BE49-F238E27FC236}">
-                <a16:creationId xmlns:a16="http://schemas.microsoft.com/office/drawing/2014/main" id="{7F79543C-2FD2-43DF-9818-3035A6A932AD}"/>
+                <a16:creationId xmlns:a16="http://schemas.microsoft.com/office/drawing/2014/main" xmlns="" id="{7F79543C-2FD2-43DF-9818-3035A6A932AD}"/>
               </a:ext>
             </a:extLst>
           </p:cNvPr>
@@ -7649,7 +7066,7 @@
           <p:cNvPr id="9" name="TextBox 8">
             <a:extLst>
               <a:ext uri="{FF2B5EF4-FFF2-40B4-BE49-F238E27FC236}">
-                <a16:creationId xmlns:a16="http://schemas.microsoft.com/office/drawing/2014/main" id="{B96F2AA0-E502-4457-8B24-BA73755CAE82}"/>
+                <a16:creationId xmlns:a16="http://schemas.microsoft.com/office/drawing/2014/main" xmlns="" id="{B96F2AA0-E502-4457-8B24-BA73755CAE82}"/>
               </a:ext>
             </a:extLst>
           </p:cNvPr>
@@ -7687,7 +7104,7 @@
           <p:cNvPr id="10" name="TextBox 9">
             <a:extLst>
               <a:ext uri="{FF2B5EF4-FFF2-40B4-BE49-F238E27FC236}">
-                <a16:creationId xmlns:a16="http://schemas.microsoft.com/office/drawing/2014/main" id="{A9612A14-C761-489D-B8FF-FB5190067874}"/>
+                <a16:creationId xmlns:a16="http://schemas.microsoft.com/office/drawing/2014/main" xmlns="" id="{A9612A14-C761-489D-B8FF-FB5190067874}"/>
               </a:ext>
             </a:extLst>
           </p:cNvPr>
@@ -7725,7 +7142,7 @@
           <p:cNvPr id="11" name="TextBox 10">
             <a:extLst>
               <a:ext uri="{FF2B5EF4-FFF2-40B4-BE49-F238E27FC236}">
-                <a16:creationId xmlns:a16="http://schemas.microsoft.com/office/drawing/2014/main" id="{AAB56A48-C5E2-42E0-95C1-808BD0DEF7E0}"/>
+                <a16:creationId xmlns:a16="http://schemas.microsoft.com/office/drawing/2014/main" xmlns="" id="{AAB56A48-C5E2-42E0-95C1-808BD0DEF7E0}"/>
               </a:ext>
             </a:extLst>
           </p:cNvPr>
@@ -7763,7 +7180,7 @@
           <p:cNvPr id="12" name="TextBox 11">
             <a:extLst>
               <a:ext uri="{FF2B5EF4-FFF2-40B4-BE49-F238E27FC236}">
-                <a16:creationId xmlns:a16="http://schemas.microsoft.com/office/drawing/2014/main" id="{FFBE63D8-C118-4690-9CEC-C048662CD2B2}"/>
+                <a16:creationId xmlns:a16="http://schemas.microsoft.com/office/drawing/2014/main" xmlns="" id="{FFBE63D8-C118-4690-9CEC-C048662CD2B2}"/>
               </a:ext>
             </a:extLst>
           </p:cNvPr>
